--- a/Python/Customized_RPA_API_Testing_Presentation_with_Placeholders.pptx
+++ b/Python/Customized_RPA_API_Testing_Presentation_with_Placeholders.pptx
@@ -5,18 +5,19 @@
     <p:sldMasterId id="2147483648" r:id="rId1"/>
   </p:sldMasterIdLst>
   <p:sldIdLst>
-    <p:sldId id="256" r:id="rId7"/>
-    <p:sldId id="257" r:id="rId8"/>
-    <p:sldId id="258" r:id="rId9"/>
-    <p:sldId id="259" r:id="rId10"/>
-    <p:sldId id="260" r:id="rId11"/>
-    <p:sldId id="261" r:id="rId12"/>
-    <p:sldId id="262" r:id="rId13"/>
-    <p:sldId id="263" r:id="rId14"/>
-    <p:sldId id="264" r:id="rId15"/>
-    <p:sldId id="265" r:id="rId16"/>
-    <p:sldId id="266" r:id="rId17"/>
-    <p:sldId id="267" r:id="rId18"/>
+    <p:sldId id="256" r:id="rId2"/>
+    <p:sldId id="257" r:id="rId3"/>
+    <p:sldId id="258" r:id="rId4"/>
+    <p:sldId id="259" r:id="rId5"/>
+    <p:sldId id="260" r:id="rId6"/>
+    <p:sldId id="261" r:id="rId7"/>
+    <p:sldId id="262" r:id="rId8"/>
+    <p:sldId id="263" r:id="rId9"/>
+    <p:sldId id="264" r:id="rId10"/>
+    <p:sldId id="265" r:id="rId11"/>
+    <p:sldId id="266" r:id="rId12"/>
+    <p:sldId id="268" r:id="rId13"/>
+    <p:sldId id="267" r:id="rId14"/>
   </p:sldIdLst>
   <p:sldSz cx="9144000" cy="6858000" type="screen4x3"/>
   <p:notesSz cx="6858000" cy="9144000"/>
@@ -115,7 +116,3435 @@
       </a:defRPr>
     </a:lvl9pPr>
   </p:defaultTextStyle>
+  <p:extLst>
+    <p:ext uri="{EFAFB233-063F-42B5-8137-9DF3F51BA10A}">
+      <p15:sldGuideLst xmlns:p15="http://schemas.microsoft.com/office/powerpoint/2012/main">
+        <p15:guide id="1" orient="horz" pos="2160">
+          <p15:clr>
+            <a:srgbClr val="A4A3A4"/>
+          </p15:clr>
+        </p15:guide>
+        <p15:guide id="2" pos="2880">
+          <p15:clr>
+            <a:srgbClr val="A4A3A4"/>
+          </p15:clr>
+        </p15:guide>
+      </p15:sldGuideLst>
+    </p:ext>
+  </p:extLst>
 </p:presentation>
+</file>
+
+<file path=ppt/diagrams/colors1.xml><?xml version="1.0" encoding="utf-8"?>
+<dgm:colorsDef xmlns:dgm="http://schemas.openxmlformats.org/drawingml/2006/diagram" xmlns:a="http://schemas.openxmlformats.org/drawingml/2006/main" uniqueId="urn:microsoft.com/office/officeart/2005/8/colors/accent1_2">
+  <dgm:title val=""/>
+  <dgm:desc val=""/>
+  <dgm:catLst>
+    <dgm:cat type="accent1" pri="11200"/>
+  </dgm:catLst>
+  <dgm:styleLbl name="node0">
+    <dgm:fillClrLst meth="repeat">
+      <a:schemeClr val="accent1"/>
+    </dgm:fillClrLst>
+    <dgm:linClrLst meth="repeat">
+      <a:schemeClr val="lt1"/>
+    </dgm:linClrLst>
+    <dgm:effectClrLst/>
+    <dgm:txLinClrLst/>
+    <dgm:txFillClrLst/>
+    <dgm:txEffectClrLst/>
+  </dgm:styleLbl>
+  <dgm:styleLbl name="alignNode1">
+    <dgm:fillClrLst meth="repeat">
+      <a:schemeClr val="accent1"/>
+    </dgm:fillClrLst>
+    <dgm:linClrLst meth="repeat">
+      <a:schemeClr val="accent1"/>
+    </dgm:linClrLst>
+    <dgm:effectClrLst/>
+    <dgm:txLinClrLst/>
+    <dgm:txFillClrLst/>
+    <dgm:txEffectClrLst/>
+  </dgm:styleLbl>
+  <dgm:styleLbl name="node1">
+    <dgm:fillClrLst meth="repeat">
+      <a:schemeClr val="accent1"/>
+    </dgm:fillClrLst>
+    <dgm:linClrLst meth="repeat">
+      <a:schemeClr val="lt1"/>
+    </dgm:linClrLst>
+    <dgm:effectClrLst/>
+    <dgm:txLinClrLst/>
+    <dgm:txFillClrLst/>
+    <dgm:txEffectClrLst/>
+  </dgm:styleLbl>
+  <dgm:styleLbl name="lnNode1">
+    <dgm:fillClrLst meth="repeat">
+      <a:schemeClr val="accent1"/>
+    </dgm:fillClrLst>
+    <dgm:linClrLst meth="repeat">
+      <a:schemeClr val="lt1"/>
+    </dgm:linClrLst>
+    <dgm:effectClrLst/>
+    <dgm:txLinClrLst/>
+    <dgm:txFillClrLst/>
+    <dgm:txEffectClrLst/>
+  </dgm:styleLbl>
+  <dgm:styleLbl name="vennNode1">
+    <dgm:fillClrLst meth="repeat">
+      <a:schemeClr val="accent1">
+        <a:alpha val="50000"/>
+      </a:schemeClr>
+    </dgm:fillClrLst>
+    <dgm:linClrLst meth="repeat">
+      <a:schemeClr val="lt1"/>
+    </dgm:linClrLst>
+    <dgm:effectClrLst/>
+    <dgm:txLinClrLst/>
+    <dgm:txFillClrLst/>
+    <dgm:txEffectClrLst/>
+  </dgm:styleLbl>
+  <dgm:styleLbl name="node2">
+    <dgm:fillClrLst meth="repeat">
+      <a:schemeClr val="accent1"/>
+    </dgm:fillClrLst>
+    <dgm:linClrLst meth="repeat">
+      <a:schemeClr val="lt1"/>
+    </dgm:linClrLst>
+    <dgm:effectClrLst/>
+    <dgm:txLinClrLst/>
+    <dgm:txFillClrLst/>
+    <dgm:txEffectClrLst/>
+  </dgm:styleLbl>
+  <dgm:styleLbl name="node3">
+    <dgm:fillClrLst meth="repeat">
+      <a:schemeClr val="accent1"/>
+    </dgm:fillClrLst>
+    <dgm:linClrLst meth="repeat">
+      <a:schemeClr val="lt1"/>
+    </dgm:linClrLst>
+    <dgm:effectClrLst/>
+    <dgm:txLinClrLst/>
+    <dgm:txFillClrLst/>
+    <dgm:txEffectClrLst/>
+  </dgm:styleLbl>
+  <dgm:styleLbl name="node4">
+    <dgm:fillClrLst meth="repeat">
+      <a:schemeClr val="accent1"/>
+    </dgm:fillClrLst>
+    <dgm:linClrLst meth="repeat">
+      <a:schemeClr val="lt1"/>
+    </dgm:linClrLst>
+    <dgm:effectClrLst/>
+    <dgm:txLinClrLst/>
+    <dgm:txFillClrLst/>
+    <dgm:txEffectClrLst/>
+  </dgm:styleLbl>
+  <dgm:styleLbl name="fgImgPlace1">
+    <dgm:fillClrLst meth="repeat">
+      <a:schemeClr val="accent1">
+        <a:tint val="50000"/>
+      </a:schemeClr>
+    </dgm:fillClrLst>
+    <dgm:linClrLst meth="repeat">
+      <a:schemeClr val="lt1"/>
+    </dgm:linClrLst>
+    <dgm:effectClrLst/>
+    <dgm:txLinClrLst/>
+    <dgm:txFillClrLst meth="repeat">
+      <a:schemeClr val="lt1"/>
+    </dgm:txFillClrLst>
+    <dgm:txEffectClrLst/>
+  </dgm:styleLbl>
+  <dgm:styleLbl name="alignImgPlace1">
+    <dgm:fillClrLst meth="repeat">
+      <a:schemeClr val="accent1">
+        <a:tint val="50000"/>
+      </a:schemeClr>
+    </dgm:fillClrLst>
+    <dgm:linClrLst meth="repeat">
+      <a:schemeClr val="lt1"/>
+    </dgm:linClrLst>
+    <dgm:effectClrLst/>
+    <dgm:txLinClrLst/>
+    <dgm:txFillClrLst meth="repeat">
+      <a:schemeClr val="lt1"/>
+    </dgm:txFillClrLst>
+    <dgm:txEffectClrLst/>
+  </dgm:styleLbl>
+  <dgm:styleLbl name="bgImgPlace1">
+    <dgm:fillClrLst meth="repeat">
+      <a:schemeClr val="accent1">
+        <a:tint val="50000"/>
+      </a:schemeClr>
+    </dgm:fillClrLst>
+    <dgm:linClrLst meth="repeat">
+      <a:schemeClr val="lt1"/>
+    </dgm:linClrLst>
+    <dgm:effectClrLst/>
+    <dgm:txLinClrLst/>
+    <dgm:txFillClrLst meth="repeat">
+      <a:schemeClr val="lt1"/>
+    </dgm:txFillClrLst>
+    <dgm:txEffectClrLst/>
+  </dgm:styleLbl>
+  <dgm:styleLbl name="sibTrans2D1">
+    <dgm:fillClrLst meth="repeat">
+      <a:schemeClr val="accent1">
+        <a:tint val="60000"/>
+      </a:schemeClr>
+    </dgm:fillClrLst>
+    <dgm:linClrLst meth="repeat">
+      <a:schemeClr val="accent1">
+        <a:tint val="60000"/>
+      </a:schemeClr>
+    </dgm:linClrLst>
+    <dgm:effectClrLst/>
+    <dgm:txLinClrLst/>
+    <dgm:txFillClrLst/>
+    <dgm:txEffectClrLst/>
+  </dgm:styleLbl>
+  <dgm:styleLbl name="fgSibTrans2D1">
+    <dgm:fillClrLst meth="repeat">
+      <a:schemeClr val="accent1">
+        <a:tint val="60000"/>
+      </a:schemeClr>
+    </dgm:fillClrLst>
+    <dgm:linClrLst meth="repeat">
+      <a:schemeClr val="accent1">
+        <a:tint val="60000"/>
+      </a:schemeClr>
+    </dgm:linClrLst>
+    <dgm:effectClrLst/>
+    <dgm:txLinClrLst/>
+    <dgm:txFillClrLst/>
+    <dgm:txEffectClrLst/>
+  </dgm:styleLbl>
+  <dgm:styleLbl name="bgSibTrans2D1">
+    <dgm:fillClrLst meth="repeat">
+      <a:schemeClr val="accent1">
+        <a:tint val="60000"/>
+      </a:schemeClr>
+    </dgm:fillClrLst>
+    <dgm:linClrLst meth="repeat">
+      <a:schemeClr val="accent1">
+        <a:tint val="60000"/>
+      </a:schemeClr>
+    </dgm:linClrLst>
+    <dgm:effectClrLst/>
+    <dgm:txLinClrLst/>
+    <dgm:txFillClrLst/>
+    <dgm:txEffectClrLst/>
+  </dgm:styleLbl>
+  <dgm:styleLbl name="sibTrans1D1">
+    <dgm:fillClrLst meth="repeat">
+      <a:schemeClr val="accent1"/>
+    </dgm:fillClrLst>
+    <dgm:linClrLst meth="repeat">
+      <a:schemeClr val="accent1"/>
+    </dgm:linClrLst>
+    <dgm:effectClrLst/>
+    <dgm:txLinClrLst/>
+    <dgm:txFillClrLst meth="repeat">
+      <a:schemeClr val="tx1"/>
+    </dgm:txFillClrLst>
+    <dgm:txEffectClrLst/>
+  </dgm:styleLbl>
+  <dgm:styleLbl name="callout">
+    <dgm:fillClrLst meth="repeat">
+      <a:schemeClr val="accent1"/>
+    </dgm:fillClrLst>
+    <dgm:linClrLst meth="repeat">
+      <a:schemeClr val="accent1">
+        <a:tint val="50000"/>
+      </a:schemeClr>
+    </dgm:linClrLst>
+    <dgm:effectClrLst/>
+    <dgm:txLinClrLst/>
+    <dgm:txFillClrLst meth="repeat">
+      <a:schemeClr val="tx1"/>
+    </dgm:txFillClrLst>
+    <dgm:txEffectClrLst/>
+  </dgm:styleLbl>
+  <dgm:styleLbl name="asst0">
+    <dgm:fillClrLst meth="repeat">
+      <a:schemeClr val="accent1"/>
+    </dgm:fillClrLst>
+    <dgm:linClrLst meth="repeat">
+      <a:schemeClr val="lt1"/>
+    </dgm:linClrLst>
+    <dgm:effectClrLst/>
+    <dgm:txLinClrLst/>
+    <dgm:txFillClrLst/>
+    <dgm:txEffectClrLst/>
+  </dgm:styleLbl>
+  <dgm:styleLbl name="asst1">
+    <dgm:fillClrLst meth="repeat">
+      <a:schemeClr val="accent1"/>
+    </dgm:fillClrLst>
+    <dgm:linClrLst meth="repeat">
+      <a:schemeClr val="lt1"/>
+    </dgm:linClrLst>
+    <dgm:effectClrLst/>
+    <dgm:txLinClrLst/>
+    <dgm:txFillClrLst/>
+    <dgm:txEffectClrLst/>
+  </dgm:styleLbl>
+  <dgm:styleLbl name="asst2">
+    <dgm:fillClrLst meth="repeat">
+      <a:schemeClr val="accent1"/>
+    </dgm:fillClrLst>
+    <dgm:linClrLst meth="repeat">
+      <a:schemeClr val="lt1"/>
+    </dgm:linClrLst>
+    <dgm:effectClrLst/>
+    <dgm:txLinClrLst/>
+    <dgm:txFillClrLst/>
+    <dgm:txEffectClrLst/>
+  </dgm:styleLbl>
+  <dgm:styleLbl name="asst3">
+    <dgm:fillClrLst meth="repeat">
+      <a:schemeClr val="accent1"/>
+    </dgm:fillClrLst>
+    <dgm:linClrLst meth="repeat">
+      <a:schemeClr val="lt1"/>
+    </dgm:linClrLst>
+    <dgm:effectClrLst/>
+    <dgm:txLinClrLst/>
+    <dgm:txFillClrLst/>
+    <dgm:txEffectClrLst/>
+  </dgm:styleLbl>
+  <dgm:styleLbl name="asst4">
+    <dgm:fillClrLst meth="repeat">
+      <a:schemeClr val="accent1"/>
+    </dgm:fillClrLst>
+    <dgm:linClrLst meth="repeat">
+      <a:schemeClr val="lt1"/>
+    </dgm:linClrLst>
+    <dgm:effectClrLst/>
+    <dgm:txLinClrLst/>
+    <dgm:txFillClrLst/>
+    <dgm:txEffectClrLst/>
+  </dgm:styleLbl>
+  <dgm:styleLbl name="parChTrans2D1">
+    <dgm:fillClrLst meth="repeat">
+      <a:schemeClr val="accent1">
+        <a:tint val="60000"/>
+      </a:schemeClr>
+    </dgm:fillClrLst>
+    <dgm:linClrLst meth="repeat">
+      <a:schemeClr val="accent1">
+        <a:tint val="60000"/>
+      </a:schemeClr>
+    </dgm:linClrLst>
+    <dgm:effectClrLst/>
+    <dgm:txLinClrLst/>
+    <dgm:txFillClrLst meth="repeat">
+      <a:schemeClr val="lt1"/>
+    </dgm:txFillClrLst>
+    <dgm:txEffectClrLst/>
+  </dgm:styleLbl>
+  <dgm:styleLbl name="parChTrans2D2">
+    <dgm:fillClrLst meth="repeat">
+      <a:schemeClr val="accent1"/>
+    </dgm:fillClrLst>
+    <dgm:linClrLst meth="repeat">
+      <a:schemeClr val="accent1"/>
+    </dgm:linClrLst>
+    <dgm:effectClrLst/>
+    <dgm:txLinClrLst/>
+    <dgm:txFillClrLst meth="repeat">
+      <a:schemeClr val="lt1"/>
+    </dgm:txFillClrLst>
+    <dgm:txEffectClrLst/>
+  </dgm:styleLbl>
+  <dgm:styleLbl name="parChTrans2D3">
+    <dgm:fillClrLst meth="repeat">
+      <a:schemeClr val="accent1"/>
+    </dgm:fillClrLst>
+    <dgm:linClrLst meth="repeat">
+      <a:schemeClr val="accent1"/>
+    </dgm:linClrLst>
+    <dgm:effectClrLst/>
+    <dgm:txLinClrLst/>
+    <dgm:txFillClrLst meth="repeat">
+      <a:schemeClr val="lt1"/>
+    </dgm:txFillClrLst>
+    <dgm:txEffectClrLst/>
+  </dgm:styleLbl>
+  <dgm:styleLbl name="parChTrans2D4">
+    <dgm:fillClrLst meth="repeat">
+      <a:schemeClr val="accent1"/>
+    </dgm:fillClrLst>
+    <dgm:linClrLst meth="repeat">
+      <a:schemeClr val="accent1"/>
+    </dgm:linClrLst>
+    <dgm:effectClrLst/>
+    <dgm:txLinClrLst/>
+    <dgm:txFillClrLst meth="repeat">
+      <a:schemeClr val="lt1"/>
+    </dgm:txFillClrLst>
+    <dgm:txEffectClrLst/>
+  </dgm:styleLbl>
+  <dgm:styleLbl name="parChTrans1D1">
+    <dgm:fillClrLst meth="repeat">
+      <a:schemeClr val="accent1"/>
+    </dgm:fillClrLst>
+    <dgm:linClrLst meth="repeat">
+      <a:schemeClr val="accent1">
+        <a:shade val="60000"/>
+      </a:schemeClr>
+    </dgm:linClrLst>
+    <dgm:effectClrLst/>
+    <dgm:txLinClrLst/>
+    <dgm:txFillClrLst meth="repeat">
+      <a:schemeClr val="tx1"/>
+    </dgm:txFillClrLst>
+    <dgm:txEffectClrLst/>
+  </dgm:styleLbl>
+  <dgm:styleLbl name="parChTrans1D2">
+    <dgm:fillClrLst meth="repeat">
+      <a:schemeClr val="accent1"/>
+    </dgm:fillClrLst>
+    <dgm:linClrLst meth="repeat">
+      <a:schemeClr val="accent1">
+        <a:shade val="60000"/>
+      </a:schemeClr>
+    </dgm:linClrLst>
+    <dgm:effectClrLst/>
+    <dgm:txLinClrLst/>
+    <dgm:txFillClrLst meth="repeat">
+      <a:schemeClr val="tx1"/>
+    </dgm:txFillClrLst>
+    <dgm:txEffectClrLst/>
+  </dgm:styleLbl>
+  <dgm:styleLbl name="parChTrans1D3">
+    <dgm:fillClrLst meth="repeat">
+      <a:schemeClr val="accent1"/>
+    </dgm:fillClrLst>
+    <dgm:linClrLst meth="repeat">
+      <a:schemeClr val="accent1">
+        <a:shade val="80000"/>
+      </a:schemeClr>
+    </dgm:linClrLst>
+    <dgm:effectClrLst/>
+    <dgm:txLinClrLst/>
+    <dgm:txFillClrLst meth="repeat">
+      <a:schemeClr val="tx1"/>
+    </dgm:txFillClrLst>
+    <dgm:txEffectClrLst/>
+  </dgm:styleLbl>
+  <dgm:styleLbl name="parChTrans1D4">
+    <dgm:fillClrLst meth="repeat">
+      <a:schemeClr val="accent1"/>
+    </dgm:fillClrLst>
+    <dgm:linClrLst meth="repeat">
+      <a:schemeClr val="accent1">
+        <a:shade val="80000"/>
+      </a:schemeClr>
+    </dgm:linClrLst>
+    <dgm:effectClrLst/>
+    <dgm:txLinClrLst/>
+    <dgm:txFillClrLst meth="repeat">
+      <a:schemeClr val="tx1"/>
+    </dgm:txFillClrLst>
+    <dgm:txEffectClrLst/>
+  </dgm:styleLbl>
+  <dgm:styleLbl name="fgAcc1">
+    <dgm:fillClrLst meth="repeat">
+      <a:schemeClr val="lt1">
+        <a:alpha val="90000"/>
+      </a:schemeClr>
+    </dgm:fillClrLst>
+    <dgm:linClrLst meth="repeat">
+      <a:schemeClr val="accent1"/>
+    </dgm:linClrLst>
+    <dgm:effectClrLst/>
+    <dgm:txLinClrLst/>
+    <dgm:txFillClrLst meth="repeat">
+      <a:schemeClr val="dk1"/>
+    </dgm:txFillClrLst>
+    <dgm:txEffectClrLst/>
+  </dgm:styleLbl>
+  <dgm:styleLbl name="conFgAcc1">
+    <dgm:fillClrLst meth="repeat">
+      <a:schemeClr val="lt1">
+        <a:alpha val="90000"/>
+      </a:schemeClr>
+    </dgm:fillClrLst>
+    <dgm:linClrLst meth="repeat">
+      <a:schemeClr val="accent1"/>
+    </dgm:linClrLst>
+    <dgm:effectClrLst/>
+    <dgm:txLinClrLst/>
+    <dgm:txFillClrLst meth="repeat">
+      <a:schemeClr val="dk1"/>
+    </dgm:txFillClrLst>
+    <dgm:txEffectClrLst/>
+  </dgm:styleLbl>
+  <dgm:styleLbl name="alignAcc1">
+    <dgm:fillClrLst meth="repeat">
+      <a:schemeClr val="lt1">
+        <a:alpha val="90000"/>
+      </a:schemeClr>
+    </dgm:fillClrLst>
+    <dgm:linClrLst meth="repeat">
+      <a:schemeClr val="accent1"/>
+    </dgm:linClrLst>
+    <dgm:effectClrLst/>
+    <dgm:txLinClrLst/>
+    <dgm:txFillClrLst meth="repeat">
+      <a:schemeClr val="dk1"/>
+    </dgm:txFillClrLst>
+    <dgm:txEffectClrLst/>
+  </dgm:styleLbl>
+  <dgm:styleLbl name="trAlignAcc1">
+    <dgm:fillClrLst meth="repeat">
+      <a:schemeClr val="lt1">
+        <a:alpha val="40000"/>
+      </a:schemeClr>
+    </dgm:fillClrLst>
+    <dgm:linClrLst meth="repeat">
+      <a:schemeClr val="accent1"/>
+    </dgm:linClrLst>
+    <dgm:effectClrLst/>
+    <dgm:txLinClrLst/>
+    <dgm:txFillClrLst meth="repeat">
+      <a:schemeClr val="dk1"/>
+    </dgm:txFillClrLst>
+    <dgm:txEffectClrLst/>
+  </dgm:styleLbl>
+  <dgm:styleLbl name="bgAcc1">
+    <dgm:fillClrLst meth="repeat">
+      <a:schemeClr val="lt1">
+        <a:alpha val="90000"/>
+      </a:schemeClr>
+    </dgm:fillClrLst>
+    <dgm:linClrLst meth="repeat">
+      <a:schemeClr val="accent1"/>
+    </dgm:linClrLst>
+    <dgm:effectClrLst/>
+    <dgm:txLinClrLst/>
+    <dgm:txFillClrLst meth="repeat">
+      <a:schemeClr val="dk1"/>
+    </dgm:txFillClrLst>
+    <dgm:txEffectClrLst/>
+  </dgm:styleLbl>
+  <dgm:styleLbl name="solidFgAcc1">
+    <dgm:fillClrLst meth="repeat">
+      <a:schemeClr val="lt1"/>
+    </dgm:fillClrLst>
+    <dgm:linClrLst meth="repeat">
+      <a:schemeClr val="accent1"/>
+    </dgm:linClrLst>
+    <dgm:effectClrLst/>
+    <dgm:txLinClrLst/>
+    <dgm:txFillClrLst meth="repeat">
+      <a:schemeClr val="dk1"/>
+    </dgm:txFillClrLst>
+    <dgm:txEffectClrLst/>
+  </dgm:styleLbl>
+  <dgm:styleLbl name="solidAlignAcc1">
+    <dgm:fillClrLst meth="repeat">
+      <a:schemeClr val="lt1"/>
+    </dgm:fillClrLst>
+    <dgm:linClrLst meth="repeat">
+      <a:schemeClr val="accent1"/>
+    </dgm:linClrLst>
+    <dgm:effectClrLst/>
+    <dgm:txLinClrLst/>
+    <dgm:txFillClrLst meth="repeat">
+      <a:schemeClr val="dk1"/>
+    </dgm:txFillClrLst>
+    <dgm:txEffectClrLst/>
+  </dgm:styleLbl>
+  <dgm:styleLbl name="solidBgAcc1">
+    <dgm:fillClrLst meth="repeat">
+      <a:schemeClr val="lt1"/>
+    </dgm:fillClrLst>
+    <dgm:linClrLst meth="repeat">
+      <a:schemeClr val="accent1"/>
+    </dgm:linClrLst>
+    <dgm:effectClrLst/>
+    <dgm:txLinClrLst/>
+    <dgm:txFillClrLst meth="repeat">
+      <a:schemeClr val="dk1"/>
+    </dgm:txFillClrLst>
+    <dgm:txEffectClrLst/>
+  </dgm:styleLbl>
+  <dgm:styleLbl name="fgAccFollowNode1">
+    <dgm:fillClrLst meth="repeat">
+      <a:schemeClr val="accent1">
+        <a:alpha val="90000"/>
+        <a:tint val="40000"/>
+      </a:schemeClr>
+    </dgm:fillClrLst>
+    <dgm:linClrLst meth="repeat">
+      <a:schemeClr val="accent1">
+        <a:alpha val="90000"/>
+        <a:tint val="40000"/>
+      </a:schemeClr>
+    </dgm:linClrLst>
+    <dgm:effectClrLst/>
+    <dgm:txLinClrLst/>
+    <dgm:txFillClrLst meth="repeat">
+      <a:schemeClr val="dk1"/>
+    </dgm:txFillClrLst>
+    <dgm:txEffectClrLst/>
+  </dgm:styleLbl>
+  <dgm:styleLbl name="alignAccFollowNode1">
+    <dgm:fillClrLst meth="repeat">
+      <a:schemeClr val="accent1">
+        <a:alpha val="90000"/>
+        <a:tint val="40000"/>
+      </a:schemeClr>
+    </dgm:fillClrLst>
+    <dgm:linClrLst meth="repeat">
+      <a:schemeClr val="accent1">
+        <a:alpha val="90000"/>
+        <a:tint val="40000"/>
+      </a:schemeClr>
+    </dgm:linClrLst>
+    <dgm:effectClrLst/>
+    <dgm:txLinClrLst/>
+    <dgm:txFillClrLst meth="repeat">
+      <a:schemeClr val="dk1"/>
+    </dgm:txFillClrLst>
+    <dgm:txEffectClrLst/>
+  </dgm:styleLbl>
+  <dgm:styleLbl name="bgAccFollowNode1">
+    <dgm:fillClrLst meth="repeat">
+      <a:schemeClr val="accent1">
+        <a:alpha val="90000"/>
+        <a:tint val="40000"/>
+      </a:schemeClr>
+    </dgm:fillClrLst>
+    <dgm:linClrLst meth="repeat">
+      <a:schemeClr val="accent1">
+        <a:alpha val="90000"/>
+        <a:tint val="40000"/>
+      </a:schemeClr>
+    </dgm:linClrLst>
+    <dgm:effectClrLst/>
+    <dgm:txLinClrLst/>
+    <dgm:txFillClrLst meth="repeat">
+      <a:schemeClr val="dk1"/>
+    </dgm:txFillClrLst>
+    <dgm:txEffectClrLst/>
+  </dgm:styleLbl>
+  <dgm:styleLbl name="fgAcc0">
+    <dgm:fillClrLst meth="repeat">
+      <a:schemeClr val="lt1">
+        <a:alpha val="90000"/>
+      </a:schemeClr>
+    </dgm:fillClrLst>
+    <dgm:linClrLst meth="repeat">
+      <a:schemeClr val="accent1"/>
+    </dgm:linClrLst>
+    <dgm:effectClrLst/>
+    <dgm:txLinClrLst/>
+    <dgm:txFillClrLst meth="repeat">
+      <a:schemeClr val="dk1"/>
+    </dgm:txFillClrLst>
+    <dgm:txEffectClrLst/>
+  </dgm:styleLbl>
+  <dgm:styleLbl name="fgAcc2">
+    <dgm:fillClrLst meth="repeat">
+      <a:schemeClr val="lt1">
+        <a:alpha val="90000"/>
+      </a:schemeClr>
+    </dgm:fillClrLst>
+    <dgm:linClrLst meth="repeat">
+      <a:schemeClr val="accent1"/>
+    </dgm:linClrLst>
+    <dgm:effectClrLst/>
+    <dgm:txLinClrLst/>
+    <dgm:txFillClrLst meth="repeat">
+      <a:schemeClr val="dk1"/>
+    </dgm:txFillClrLst>
+    <dgm:txEffectClrLst/>
+  </dgm:styleLbl>
+  <dgm:styleLbl name="fgAcc3">
+    <dgm:fillClrLst meth="repeat">
+      <a:schemeClr val="lt1">
+        <a:alpha val="90000"/>
+      </a:schemeClr>
+    </dgm:fillClrLst>
+    <dgm:linClrLst meth="repeat">
+      <a:schemeClr val="accent1"/>
+    </dgm:linClrLst>
+    <dgm:effectClrLst/>
+    <dgm:txLinClrLst/>
+    <dgm:txFillClrLst meth="repeat">
+      <a:schemeClr val="dk1"/>
+    </dgm:txFillClrLst>
+    <dgm:txEffectClrLst/>
+  </dgm:styleLbl>
+  <dgm:styleLbl name="fgAcc4">
+    <dgm:fillClrLst meth="repeat">
+      <a:schemeClr val="lt1">
+        <a:alpha val="90000"/>
+      </a:schemeClr>
+    </dgm:fillClrLst>
+    <dgm:linClrLst meth="repeat">
+      <a:schemeClr val="accent1"/>
+    </dgm:linClrLst>
+    <dgm:effectClrLst/>
+    <dgm:txLinClrLst/>
+    <dgm:txFillClrLst meth="repeat">
+      <a:schemeClr val="dk1"/>
+    </dgm:txFillClrLst>
+    <dgm:txEffectClrLst/>
+  </dgm:styleLbl>
+  <dgm:styleLbl name="bgShp">
+    <dgm:fillClrLst meth="repeat">
+      <a:schemeClr val="accent1">
+        <a:tint val="40000"/>
+      </a:schemeClr>
+    </dgm:fillClrLst>
+    <dgm:linClrLst meth="repeat">
+      <a:schemeClr val="accent1"/>
+    </dgm:linClrLst>
+    <dgm:effectClrLst/>
+    <dgm:txLinClrLst/>
+    <dgm:txFillClrLst meth="repeat">
+      <a:schemeClr val="dk1"/>
+    </dgm:txFillClrLst>
+    <dgm:txEffectClrLst/>
+  </dgm:styleLbl>
+  <dgm:styleLbl name="dkBgShp">
+    <dgm:fillClrLst meth="repeat">
+      <a:schemeClr val="accent1">
+        <a:shade val="80000"/>
+      </a:schemeClr>
+    </dgm:fillClrLst>
+    <dgm:linClrLst meth="repeat">
+      <a:schemeClr val="accent1"/>
+    </dgm:linClrLst>
+    <dgm:effectClrLst/>
+    <dgm:txLinClrLst/>
+    <dgm:txFillClrLst meth="repeat">
+      <a:schemeClr val="lt1"/>
+    </dgm:txFillClrLst>
+    <dgm:txEffectClrLst/>
+  </dgm:styleLbl>
+  <dgm:styleLbl name="trBgShp">
+    <dgm:fillClrLst meth="repeat">
+      <a:schemeClr val="accent1">
+        <a:tint val="50000"/>
+        <a:alpha val="40000"/>
+      </a:schemeClr>
+    </dgm:fillClrLst>
+    <dgm:linClrLst meth="repeat">
+      <a:schemeClr val="accent1"/>
+    </dgm:linClrLst>
+    <dgm:effectClrLst/>
+    <dgm:txLinClrLst/>
+    <dgm:txFillClrLst meth="repeat">
+      <a:schemeClr val="lt1"/>
+    </dgm:txFillClrLst>
+    <dgm:txEffectClrLst/>
+  </dgm:styleLbl>
+  <dgm:styleLbl name="fgShp">
+    <dgm:fillClrLst meth="repeat">
+      <a:schemeClr val="accent1">
+        <a:tint val="60000"/>
+      </a:schemeClr>
+    </dgm:fillClrLst>
+    <dgm:linClrLst meth="repeat">
+      <a:schemeClr val="lt1"/>
+    </dgm:linClrLst>
+    <dgm:effectClrLst/>
+    <dgm:txLinClrLst/>
+    <dgm:txFillClrLst meth="repeat">
+      <a:schemeClr val="dk1"/>
+    </dgm:txFillClrLst>
+    <dgm:txEffectClrLst/>
+  </dgm:styleLbl>
+  <dgm:styleLbl name="revTx">
+    <dgm:fillClrLst meth="repeat">
+      <a:schemeClr val="lt1">
+        <a:alpha val="0"/>
+      </a:schemeClr>
+    </dgm:fillClrLst>
+    <dgm:linClrLst meth="repeat">
+      <a:schemeClr val="dk1">
+        <a:alpha val="0"/>
+      </a:schemeClr>
+    </dgm:linClrLst>
+    <dgm:effectClrLst/>
+    <dgm:txLinClrLst/>
+    <dgm:txFillClrLst meth="repeat">
+      <a:schemeClr val="tx1"/>
+    </dgm:txFillClrLst>
+    <dgm:txEffectClrLst/>
+  </dgm:styleLbl>
+</dgm:colorsDef>
+</file>
+
+<file path=ppt/diagrams/data1.xml><?xml version="1.0" encoding="utf-8"?>
+<dgm:dataModel xmlns:dgm="http://schemas.openxmlformats.org/drawingml/2006/diagram" xmlns:a="http://schemas.openxmlformats.org/drawingml/2006/main">
+  <dgm:ptLst>
+    <dgm:pt modelId="{18B7A33F-35BD-4802-B036-47CCB61FE2D0}" type="doc">
+      <dgm:prSet loTypeId="urn:microsoft.com/office/officeart/2005/8/layout/cycle1" loCatId="cycle" qsTypeId="urn:microsoft.com/office/officeart/2005/8/quickstyle/simple1" qsCatId="simple" csTypeId="urn:microsoft.com/office/officeart/2005/8/colors/accent1_2" csCatId="accent1"/>
+      <dgm:spPr/>
+      <dgm:t>
+        <a:bodyPr/>
+        <a:lstStyle/>
+        <a:p>
+          <a:endParaRPr lang="en-US"/>
+        </a:p>
+      </dgm:t>
+    </dgm:pt>
+    <dgm:pt modelId="{26C78333-2825-463A-B61F-292B92D573FD}">
+      <dgm:prSet/>
+      <dgm:spPr/>
+      <dgm:t>
+        <a:bodyPr/>
+        <a:lstStyle/>
+        <a:p>
+          <a:r>
+            <a:rPr lang="en-US"/>
+            <a:t>Summary:</a:t>
+          </a:r>
+        </a:p>
+      </dgm:t>
+    </dgm:pt>
+    <dgm:pt modelId="{5622035B-E465-43D5-828D-8A5E408ABDCA}" type="parTrans" cxnId="{F631DF88-C48B-4644-BABB-370A02C4DFFE}">
+      <dgm:prSet/>
+      <dgm:spPr/>
+      <dgm:t>
+        <a:bodyPr/>
+        <a:lstStyle/>
+        <a:p>
+          <a:endParaRPr lang="en-US"/>
+        </a:p>
+      </dgm:t>
+    </dgm:pt>
+    <dgm:pt modelId="{A36E885D-A2B4-4CE3-861A-A72FA5391D0F}" type="sibTrans" cxnId="{F631DF88-C48B-4644-BABB-370A02C4DFFE}">
+      <dgm:prSet/>
+      <dgm:spPr/>
+      <dgm:t>
+        <a:bodyPr/>
+        <a:lstStyle/>
+        <a:p>
+          <a:endParaRPr lang="en-US"/>
+        </a:p>
+      </dgm:t>
+    </dgm:pt>
+    <dgm:pt modelId="{FC3D8D08-68BC-40DE-8FED-C9DE5493B7C1}">
+      <dgm:prSet/>
+      <dgm:spPr/>
+      <dgm:t>
+        <a:bodyPr/>
+        <a:lstStyle/>
+        <a:p>
+          <a:r>
+            <a:rPr lang="en-US"/>
+            <a:t>- RPA enhances API testing by improving efficiency and accuracy.</a:t>
+          </a:r>
+        </a:p>
+      </dgm:t>
+    </dgm:pt>
+    <dgm:pt modelId="{F39557BC-DB7D-451A-A5A3-92665482BF18}" type="parTrans" cxnId="{F52F2DC8-4AC4-413F-BB7B-D3E5DE896326}">
+      <dgm:prSet/>
+      <dgm:spPr/>
+      <dgm:t>
+        <a:bodyPr/>
+        <a:lstStyle/>
+        <a:p>
+          <a:endParaRPr lang="en-US"/>
+        </a:p>
+      </dgm:t>
+    </dgm:pt>
+    <dgm:pt modelId="{6DE927E7-9900-4E1C-9E55-D98D40EE4C31}" type="sibTrans" cxnId="{F52F2DC8-4AC4-413F-BB7B-D3E5DE896326}">
+      <dgm:prSet/>
+      <dgm:spPr/>
+      <dgm:t>
+        <a:bodyPr/>
+        <a:lstStyle/>
+        <a:p>
+          <a:endParaRPr lang="en-US"/>
+        </a:p>
+      </dgm:t>
+    </dgm:pt>
+    <dgm:pt modelId="{6E7304BC-8576-4E43-80CF-32942AEFDD44}">
+      <dgm:prSet/>
+      <dgm:spPr/>
+      <dgm:t>
+        <a:bodyPr/>
+        <a:lstStyle/>
+        <a:p>
+          <a:r>
+            <a:rPr lang="en-US"/>
+            <a:t>- Python’s versatility makes it an excellent choice for automation.</a:t>
+          </a:r>
+        </a:p>
+      </dgm:t>
+    </dgm:pt>
+    <dgm:pt modelId="{BD4E9F50-4BFB-4907-9AAC-FDB1BFBA427D}" type="parTrans" cxnId="{130E3CE4-0594-4D64-85B7-6F2F864E3A68}">
+      <dgm:prSet/>
+      <dgm:spPr/>
+      <dgm:t>
+        <a:bodyPr/>
+        <a:lstStyle/>
+        <a:p>
+          <a:endParaRPr lang="en-US"/>
+        </a:p>
+      </dgm:t>
+    </dgm:pt>
+    <dgm:pt modelId="{287E8487-930E-4EF8-8B00-9B7EA399F95E}" type="sibTrans" cxnId="{130E3CE4-0594-4D64-85B7-6F2F864E3A68}">
+      <dgm:prSet/>
+      <dgm:spPr/>
+      <dgm:t>
+        <a:bodyPr/>
+        <a:lstStyle/>
+        <a:p>
+          <a:endParaRPr lang="en-US"/>
+        </a:p>
+      </dgm:t>
+    </dgm:pt>
+    <dgm:pt modelId="{4BEC582C-470D-4955-B0AC-019C92C4B646}">
+      <dgm:prSet/>
+      <dgm:spPr/>
+      <dgm:t>
+        <a:bodyPr/>
+        <a:lstStyle/>
+        <a:p>
+          <a:r>
+            <a:rPr lang="en-US"/>
+            <a:t>- The combination ensures a robust and scalable solution for API testing.</a:t>
+          </a:r>
+        </a:p>
+      </dgm:t>
+    </dgm:pt>
+    <dgm:pt modelId="{9A23197D-EFDF-46F8-87A2-A5B11B61E1AE}" type="parTrans" cxnId="{9AD31FE8-6E9D-4242-8821-FB0ECCD02168}">
+      <dgm:prSet/>
+      <dgm:spPr/>
+      <dgm:t>
+        <a:bodyPr/>
+        <a:lstStyle/>
+        <a:p>
+          <a:endParaRPr lang="en-US"/>
+        </a:p>
+      </dgm:t>
+    </dgm:pt>
+    <dgm:pt modelId="{69717418-55AA-4EEF-B8E2-368983378F2A}" type="sibTrans" cxnId="{9AD31FE8-6E9D-4242-8821-FB0ECCD02168}">
+      <dgm:prSet/>
+      <dgm:spPr/>
+      <dgm:t>
+        <a:bodyPr/>
+        <a:lstStyle/>
+        <a:p>
+          <a:endParaRPr lang="en-US"/>
+        </a:p>
+      </dgm:t>
+    </dgm:pt>
+    <dgm:pt modelId="{44984D7B-D147-481D-8064-ACA7EF5F63AF}">
+      <dgm:prSet/>
+      <dgm:spPr/>
+      <dgm:t>
+        <a:bodyPr/>
+        <a:lstStyle/>
+        <a:p>
+          <a:r>
+            <a:rPr lang="en-US"/>
+            <a:t>Next Steps:</a:t>
+          </a:r>
+        </a:p>
+      </dgm:t>
+    </dgm:pt>
+    <dgm:pt modelId="{50C00949-2093-4BFC-8BCE-D6325B33C2B1}" type="parTrans" cxnId="{BA50B3F8-7327-4DD9-A589-2086E3C9547F}">
+      <dgm:prSet/>
+      <dgm:spPr/>
+      <dgm:t>
+        <a:bodyPr/>
+        <a:lstStyle/>
+        <a:p>
+          <a:endParaRPr lang="en-US"/>
+        </a:p>
+      </dgm:t>
+    </dgm:pt>
+    <dgm:pt modelId="{D9F348C3-EF4E-4FA2-AAC6-9E78F63AA9E0}" type="sibTrans" cxnId="{BA50B3F8-7327-4DD9-A589-2086E3C9547F}">
+      <dgm:prSet/>
+      <dgm:spPr/>
+      <dgm:t>
+        <a:bodyPr/>
+        <a:lstStyle/>
+        <a:p>
+          <a:endParaRPr lang="en-US"/>
+        </a:p>
+      </dgm:t>
+    </dgm:pt>
+    <dgm:pt modelId="{2B5A540E-44CA-4C03-980B-57DFD917F12F}">
+      <dgm:prSet/>
+      <dgm:spPr/>
+      <dgm:t>
+        <a:bodyPr/>
+        <a:lstStyle/>
+        <a:p>
+          <a:r>
+            <a:rPr lang="en-US"/>
+            <a:t>- Experiment with small-scale automation.</a:t>
+          </a:r>
+        </a:p>
+      </dgm:t>
+    </dgm:pt>
+    <dgm:pt modelId="{D235AE4F-23EA-4C79-8325-EB18FC617280}" type="parTrans" cxnId="{3941B354-6FFA-41ED-BE45-5677E203C25C}">
+      <dgm:prSet/>
+      <dgm:spPr/>
+      <dgm:t>
+        <a:bodyPr/>
+        <a:lstStyle/>
+        <a:p>
+          <a:endParaRPr lang="en-US"/>
+        </a:p>
+      </dgm:t>
+    </dgm:pt>
+    <dgm:pt modelId="{6CACD104-F143-4BDD-8800-097820D2816D}" type="sibTrans" cxnId="{3941B354-6FFA-41ED-BE45-5677E203C25C}">
+      <dgm:prSet/>
+      <dgm:spPr/>
+      <dgm:t>
+        <a:bodyPr/>
+        <a:lstStyle/>
+        <a:p>
+          <a:endParaRPr lang="en-US"/>
+        </a:p>
+      </dgm:t>
+    </dgm:pt>
+    <dgm:pt modelId="{2CD276B2-D5B0-44B3-8337-2B314D64C9F1}">
+      <dgm:prSet/>
+      <dgm:spPr/>
+      <dgm:t>
+        <a:bodyPr/>
+        <a:lstStyle/>
+        <a:p>
+          <a:r>
+            <a:rPr lang="en-US"/>
+            <a:t>- Explore advanced frameworks like Robot Framework.</a:t>
+          </a:r>
+        </a:p>
+      </dgm:t>
+    </dgm:pt>
+    <dgm:pt modelId="{2DCF4386-02F0-43CB-BE58-4E15F3A1F3C6}" type="parTrans" cxnId="{769F0229-A4E7-4929-8138-3CF7C5E37B90}">
+      <dgm:prSet/>
+      <dgm:spPr/>
+      <dgm:t>
+        <a:bodyPr/>
+        <a:lstStyle/>
+        <a:p>
+          <a:endParaRPr lang="en-US"/>
+        </a:p>
+      </dgm:t>
+    </dgm:pt>
+    <dgm:pt modelId="{24525AD1-083F-43A2-B37B-B2BD9B083F4A}" type="sibTrans" cxnId="{769F0229-A4E7-4929-8138-3CF7C5E37B90}">
+      <dgm:prSet/>
+      <dgm:spPr/>
+      <dgm:t>
+        <a:bodyPr/>
+        <a:lstStyle/>
+        <a:p>
+          <a:endParaRPr lang="en-US"/>
+        </a:p>
+      </dgm:t>
+    </dgm:pt>
+    <dgm:pt modelId="{02AB1DE7-1524-44DA-B372-B5C4F8F3228D}">
+      <dgm:prSet/>
+      <dgm:spPr/>
+      <dgm:t>
+        <a:bodyPr/>
+        <a:lstStyle/>
+        <a:p>
+          <a:r>
+            <a:rPr lang="en-US"/>
+            <a:t>- Leverage AI with RPA for predictive analytics.</a:t>
+          </a:r>
+        </a:p>
+      </dgm:t>
+    </dgm:pt>
+    <dgm:pt modelId="{13E5BF94-AED2-41FC-BB1E-8B2FD6F4B24C}" type="parTrans" cxnId="{2A00C680-CEE2-46F7-815D-BA45747BEA94}">
+      <dgm:prSet/>
+      <dgm:spPr/>
+      <dgm:t>
+        <a:bodyPr/>
+        <a:lstStyle/>
+        <a:p>
+          <a:endParaRPr lang="en-US"/>
+        </a:p>
+      </dgm:t>
+    </dgm:pt>
+    <dgm:pt modelId="{D38B0A63-5164-4392-A68F-13D4133EE518}" type="sibTrans" cxnId="{2A00C680-CEE2-46F7-815D-BA45747BEA94}">
+      <dgm:prSet/>
+      <dgm:spPr/>
+      <dgm:t>
+        <a:bodyPr/>
+        <a:lstStyle/>
+        <a:p>
+          <a:endParaRPr lang="en-US"/>
+        </a:p>
+      </dgm:t>
+    </dgm:pt>
+    <dgm:pt modelId="{DCE68BC2-2D6D-3B45-8F8E-2B3F67A05F68}" type="pres">
+      <dgm:prSet presAssocID="{18B7A33F-35BD-4802-B036-47CCB61FE2D0}" presName="cycle" presStyleCnt="0">
+        <dgm:presLayoutVars>
+          <dgm:dir/>
+          <dgm:resizeHandles val="exact"/>
+        </dgm:presLayoutVars>
+      </dgm:prSet>
+      <dgm:spPr/>
+    </dgm:pt>
+    <dgm:pt modelId="{97F06005-874F-9C44-8927-1D6C4A578E72}" type="pres">
+      <dgm:prSet presAssocID="{26C78333-2825-463A-B61F-292B92D573FD}" presName="dummy" presStyleCnt="0"/>
+      <dgm:spPr/>
+    </dgm:pt>
+    <dgm:pt modelId="{33DF823F-7AE4-2144-B8F9-3BA9F492F945}" type="pres">
+      <dgm:prSet presAssocID="{26C78333-2825-463A-B61F-292B92D573FD}" presName="node" presStyleLbl="revTx" presStyleIdx="0" presStyleCnt="8">
+        <dgm:presLayoutVars>
+          <dgm:bulletEnabled val="1"/>
+        </dgm:presLayoutVars>
+      </dgm:prSet>
+      <dgm:spPr/>
+    </dgm:pt>
+    <dgm:pt modelId="{7DC2C049-A896-5C49-A845-309FCC068B7B}" type="pres">
+      <dgm:prSet presAssocID="{A36E885D-A2B4-4CE3-861A-A72FA5391D0F}" presName="sibTrans" presStyleLbl="node1" presStyleIdx="0" presStyleCnt="8"/>
+      <dgm:spPr/>
+    </dgm:pt>
+    <dgm:pt modelId="{D2828246-8445-F94D-BDBB-A636049911C5}" type="pres">
+      <dgm:prSet presAssocID="{FC3D8D08-68BC-40DE-8FED-C9DE5493B7C1}" presName="dummy" presStyleCnt="0"/>
+      <dgm:spPr/>
+    </dgm:pt>
+    <dgm:pt modelId="{5D86EB1E-CD06-C94F-80EF-861FCAB811CE}" type="pres">
+      <dgm:prSet presAssocID="{FC3D8D08-68BC-40DE-8FED-C9DE5493B7C1}" presName="node" presStyleLbl="revTx" presStyleIdx="1" presStyleCnt="8">
+        <dgm:presLayoutVars>
+          <dgm:bulletEnabled val="1"/>
+        </dgm:presLayoutVars>
+      </dgm:prSet>
+      <dgm:spPr/>
+    </dgm:pt>
+    <dgm:pt modelId="{0F4D3B36-D0EB-3E48-8281-47FBA976E2D1}" type="pres">
+      <dgm:prSet presAssocID="{6DE927E7-9900-4E1C-9E55-D98D40EE4C31}" presName="sibTrans" presStyleLbl="node1" presStyleIdx="1" presStyleCnt="8"/>
+      <dgm:spPr/>
+    </dgm:pt>
+    <dgm:pt modelId="{F9E31116-912A-3048-8CD5-D0ED4AB2991E}" type="pres">
+      <dgm:prSet presAssocID="{6E7304BC-8576-4E43-80CF-32942AEFDD44}" presName="dummy" presStyleCnt="0"/>
+      <dgm:spPr/>
+    </dgm:pt>
+    <dgm:pt modelId="{68A809A0-ED00-4C4F-8CEC-1C8366680B90}" type="pres">
+      <dgm:prSet presAssocID="{6E7304BC-8576-4E43-80CF-32942AEFDD44}" presName="node" presStyleLbl="revTx" presStyleIdx="2" presStyleCnt="8">
+        <dgm:presLayoutVars>
+          <dgm:bulletEnabled val="1"/>
+        </dgm:presLayoutVars>
+      </dgm:prSet>
+      <dgm:spPr/>
+    </dgm:pt>
+    <dgm:pt modelId="{A17735D2-E570-C14B-A583-4ADEE36F9138}" type="pres">
+      <dgm:prSet presAssocID="{287E8487-930E-4EF8-8B00-9B7EA399F95E}" presName="sibTrans" presStyleLbl="node1" presStyleIdx="2" presStyleCnt="8"/>
+      <dgm:spPr/>
+    </dgm:pt>
+    <dgm:pt modelId="{326C9F37-67F1-0F47-BE8B-EC8671C667C4}" type="pres">
+      <dgm:prSet presAssocID="{4BEC582C-470D-4955-B0AC-019C92C4B646}" presName="dummy" presStyleCnt="0"/>
+      <dgm:spPr/>
+    </dgm:pt>
+    <dgm:pt modelId="{6466BC19-153B-B14A-8C30-90763A9150B4}" type="pres">
+      <dgm:prSet presAssocID="{4BEC582C-470D-4955-B0AC-019C92C4B646}" presName="node" presStyleLbl="revTx" presStyleIdx="3" presStyleCnt="8">
+        <dgm:presLayoutVars>
+          <dgm:bulletEnabled val="1"/>
+        </dgm:presLayoutVars>
+      </dgm:prSet>
+      <dgm:spPr/>
+    </dgm:pt>
+    <dgm:pt modelId="{5FC5840E-B65A-4E41-9438-11F7A24FA14D}" type="pres">
+      <dgm:prSet presAssocID="{69717418-55AA-4EEF-B8E2-368983378F2A}" presName="sibTrans" presStyleLbl="node1" presStyleIdx="3" presStyleCnt="8"/>
+      <dgm:spPr/>
+    </dgm:pt>
+    <dgm:pt modelId="{F71106C3-EBC3-FD4A-A5BD-4E774F60A544}" type="pres">
+      <dgm:prSet presAssocID="{44984D7B-D147-481D-8064-ACA7EF5F63AF}" presName="dummy" presStyleCnt="0"/>
+      <dgm:spPr/>
+    </dgm:pt>
+    <dgm:pt modelId="{41BC8B3B-F09F-7F40-B244-27C647F2B484}" type="pres">
+      <dgm:prSet presAssocID="{44984D7B-D147-481D-8064-ACA7EF5F63AF}" presName="node" presStyleLbl="revTx" presStyleIdx="4" presStyleCnt="8">
+        <dgm:presLayoutVars>
+          <dgm:bulletEnabled val="1"/>
+        </dgm:presLayoutVars>
+      </dgm:prSet>
+      <dgm:spPr/>
+    </dgm:pt>
+    <dgm:pt modelId="{18D57B5F-8923-4B43-B2D2-9262D4ED6DFC}" type="pres">
+      <dgm:prSet presAssocID="{D9F348C3-EF4E-4FA2-AAC6-9E78F63AA9E0}" presName="sibTrans" presStyleLbl="node1" presStyleIdx="4" presStyleCnt="8"/>
+      <dgm:spPr/>
+    </dgm:pt>
+    <dgm:pt modelId="{62165530-DDDA-4047-8523-AE2644D48E03}" type="pres">
+      <dgm:prSet presAssocID="{2B5A540E-44CA-4C03-980B-57DFD917F12F}" presName="dummy" presStyleCnt="0"/>
+      <dgm:spPr/>
+    </dgm:pt>
+    <dgm:pt modelId="{545E3CCB-6646-B24A-A1C9-2D64AB4EC5D9}" type="pres">
+      <dgm:prSet presAssocID="{2B5A540E-44CA-4C03-980B-57DFD917F12F}" presName="node" presStyleLbl="revTx" presStyleIdx="5" presStyleCnt="8">
+        <dgm:presLayoutVars>
+          <dgm:bulletEnabled val="1"/>
+        </dgm:presLayoutVars>
+      </dgm:prSet>
+      <dgm:spPr/>
+    </dgm:pt>
+    <dgm:pt modelId="{8D6404BD-5B83-9142-B3F5-723B4B86920C}" type="pres">
+      <dgm:prSet presAssocID="{6CACD104-F143-4BDD-8800-097820D2816D}" presName="sibTrans" presStyleLbl="node1" presStyleIdx="5" presStyleCnt="8"/>
+      <dgm:spPr/>
+    </dgm:pt>
+    <dgm:pt modelId="{020E07DA-DDB1-5C4C-BF6B-E305E2093089}" type="pres">
+      <dgm:prSet presAssocID="{2CD276B2-D5B0-44B3-8337-2B314D64C9F1}" presName="dummy" presStyleCnt="0"/>
+      <dgm:spPr/>
+    </dgm:pt>
+    <dgm:pt modelId="{1F4C04E8-2FCF-4840-BE0E-EF6EE0F68D86}" type="pres">
+      <dgm:prSet presAssocID="{2CD276B2-D5B0-44B3-8337-2B314D64C9F1}" presName="node" presStyleLbl="revTx" presStyleIdx="6" presStyleCnt="8">
+        <dgm:presLayoutVars>
+          <dgm:bulletEnabled val="1"/>
+        </dgm:presLayoutVars>
+      </dgm:prSet>
+      <dgm:spPr/>
+    </dgm:pt>
+    <dgm:pt modelId="{7CCFCC09-C144-8E4C-BA26-5B175F2C7BAD}" type="pres">
+      <dgm:prSet presAssocID="{24525AD1-083F-43A2-B37B-B2BD9B083F4A}" presName="sibTrans" presStyleLbl="node1" presStyleIdx="6" presStyleCnt="8"/>
+      <dgm:spPr/>
+    </dgm:pt>
+    <dgm:pt modelId="{97DBF520-A0E2-7343-B931-F7F2C74CD385}" type="pres">
+      <dgm:prSet presAssocID="{02AB1DE7-1524-44DA-B372-B5C4F8F3228D}" presName="dummy" presStyleCnt="0"/>
+      <dgm:spPr/>
+    </dgm:pt>
+    <dgm:pt modelId="{5A8CFD84-D552-9B4D-80AB-D4AFD64F2016}" type="pres">
+      <dgm:prSet presAssocID="{02AB1DE7-1524-44DA-B372-B5C4F8F3228D}" presName="node" presStyleLbl="revTx" presStyleIdx="7" presStyleCnt="8">
+        <dgm:presLayoutVars>
+          <dgm:bulletEnabled val="1"/>
+        </dgm:presLayoutVars>
+      </dgm:prSet>
+      <dgm:spPr/>
+    </dgm:pt>
+    <dgm:pt modelId="{61D4263C-BCCA-024C-A4BF-C5FB48D48E37}" type="pres">
+      <dgm:prSet presAssocID="{D38B0A63-5164-4392-A68F-13D4133EE518}" presName="sibTrans" presStyleLbl="node1" presStyleIdx="7" presStyleCnt="8"/>
+      <dgm:spPr/>
+    </dgm:pt>
+  </dgm:ptLst>
+  <dgm:cxnLst>
+    <dgm:cxn modelId="{42F9381B-0CEB-B34C-89C9-F0C8BAE50CB6}" type="presOf" srcId="{2CD276B2-D5B0-44B3-8337-2B314D64C9F1}" destId="{1F4C04E8-2FCF-4840-BE0E-EF6EE0F68D86}" srcOrd="0" destOrd="0" presId="urn:microsoft.com/office/officeart/2005/8/layout/cycle1"/>
+    <dgm:cxn modelId="{F96E4B1B-D5F2-FB46-9216-39D7B1CCF0CE}" type="presOf" srcId="{FC3D8D08-68BC-40DE-8FED-C9DE5493B7C1}" destId="{5D86EB1E-CD06-C94F-80EF-861FCAB811CE}" srcOrd="0" destOrd="0" presId="urn:microsoft.com/office/officeart/2005/8/layout/cycle1"/>
+    <dgm:cxn modelId="{769F0229-A4E7-4929-8138-3CF7C5E37B90}" srcId="{18B7A33F-35BD-4802-B036-47CCB61FE2D0}" destId="{2CD276B2-D5B0-44B3-8337-2B314D64C9F1}" srcOrd="6" destOrd="0" parTransId="{2DCF4386-02F0-43CB-BE58-4E15F3A1F3C6}" sibTransId="{24525AD1-083F-43A2-B37B-B2BD9B083F4A}"/>
+    <dgm:cxn modelId="{7C2FA651-1E4F-0240-B137-708B7E3A79E7}" type="presOf" srcId="{02AB1DE7-1524-44DA-B372-B5C4F8F3228D}" destId="{5A8CFD84-D552-9B4D-80AB-D4AFD64F2016}" srcOrd="0" destOrd="0" presId="urn:microsoft.com/office/officeart/2005/8/layout/cycle1"/>
+    <dgm:cxn modelId="{3941B354-6FFA-41ED-BE45-5677E203C25C}" srcId="{18B7A33F-35BD-4802-B036-47CCB61FE2D0}" destId="{2B5A540E-44CA-4C03-980B-57DFD917F12F}" srcOrd="5" destOrd="0" parTransId="{D235AE4F-23EA-4C79-8325-EB18FC617280}" sibTransId="{6CACD104-F143-4BDD-8800-097820D2816D}"/>
+    <dgm:cxn modelId="{A612B069-38BD-344B-BFB7-7EF9698FB76D}" type="presOf" srcId="{2B5A540E-44CA-4C03-980B-57DFD917F12F}" destId="{545E3CCB-6646-B24A-A1C9-2D64AB4EC5D9}" srcOrd="0" destOrd="0" presId="urn:microsoft.com/office/officeart/2005/8/layout/cycle1"/>
+    <dgm:cxn modelId="{E3D2FC69-0F52-7E4F-AA12-0EFCF3EABDF5}" type="presOf" srcId="{69717418-55AA-4EEF-B8E2-368983378F2A}" destId="{5FC5840E-B65A-4E41-9438-11F7A24FA14D}" srcOrd="0" destOrd="0" presId="urn:microsoft.com/office/officeart/2005/8/layout/cycle1"/>
+    <dgm:cxn modelId="{3042236E-9893-6A4F-9DA9-2BF2A5AC00AB}" type="presOf" srcId="{24525AD1-083F-43A2-B37B-B2BD9B083F4A}" destId="{7CCFCC09-C144-8E4C-BA26-5B175F2C7BAD}" srcOrd="0" destOrd="0" presId="urn:microsoft.com/office/officeart/2005/8/layout/cycle1"/>
+    <dgm:cxn modelId="{2A00C680-CEE2-46F7-815D-BA45747BEA94}" srcId="{18B7A33F-35BD-4802-B036-47CCB61FE2D0}" destId="{02AB1DE7-1524-44DA-B372-B5C4F8F3228D}" srcOrd="7" destOrd="0" parTransId="{13E5BF94-AED2-41FC-BB1E-8B2FD6F4B24C}" sibTransId="{D38B0A63-5164-4392-A68F-13D4133EE518}"/>
+    <dgm:cxn modelId="{0EE1D386-3AEF-3644-9E73-D5932D51330E}" type="presOf" srcId="{18B7A33F-35BD-4802-B036-47CCB61FE2D0}" destId="{DCE68BC2-2D6D-3B45-8F8E-2B3F67A05F68}" srcOrd="0" destOrd="0" presId="urn:microsoft.com/office/officeart/2005/8/layout/cycle1"/>
+    <dgm:cxn modelId="{F631DF88-C48B-4644-BABB-370A02C4DFFE}" srcId="{18B7A33F-35BD-4802-B036-47CCB61FE2D0}" destId="{26C78333-2825-463A-B61F-292B92D573FD}" srcOrd="0" destOrd="0" parTransId="{5622035B-E465-43D5-828D-8A5E408ABDCA}" sibTransId="{A36E885D-A2B4-4CE3-861A-A72FA5391D0F}"/>
+    <dgm:cxn modelId="{4F543D8F-F6D4-0C49-8B2E-D73DE786D0A6}" type="presOf" srcId="{44984D7B-D147-481D-8064-ACA7EF5F63AF}" destId="{41BC8B3B-F09F-7F40-B244-27C647F2B484}" srcOrd="0" destOrd="0" presId="urn:microsoft.com/office/officeart/2005/8/layout/cycle1"/>
+    <dgm:cxn modelId="{5DFF1BA6-8BBB-C344-A366-E8CF3309760F}" type="presOf" srcId="{D9F348C3-EF4E-4FA2-AAC6-9E78F63AA9E0}" destId="{18D57B5F-8923-4B43-B2D2-9262D4ED6DFC}" srcOrd="0" destOrd="0" presId="urn:microsoft.com/office/officeart/2005/8/layout/cycle1"/>
+    <dgm:cxn modelId="{ED944EAA-8CBF-064D-83F4-F82D6DDA392E}" type="presOf" srcId="{6CACD104-F143-4BDD-8800-097820D2816D}" destId="{8D6404BD-5B83-9142-B3F5-723B4B86920C}" srcOrd="0" destOrd="0" presId="urn:microsoft.com/office/officeart/2005/8/layout/cycle1"/>
+    <dgm:cxn modelId="{1D2E84C0-832C-5047-92F8-AF4EE3E1DBF1}" type="presOf" srcId="{4BEC582C-470D-4955-B0AC-019C92C4B646}" destId="{6466BC19-153B-B14A-8C30-90763A9150B4}" srcOrd="0" destOrd="0" presId="urn:microsoft.com/office/officeart/2005/8/layout/cycle1"/>
+    <dgm:cxn modelId="{3BB6E8C1-01F9-5346-9813-B6F6C2302034}" type="presOf" srcId="{287E8487-930E-4EF8-8B00-9B7EA399F95E}" destId="{A17735D2-E570-C14B-A583-4ADEE36F9138}" srcOrd="0" destOrd="0" presId="urn:microsoft.com/office/officeart/2005/8/layout/cycle1"/>
+    <dgm:cxn modelId="{C188E2C4-3278-6644-BF0B-252CCB408C1B}" type="presOf" srcId="{6DE927E7-9900-4E1C-9E55-D98D40EE4C31}" destId="{0F4D3B36-D0EB-3E48-8281-47FBA976E2D1}" srcOrd="0" destOrd="0" presId="urn:microsoft.com/office/officeart/2005/8/layout/cycle1"/>
+    <dgm:cxn modelId="{F52F2DC8-4AC4-413F-BB7B-D3E5DE896326}" srcId="{18B7A33F-35BD-4802-B036-47CCB61FE2D0}" destId="{FC3D8D08-68BC-40DE-8FED-C9DE5493B7C1}" srcOrd="1" destOrd="0" parTransId="{F39557BC-DB7D-451A-A5A3-92665482BF18}" sibTransId="{6DE927E7-9900-4E1C-9E55-D98D40EE4C31}"/>
+    <dgm:cxn modelId="{951359D5-480B-C147-9C56-83A172D5C136}" type="presOf" srcId="{D38B0A63-5164-4392-A68F-13D4133EE518}" destId="{61D4263C-BCCA-024C-A4BF-C5FB48D48E37}" srcOrd="0" destOrd="0" presId="urn:microsoft.com/office/officeart/2005/8/layout/cycle1"/>
+    <dgm:cxn modelId="{F7BE7DD7-9D05-DD4A-BF0A-687884CDDC58}" type="presOf" srcId="{26C78333-2825-463A-B61F-292B92D573FD}" destId="{33DF823F-7AE4-2144-B8F9-3BA9F492F945}" srcOrd="0" destOrd="0" presId="urn:microsoft.com/office/officeart/2005/8/layout/cycle1"/>
+    <dgm:cxn modelId="{3006BAE0-B2AA-1442-B59F-4DCDC360C08B}" type="presOf" srcId="{A36E885D-A2B4-4CE3-861A-A72FA5391D0F}" destId="{7DC2C049-A896-5C49-A845-309FCC068B7B}" srcOrd="0" destOrd="0" presId="urn:microsoft.com/office/officeart/2005/8/layout/cycle1"/>
+    <dgm:cxn modelId="{130E3CE4-0594-4D64-85B7-6F2F864E3A68}" srcId="{18B7A33F-35BD-4802-B036-47CCB61FE2D0}" destId="{6E7304BC-8576-4E43-80CF-32942AEFDD44}" srcOrd="2" destOrd="0" parTransId="{BD4E9F50-4BFB-4907-9AAC-FDB1BFBA427D}" sibTransId="{287E8487-930E-4EF8-8B00-9B7EA399F95E}"/>
+    <dgm:cxn modelId="{9AD31FE8-6E9D-4242-8821-FB0ECCD02168}" srcId="{18B7A33F-35BD-4802-B036-47CCB61FE2D0}" destId="{4BEC582C-470D-4955-B0AC-019C92C4B646}" srcOrd="3" destOrd="0" parTransId="{9A23197D-EFDF-46F8-87A2-A5B11B61E1AE}" sibTransId="{69717418-55AA-4EEF-B8E2-368983378F2A}"/>
+    <dgm:cxn modelId="{161633F7-B197-1340-B1A8-EF90979F1034}" type="presOf" srcId="{6E7304BC-8576-4E43-80CF-32942AEFDD44}" destId="{68A809A0-ED00-4C4F-8CEC-1C8366680B90}" srcOrd="0" destOrd="0" presId="urn:microsoft.com/office/officeart/2005/8/layout/cycle1"/>
+    <dgm:cxn modelId="{BA50B3F8-7327-4DD9-A589-2086E3C9547F}" srcId="{18B7A33F-35BD-4802-B036-47CCB61FE2D0}" destId="{44984D7B-D147-481D-8064-ACA7EF5F63AF}" srcOrd="4" destOrd="0" parTransId="{50C00949-2093-4BFC-8BCE-D6325B33C2B1}" sibTransId="{D9F348C3-EF4E-4FA2-AAC6-9E78F63AA9E0}"/>
+    <dgm:cxn modelId="{EC9044E7-B2B0-7B43-A5D7-3233E12F4E4A}" type="presParOf" srcId="{DCE68BC2-2D6D-3B45-8F8E-2B3F67A05F68}" destId="{97F06005-874F-9C44-8927-1D6C4A578E72}" srcOrd="0" destOrd="0" presId="urn:microsoft.com/office/officeart/2005/8/layout/cycle1"/>
+    <dgm:cxn modelId="{4F615DAB-9CB9-5849-904B-DF61E37E4223}" type="presParOf" srcId="{DCE68BC2-2D6D-3B45-8F8E-2B3F67A05F68}" destId="{33DF823F-7AE4-2144-B8F9-3BA9F492F945}" srcOrd="1" destOrd="0" presId="urn:microsoft.com/office/officeart/2005/8/layout/cycle1"/>
+    <dgm:cxn modelId="{6161CA62-DBB8-0949-85FC-C254149549A3}" type="presParOf" srcId="{DCE68BC2-2D6D-3B45-8F8E-2B3F67A05F68}" destId="{7DC2C049-A896-5C49-A845-309FCC068B7B}" srcOrd="2" destOrd="0" presId="urn:microsoft.com/office/officeart/2005/8/layout/cycle1"/>
+    <dgm:cxn modelId="{6A6C9D5F-4460-6845-9913-4528CCBF9E4D}" type="presParOf" srcId="{DCE68BC2-2D6D-3B45-8F8E-2B3F67A05F68}" destId="{D2828246-8445-F94D-BDBB-A636049911C5}" srcOrd="3" destOrd="0" presId="urn:microsoft.com/office/officeart/2005/8/layout/cycle1"/>
+    <dgm:cxn modelId="{0D274620-B7D9-5542-87D3-68A0C8199E3E}" type="presParOf" srcId="{DCE68BC2-2D6D-3B45-8F8E-2B3F67A05F68}" destId="{5D86EB1E-CD06-C94F-80EF-861FCAB811CE}" srcOrd="4" destOrd="0" presId="urn:microsoft.com/office/officeart/2005/8/layout/cycle1"/>
+    <dgm:cxn modelId="{E67C2C4A-1C2E-A04B-9155-6D8347BCB6DA}" type="presParOf" srcId="{DCE68BC2-2D6D-3B45-8F8E-2B3F67A05F68}" destId="{0F4D3B36-D0EB-3E48-8281-47FBA976E2D1}" srcOrd="5" destOrd="0" presId="urn:microsoft.com/office/officeart/2005/8/layout/cycle1"/>
+    <dgm:cxn modelId="{48A201E0-98DC-7A4F-86C7-77737683B491}" type="presParOf" srcId="{DCE68BC2-2D6D-3B45-8F8E-2B3F67A05F68}" destId="{F9E31116-912A-3048-8CD5-D0ED4AB2991E}" srcOrd="6" destOrd="0" presId="urn:microsoft.com/office/officeart/2005/8/layout/cycle1"/>
+    <dgm:cxn modelId="{7524B130-6CCE-DE42-87E4-BC81B78220EF}" type="presParOf" srcId="{DCE68BC2-2D6D-3B45-8F8E-2B3F67A05F68}" destId="{68A809A0-ED00-4C4F-8CEC-1C8366680B90}" srcOrd="7" destOrd="0" presId="urn:microsoft.com/office/officeart/2005/8/layout/cycle1"/>
+    <dgm:cxn modelId="{F8FC94C0-D45D-5B46-B785-38CE1FD4A6A7}" type="presParOf" srcId="{DCE68BC2-2D6D-3B45-8F8E-2B3F67A05F68}" destId="{A17735D2-E570-C14B-A583-4ADEE36F9138}" srcOrd="8" destOrd="0" presId="urn:microsoft.com/office/officeart/2005/8/layout/cycle1"/>
+    <dgm:cxn modelId="{959019FE-12D8-C644-A2C1-BF00F2F87064}" type="presParOf" srcId="{DCE68BC2-2D6D-3B45-8F8E-2B3F67A05F68}" destId="{326C9F37-67F1-0F47-BE8B-EC8671C667C4}" srcOrd="9" destOrd="0" presId="urn:microsoft.com/office/officeart/2005/8/layout/cycle1"/>
+    <dgm:cxn modelId="{1FB0FFCE-F51E-4749-A807-1810CCC70864}" type="presParOf" srcId="{DCE68BC2-2D6D-3B45-8F8E-2B3F67A05F68}" destId="{6466BC19-153B-B14A-8C30-90763A9150B4}" srcOrd="10" destOrd="0" presId="urn:microsoft.com/office/officeart/2005/8/layout/cycle1"/>
+    <dgm:cxn modelId="{6B80CAFE-6F87-C949-8209-8C30ED0A3F9F}" type="presParOf" srcId="{DCE68BC2-2D6D-3B45-8F8E-2B3F67A05F68}" destId="{5FC5840E-B65A-4E41-9438-11F7A24FA14D}" srcOrd="11" destOrd="0" presId="urn:microsoft.com/office/officeart/2005/8/layout/cycle1"/>
+    <dgm:cxn modelId="{823B0F16-F191-2B4A-8F8E-B178D63805AB}" type="presParOf" srcId="{DCE68BC2-2D6D-3B45-8F8E-2B3F67A05F68}" destId="{F71106C3-EBC3-FD4A-A5BD-4E774F60A544}" srcOrd="12" destOrd="0" presId="urn:microsoft.com/office/officeart/2005/8/layout/cycle1"/>
+    <dgm:cxn modelId="{8015F156-A426-3045-944A-82B35A777689}" type="presParOf" srcId="{DCE68BC2-2D6D-3B45-8F8E-2B3F67A05F68}" destId="{41BC8B3B-F09F-7F40-B244-27C647F2B484}" srcOrd="13" destOrd="0" presId="urn:microsoft.com/office/officeart/2005/8/layout/cycle1"/>
+    <dgm:cxn modelId="{0270180F-BFF9-A643-AAE6-95A373061FCA}" type="presParOf" srcId="{DCE68BC2-2D6D-3B45-8F8E-2B3F67A05F68}" destId="{18D57B5F-8923-4B43-B2D2-9262D4ED6DFC}" srcOrd="14" destOrd="0" presId="urn:microsoft.com/office/officeart/2005/8/layout/cycle1"/>
+    <dgm:cxn modelId="{029F2D20-B093-F343-94AD-7EDE4F89F932}" type="presParOf" srcId="{DCE68BC2-2D6D-3B45-8F8E-2B3F67A05F68}" destId="{62165530-DDDA-4047-8523-AE2644D48E03}" srcOrd="15" destOrd="0" presId="urn:microsoft.com/office/officeart/2005/8/layout/cycle1"/>
+    <dgm:cxn modelId="{E61D55D9-1B94-F144-AC12-24B554A466F4}" type="presParOf" srcId="{DCE68BC2-2D6D-3B45-8F8E-2B3F67A05F68}" destId="{545E3CCB-6646-B24A-A1C9-2D64AB4EC5D9}" srcOrd="16" destOrd="0" presId="urn:microsoft.com/office/officeart/2005/8/layout/cycle1"/>
+    <dgm:cxn modelId="{A860123F-DAEA-644C-8E2C-8FA167111B4A}" type="presParOf" srcId="{DCE68BC2-2D6D-3B45-8F8E-2B3F67A05F68}" destId="{8D6404BD-5B83-9142-B3F5-723B4B86920C}" srcOrd="17" destOrd="0" presId="urn:microsoft.com/office/officeart/2005/8/layout/cycle1"/>
+    <dgm:cxn modelId="{8854BCEB-634F-B542-9A8C-136D572F3E4F}" type="presParOf" srcId="{DCE68BC2-2D6D-3B45-8F8E-2B3F67A05F68}" destId="{020E07DA-DDB1-5C4C-BF6B-E305E2093089}" srcOrd="18" destOrd="0" presId="urn:microsoft.com/office/officeart/2005/8/layout/cycle1"/>
+    <dgm:cxn modelId="{76C23100-1636-F94E-B602-8B0E5D44C017}" type="presParOf" srcId="{DCE68BC2-2D6D-3B45-8F8E-2B3F67A05F68}" destId="{1F4C04E8-2FCF-4840-BE0E-EF6EE0F68D86}" srcOrd="19" destOrd="0" presId="urn:microsoft.com/office/officeart/2005/8/layout/cycle1"/>
+    <dgm:cxn modelId="{4B2CA4B8-E4D9-A24A-A7C3-C0E2FE46FEF8}" type="presParOf" srcId="{DCE68BC2-2D6D-3B45-8F8E-2B3F67A05F68}" destId="{7CCFCC09-C144-8E4C-BA26-5B175F2C7BAD}" srcOrd="20" destOrd="0" presId="urn:microsoft.com/office/officeart/2005/8/layout/cycle1"/>
+    <dgm:cxn modelId="{44BB1455-862E-644C-AE1A-2E8405F13A69}" type="presParOf" srcId="{DCE68BC2-2D6D-3B45-8F8E-2B3F67A05F68}" destId="{97DBF520-A0E2-7343-B931-F7F2C74CD385}" srcOrd="21" destOrd="0" presId="urn:microsoft.com/office/officeart/2005/8/layout/cycle1"/>
+    <dgm:cxn modelId="{3B267954-BB20-314C-9064-1FBE0BBD5894}" type="presParOf" srcId="{DCE68BC2-2D6D-3B45-8F8E-2B3F67A05F68}" destId="{5A8CFD84-D552-9B4D-80AB-D4AFD64F2016}" srcOrd="22" destOrd="0" presId="urn:microsoft.com/office/officeart/2005/8/layout/cycle1"/>
+    <dgm:cxn modelId="{2891DE2B-E0A9-6841-B8F0-B32FCD5F10BB}" type="presParOf" srcId="{DCE68BC2-2D6D-3B45-8F8E-2B3F67A05F68}" destId="{61D4263C-BCCA-024C-A4BF-C5FB48D48E37}" srcOrd="23" destOrd="0" presId="urn:microsoft.com/office/officeart/2005/8/layout/cycle1"/>
+  </dgm:cxnLst>
+  <dgm:bg/>
+  <dgm:whole/>
+  <dgm:extLst>
+    <a:ext uri="http://schemas.microsoft.com/office/drawing/2008/diagram">
+      <dsp:dataModelExt xmlns:dsp="http://schemas.microsoft.com/office/drawing/2008/diagram" relId="rId6" minVer="http://schemas.openxmlformats.org/drawingml/2006/diagram"/>
+    </a:ext>
+  </dgm:extLst>
+</dgm:dataModel>
+</file>
+
+<file path=ppt/diagrams/drawing1.xml><?xml version="1.0" encoding="utf-8"?>
+<dsp:drawing xmlns:dgm="http://schemas.openxmlformats.org/drawingml/2006/diagram" xmlns:dsp="http://schemas.microsoft.com/office/drawing/2008/diagram" xmlns:a="http://schemas.openxmlformats.org/drawingml/2006/main">
+  <dsp:spTree>
+    <dsp:nvGrpSpPr>
+      <dsp:cNvPr id="0" name=""/>
+      <dsp:cNvGrpSpPr/>
+    </dsp:nvGrpSpPr>
+    <dsp:grpSpPr/>
+    <dsp:sp modelId="{33DF823F-7AE4-2144-B8F9-3BA9F492F945}">
+      <dsp:nvSpPr>
+        <dsp:cNvPr id="0" name=""/>
+        <dsp:cNvSpPr/>
+      </dsp:nvSpPr>
+      <dsp:spPr>
+        <a:xfrm>
+          <a:off x="4496030" y="1525"/>
+          <a:ext cx="785589" cy="785589"/>
+        </a:xfrm>
+        <a:prstGeom prst="rect">
+          <a:avLst/>
+        </a:prstGeom>
+        <a:noFill/>
+        <a:ln>
+          <a:noFill/>
+        </a:ln>
+        <a:effectLst/>
+      </dsp:spPr>
+      <dsp:style>
+        <a:lnRef idx="0">
+          <a:scrgbClr r="0" g="0" b="0"/>
+        </a:lnRef>
+        <a:fillRef idx="0">
+          <a:scrgbClr r="0" g="0" b="0"/>
+        </a:fillRef>
+        <a:effectRef idx="0">
+          <a:scrgbClr r="0" g="0" b="0"/>
+        </a:effectRef>
+        <a:fontRef idx="minor"/>
+      </dsp:style>
+      <dsp:txBody>
+        <a:bodyPr spcFirstLastPara="0" vert="horz" wrap="square" lIns="10160" tIns="10160" rIns="10160" bIns="10160" numCol="1" spcCol="1270" anchor="ctr" anchorCtr="0">
+          <a:noAutofit/>
+        </a:bodyPr>
+        <a:lstStyle/>
+        <a:p>
+          <a:pPr marL="0" lvl="0" indent="0" algn="ctr" defTabSz="355600">
+            <a:lnSpc>
+              <a:spcPct val="90000"/>
+            </a:lnSpc>
+            <a:spcBef>
+              <a:spcPct val="0"/>
+            </a:spcBef>
+            <a:spcAft>
+              <a:spcPct val="35000"/>
+            </a:spcAft>
+            <a:buNone/>
+          </a:pPr>
+          <a:r>
+            <a:rPr lang="en-US" sz="800" kern="1200"/>
+            <a:t>Summary:</a:t>
+          </a:r>
+        </a:p>
+      </dsp:txBody>
+      <dsp:txXfrm>
+        <a:off x="4496030" y="1525"/>
+        <a:ext cx="785589" cy="785589"/>
+      </dsp:txXfrm>
+    </dsp:sp>
+    <dsp:sp modelId="{7DC2C049-A896-5C49-A845-309FCC068B7B}">
+      <dsp:nvSpPr>
+        <dsp:cNvPr id="0" name=""/>
+        <dsp:cNvSpPr/>
+      </dsp:nvSpPr>
+      <dsp:spPr>
+        <a:xfrm>
+          <a:off x="1926219" y="74401"/>
+          <a:ext cx="4377160" cy="4377160"/>
+        </a:xfrm>
+        <a:prstGeom prst="circularArrow">
+          <a:avLst>
+            <a:gd name="adj1" fmla="val 3500"/>
+            <a:gd name="adj2" fmla="val 217010"/>
+            <a:gd name="adj3" fmla="val 19269090"/>
+            <a:gd name="adj4" fmla="val 18313900"/>
+            <a:gd name="adj5" fmla="val 4083"/>
+          </a:avLst>
+        </a:prstGeom>
+        <a:solidFill>
+          <a:schemeClr val="accent1">
+            <a:hueOff val="0"/>
+            <a:satOff val="0"/>
+            <a:lumOff val="0"/>
+            <a:alphaOff val="0"/>
+          </a:schemeClr>
+        </a:solidFill>
+        <a:ln w="25400" cap="flat" cmpd="sng" algn="ctr">
+          <a:solidFill>
+            <a:schemeClr val="lt1">
+              <a:hueOff val="0"/>
+              <a:satOff val="0"/>
+              <a:lumOff val="0"/>
+              <a:alphaOff val="0"/>
+            </a:schemeClr>
+          </a:solidFill>
+          <a:prstDash val="solid"/>
+        </a:ln>
+        <a:effectLst/>
+      </dsp:spPr>
+      <dsp:style>
+        <a:lnRef idx="2">
+          <a:scrgbClr r="0" g="0" b="0"/>
+        </a:lnRef>
+        <a:fillRef idx="1">
+          <a:scrgbClr r="0" g="0" b="0"/>
+        </a:fillRef>
+        <a:effectRef idx="0">
+          <a:scrgbClr r="0" g="0" b="0"/>
+        </a:effectRef>
+        <a:fontRef idx="minor">
+          <a:schemeClr val="lt1"/>
+        </a:fontRef>
+      </dsp:style>
+    </dsp:sp>
+    <dsp:sp modelId="{5D86EB1E-CD06-C94F-80EF-861FCAB811CE}">
+      <dsp:nvSpPr>
+        <dsp:cNvPr id="0" name=""/>
+        <dsp:cNvSpPr/>
+      </dsp:nvSpPr>
+      <dsp:spPr>
+        <a:xfrm>
+          <a:off x="5590666" y="1096161"/>
+          <a:ext cx="785589" cy="785589"/>
+        </a:xfrm>
+        <a:prstGeom prst="rect">
+          <a:avLst/>
+        </a:prstGeom>
+        <a:noFill/>
+        <a:ln>
+          <a:noFill/>
+        </a:ln>
+        <a:effectLst/>
+      </dsp:spPr>
+      <dsp:style>
+        <a:lnRef idx="0">
+          <a:scrgbClr r="0" g="0" b="0"/>
+        </a:lnRef>
+        <a:fillRef idx="0">
+          <a:scrgbClr r="0" g="0" b="0"/>
+        </a:fillRef>
+        <a:effectRef idx="0">
+          <a:scrgbClr r="0" g="0" b="0"/>
+        </a:effectRef>
+        <a:fontRef idx="minor"/>
+      </dsp:style>
+      <dsp:txBody>
+        <a:bodyPr spcFirstLastPara="0" vert="horz" wrap="square" lIns="10160" tIns="10160" rIns="10160" bIns="10160" numCol="1" spcCol="1270" anchor="ctr" anchorCtr="0">
+          <a:noAutofit/>
+        </a:bodyPr>
+        <a:lstStyle/>
+        <a:p>
+          <a:pPr marL="0" lvl="0" indent="0" algn="ctr" defTabSz="355600">
+            <a:lnSpc>
+              <a:spcPct val="90000"/>
+            </a:lnSpc>
+            <a:spcBef>
+              <a:spcPct val="0"/>
+            </a:spcBef>
+            <a:spcAft>
+              <a:spcPct val="35000"/>
+            </a:spcAft>
+            <a:buNone/>
+          </a:pPr>
+          <a:r>
+            <a:rPr lang="en-US" sz="800" kern="1200"/>
+            <a:t>- RPA enhances API testing by improving efficiency and accuracy.</a:t>
+          </a:r>
+        </a:p>
+      </dsp:txBody>
+      <dsp:txXfrm>
+        <a:off x="5590666" y="1096161"/>
+        <a:ext cx="785589" cy="785589"/>
+      </dsp:txXfrm>
+    </dsp:sp>
+    <dsp:sp modelId="{0F4D3B36-D0EB-3E48-8281-47FBA976E2D1}">
+      <dsp:nvSpPr>
+        <dsp:cNvPr id="0" name=""/>
+        <dsp:cNvSpPr/>
+      </dsp:nvSpPr>
+      <dsp:spPr>
+        <a:xfrm>
+          <a:off x="1926219" y="74401"/>
+          <a:ext cx="4377160" cy="4377160"/>
+        </a:xfrm>
+        <a:prstGeom prst="circularArrow">
+          <a:avLst>
+            <a:gd name="adj1" fmla="val 3500"/>
+            <a:gd name="adj2" fmla="val 217010"/>
+            <a:gd name="adj3" fmla="val 434846"/>
+            <a:gd name="adj4" fmla="val 20948144"/>
+            <a:gd name="adj5" fmla="val 4083"/>
+          </a:avLst>
+        </a:prstGeom>
+        <a:solidFill>
+          <a:schemeClr val="accent1">
+            <a:hueOff val="0"/>
+            <a:satOff val="0"/>
+            <a:lumOff val="0"/>
+            <a:alphaOff val="0"/>
+          </a:schemeClr>
+        </a:solidFill>
+        <a:ln w="25400" cap="flat" cmpd="sng" algn="ctr">
+          <a:solidFill>
+            <a:schemeClr val="lt1">
+              <a:hueOff val="0"/>
+              <a:satOff val="0"/>
+              <a:lumOff val="0"/>
+              <a:alphaOff val="0"/>
+            </a:schemeClr>
+          </a:solidFill>
+          <a:prstDash val="solid"/>
+        </a:ln>
+        <a:effectLst/>
+      </dsp:spPr>
+      <dsp:style>
+        <a:lnRef idx="2">
+          <a:scrgbClr r="0" g="0" b="0"/>
+        </a:lnRef>
+        <a:fillRef idx="1">
+          <a:scrgbClr r="0" g="0" b="0"/>
+        </a:fillRef>
+        <a:effectRef idx="0">
+          <a:scrgbClr r="0" g="0" b="0"/>
+        </a:effectRef>
+        <a:fontRef idx="minor">
+          <a:schemeClr val="lt1"/>
+        </a:fontRef>
+      </dsp:style>
+    </dsp:sp>
+    <dsp:sp modelId="{68A809A0-ED00-4C4F-8CEC-1C8366680B90}">
+      <dsp:nvSpPr>
+        <dsp:cNvPr id="0" name=""/>
+        <dsp:cNvSpPr/>
+      </dsp:nvSpPr>
+      <dsp:spPr>
+        <a:xfrm>
+          <a:off x="5590666" y="2644211"/>
+          <a:ext cx="785589" cy="785589"/>
+        </a:xfrm>
+        <a:prstGeom prst="rect">
+          <a:avLst/>
+        </a:prstGeom>
+        <a:noFill/>
+        <a:ln>
+          <a:noFill/>
+        </a:ln>
+        <a:effectLst/>
+      </dsp:spPr>
+      <dsp:style>
+        <a:lnRef idx="0">
+          <a:scrgbClr r="0" g="0" b="0"/>
+        </a:lnRef>
+        <a:fillRef idx="0">
+          <a:scrgbClr r="0" g="0" b="0"/>
+        </a:fillRef>
+        <a:effectRef idx="0">
+          <a:scrgbClr r="0" g="0" b="0"/>
+        </a:effectRef>
+        <a:fontRef idx="minor"/>
+      </dsp:style>
+      <dsp:txBody>
+        <a:bodyPr spcFirstLastPara="0" vert="horz" wrap="square" lIns="10160" tIns="10160" rIns="10160" bIns="10160" numCol="1" spcCol="1270" anchor="ctr" anchorCtr="0">
+          <a:noAutofit/>
+        </a:bodyPr>
+        <a:lstStyle/>
+        <a:p>
+          <a:pPr marL="0" lvl="0" indent="0" algn="ctr" defTabSz="355600">
+            <a:lnSpc>
+              <a:spcPct val="90000"/>
+            </a:lnSpc>
+            <a:spcBef>
+              <a:spcPct val="0"/>
+            </a:spcBef>
+            <a:spcAft>
+              <a:spcPct val="35000"/>
+            </a:spcAft>
+            <a:buNone/>
+          </a:pPr>
+          <a:r>
+            <a:rPr lang="en-US" sz="800" kern="1200"/>
+            <a:t>- Python’s versatility makes it an excellent choice for automation.</a:t>
+          </a:r>
+        </a:p>
+      </dsp:txBody>
+      <dsp:txXfrm>
+        <a:off x="5590666" y="2644211"/>
+        <a:ext cx="785589" cy="785589"/>
+      </dsp:txXfrm>
+    </dsp:sp>
+    <dsp:sp modelId="{A17735D2-E570-C14B-A583-4ADEE36F9138}">
+      <dsp:nvSpPr>
+        <dsp:cNvPr id="0" name=""/>
+        <dsp:cNvSpPr/>
+      </dsp:nvSpPr>
+      <dsp:spPr>
+        <a:xfrm>
+          <a:off x="1926219" y="74401"/>
+          <a:ext cx="4377160" cy="4377160"/>
+        </a:xfrm>
+        <a:prstGeom prst="circularArrow">
+          <a:avLst>
+            <a:gd name="adj1" fmla="val 3500"/>
+            <a:gd name="adj2" fmla="val 217010"/>
+            <a:gd name="adj3" fmla="val 3069090"/>
+            <a:gd name="adj4" fmla="val 2113900"/>
+            <a:gd name="adj5" fmla="val 4083"/>
+          </a:avLst>
+        </a:prstGeom>
+        <a:solidFill>
+          <a:schemeClr val="accent1">
+            <a:hueOff val="0"/>
+            <a:satOff val="0"/>
+            <a:lumOff val="0"/>
+            <a:alphaOff val="0"/>
+          </a:schemeClr>
+        </a:solidFill>
+        <a:ln w="25400" cap="flat" cmpd="sng" algn="ctr">
+          <a:solidFill>
+            <a:schemeClr val="lt1">
+              <a:hueOff val="0"/>
+              <a:satOff val="0"/>
+              <a:lumOff val="0"/>
+              <a:alphaOff val="0"/>
+            </a:schemeClr>
+          </a:solidFill>
+          <a:prstDash val="solid"/>
+        </a:ln>
+        <a:effectLst/>
+      </dsp:spPr>
+      <dsp:style>
+        <a:lnRef idx="2">
+          <a:scrgbClr r="0" g="0" b="0"/>
+        </a:lnRef>
+        <a:fillRef idx="1">
+          <a:scrgbClr r="0" g="0" b="0"/>
+        </a:fillRef>
+        <a:effectRef idx="0">
+          <a:scrgbClr r="0" g="0" b="0"/>
+        </a:effectRef>
+        <a:fontRef idx="minor">
+          <a:schemeClr val="lt1"/>
+        </a:fontRef>
+      </dsp:style>
+    </dsp:sp>
+    <dsp:sp modelId="{6466BC19-153B-B14A-8C30-90763A9150B4}">
+      <dsp:nvSpPr>
+        <dsp:cNvPr id="0" name=""/>
+        <dsp:cNvSpPr/>
+      </dsp:nvSpPr>
+      <dsp:spPr>
+        <a:xfrm>
+          <a:off x="4496030" y="3738848"/>
+          <a:ext cx="785589" cy="785589"/>
+        </a:xfrm>
+        <a:prstGeom prst="rect">
+          <a:avLst/>
+        </a:prstGeom>
+        <a:noFill/>
+        <a:ln>
+          <a:noFill/>
+        </a:ln>
+        <a:effectLst/>
+      </dsp:spPr>
+      <dsp:style>
+        <a:lnRef idx="0">
+          <a:scrgbClr r="0" g="0" b="0"/>
+        </a:lnRef>
+        <a:fillRef idx="0">
+          <a:scrgbClr r="0" g="0" b="0"/>
+        </a:fillRef>
+        <a:effectRef idx="0">
+          <a:scrgbClr r="0" g="0" b="0"/>
+        </a:effectRef>
+        <a:fontRef idx="minor"/>
+      </dsp:style>
+      <dsp:txBody>
+        <a:bodyPr spcFirstLastPara="0" vert="horz" wrap="square" lIns="10160" tIns="10160" rIns="10160" bIns="10160" numCol="1" spcCol="1270" anchor="ctr" anchorCtr="0">
+          <a:noAutofit/>
+        </a:bodyPr>
+        <a:lstStyle/>
+        <a:p>
+          <a:pPr marL="0" lvl="0" indent="0" algn="ctr" defTabSz="355600">
+            <a:lnSpc>
+              <a:spcPct val="90000"/>
+            </a:lnSpc>
+            <a:spcBef>
+              <a:spcPct val="0"/>
+            </a:spcBef>
+            <a:spcAft>
+              <a:spcPct val="35000"/>
+            </a:spcAft>
+            <a:buNone/>
+          </a:pPr>
+          <a:r>
+            <a:rPr lang="en-US" sz="800" kern="1200"/>
+            <a:t>- The combination ensures a robust and scalable solution for API testing.</a:t>
+          </a:r>
+        </a:p>
+      </dsp:txBody>
+      <dsp:txXfrm>
+        <a:off x="4496030" y="3738848"/>
+        <a:ext cx="785589" cy="785589"/>
+      </dsp:txXfrm>
+    </dsp:sp>
+    <dsp:sp modelId="{5FC5840E-B65A-4E41-9438-11F7A24FA14D}">
+      <dsp:nvSpPr>
+        <dsp:cNvPr id="0" name=""/>
+        <dsp:cNvSpPr/>
+      </dsp:nvSpPr>
+      <dsp:spPr>
+        <a:xfrm>
+          <a:off x="1926219" y="74401"/>
+          <a:ext cx="4377160" cy="4377160"/>
+        </a:xfrm>
+        <a:prstGeom prst="circularArrow">
+          <a:avLst>
+            <a:gd name="adj1" fmla="val 3500"/>
+            <a:gd name="adj2" fmla="val 217010"/>
+            <a:gd name="adj3" fmla="val 5834846"/>
+            <a:gd name="adj4" fmla="val 4748144"/>
+            <a:gd name="adj5" fmla="val 4083"/>
+          </a:avLst>
+        </a:prstGeom>
+        <a:solidFill>
+          <a:schemeClr val="accent1">
+            <a:hueOff val="0"/>
+            <a:satOff val="0"/>
+            <a:lumOff val="0"/>
+            <a:alphaOff val="0"/>
+          </a:schemeClr>
+        </a:solidFill>
+        <a:ln w="25400" cap="flat" cmpd="sng" algn="ctr">
+          <a:solidFill>
+            <a:schemeClr val="lt1">
+              <a:hueOff val="0"/>
+              <a:satOff val="0"/>
+              <a:lumOff val="0"/>
+              <a:alphaOff val="0"/>
+            </a:schemeClr>
+          </a:solidFill>
+          <a:prstDash val="solid"/>
+        </a:ln>
+        <a:effectLst/>
+      </dsp:spPr>
+      <dsp:style>
+        <a:lnRef idx="2">
+          <a:scrgbClr r="0" g="0" b="0"/>
+        </a:lnRef>
+        <a:fillRef idx="1">
+          <a:scrgbClr r="0" g="0" b="0"/>
+        </a:fillRef>
+        <a:effectRef idx="0">
+          <a:scrgbClr r="0" g="0" b="0"/>
+        </a:effectRef>
+        <a:fontRef idx="minor">
+          <a:schemeClr val="lt1"/>
+        </a:fontRef>
+      </dsp:style>
+    </dsp:sp>
+    <dsp:sp modelId="{41BC8B3B-F09F-7F40-B244-27C647F2B484}">
+      <dsp:nvSpPr>
+        <dsp:cNvPr id="0" name=""/>
+        <dsp:cNvSpPr/>
+      </dsp:nvSpPr>
+      <dsp:spPr>
+        <a:xfrm>
+          <a:off x="2947980" y="3738848"/>
+          <a:ext cx="785589" cy="785589"/>
+        </a:xfrm>
+        <a:prstGeom prst="rect">
+          <a:avLst/>
+        </a:prstGeom>
+        <a:noFill/>
+        <a:ln>
+          <a:noFill/>
+        </a:ln>
+        <a:effectLst/>
+      </dsp:spPr>
+      <dsp:style>
+        <a:lnRef idx="0">
+          <a:scrgbClr r="0" g="0" b="0"/>
+        </a:lnRef>
+        <a:fillRef idx="0">
+          <a:scrgbClr r="0" g="0" b="0"/>
+        </a:fillRef>
+        <a:effectRef idx="0">
+          <a:scrgbClr r="0" g="0" b="0"/>
+        </a:effectRef>
+        <a:fontRef idx="minor"/>
+      </dsp:style>
+      <dsp:txBody>
+        <a:bodyPr spcFirstLastPara="0" vert="horz" wrap="square" lIns="10160" tIns="10160" rIns="10160" bIns="10160" numCol="1" spcCol="1270" anchor="ctr" anchorCtr="0">
+          <a:noAutofit/>
+        </a:bodyPr>
+        <a:lstStyle/>
+        <a:p>
+          <a:pPr marL="0" lvl="0" indent="0" algn="ctr" defTabSz="355600">
+            <a:lnSpc>
+              <a:spcPct val="90000"/>
+            </a:lnSpc>
+            <a:spcBef>
+              <a:spcPct val="0"/>
+            </a:spcBef>
+            <a:spcAft>
+              <a:spcPct val="35000"/>
+            </a:spcAft>
+            <a:buNone/>
+          </a:pPr>
+          <a:r>
+            <a:rPr lang="en-US" sz="800" kern="1200"/>
+            <a:t>Next Steps:</a:t>
+          </a:r>
+        </a:p>
+      </dsp:txBody>
+      <dsp:txXfrm>
+        <a:off x="2947980" y="3738848"/>
+        <a:ext cx="785589" cy="785589"/>
+      </dsp:txXfrm>
+    </dsp:sp>
+    <dsp:sp modelId="{18D57B5F-8923-4B43-B2D2-9262D4ED6DFC}">
+      <dsp:nvSpPr>
+        <dsp:cNvPr id="0" name=""/>
+        <dsp:cNvSpPr/>
+      </dsp:nvSpPr>
+      <dsp:spPr>
+        <a:xfrm>
+          <a:off x="1926219" y="74401"/>
+          <a:ext cx="4377160" cy="4377160"/>
+        </a:xfrm>
+        <a:prstGeom prst="circularArrow">
+          <a:avLst>
+            <a:gd name="adj1" fmla="val 3500"/>
+            <a:gd name="adj2" fmla="val 217010"/>
+            <a:gd name="adj3" fmla="val 8469090"/>
+            <a:gd name="adj4" fmla="val 7513900"/>
+            <a:gd name="adj5" fmla="val 4083"/>
+          </a:avLst>
+        </a:prstGeom>
+        <a:solidFill>
+          <a:schemeClr val="accent1">
+            <a:hueOff val="0"/>
+            <a:satOff val="0"/>
+            <a:lumOff val="0"/>
+            <a:alphaOff val="0"/>
+          </a:schemeClr>
+        </a:solidFill>
+        <a:ln w="25400" cap="flat" cmpd="sng" algn="ctr">
+          <a:solidFill>
+            <a:schemeClr val="lt1">
+              <a:hueOff val="0"/>
+              <a:satOff val="0"/>
+              <a:lumOff val="0"/>
+              <a:alphaOff val="0"/>
+            </a:schemeClr>
+          </a:solidFill>
+          <a:prstDash val="solid"/>
+        </a:ln>
+        <a:effectLst/>
+      </dsp:spPr>
+      <dsp:style>
+        <a:lnRef idx="2">
+          <a:scrgbClr r="0" g="0" b="0"/>
+        </a:lnRef>
+        <a:fillRef idx="1">
+          <a:scrgbClr r="0" g="0" b="0"/>
+        </a:fillRef>
+        <a:effectRef idx="0">
+          <a:scrgbClr r="0" g="0" b="0"/>
+        </a:effectRef>
+        <a:fontRef idx="minor">
+          <a:schemeClr val="lt1"/>
+        </a:fontRef>
+      </dsp:style>
+    </dsp:sp>
+    <dsp:sp modelId="{545E3CCB-6646-B24A-A1C9-2D64AB4EC5D9}">
+      <dsp:nvSpPr>
+        <dsp:cNvPr id="0" name=""/>
+        <dsp:cNvSpPr/>
+      </dsp:nvSpPr>
+      <dsp:spPr>
+        <a:xfrm>
+          <a:off x="1853343" y="2644211"/>
+          <a:ext cx="785589" cy="785589"/>
+        </a:xfrm>
+        <a:prstGeom prst="rect">
+          <a:avLst/>
+        </a:prstGeom>
+        <a:noFill/>
+        <a:ln>
+          <a:noFill/>
+        </a:ln>
+        <a:effectLst/>
+      </dsp:spPr>
+      <dsp:style>
+        <a:lnRef idx="0">
+          <a:scrgbClr r="0" g="0" b="0"/>
+        </a:lnRef>
+        <a:fillRef idx="0">
+          <a:scrgbClr r="0" g="0" b="0"/>
+        </a:fillRef>
+        <a:effectRef idx="0">
+          <a:scrgbClr r="0" g="0" b="0"/>
+        </a:effectRef>
+        <a:fontRef idx="minor"/>
+      </dsp:style>
+      <dsp:txBody>
+        <a:bodyPr spcFirstLastPara="0" vert="horz" wrap="square" lIns="10160" tIns="10160" rIns="10160" bIns="10160" numCol="1" spcCol="1270" anchor="ctr" anchorCtr="0">
+          <a:noAutofit/>
+        </a:bodyPr>
+        <a:lstStyle/>
+        <a:p>
+          <a:pPr marL="0" lvl="0" indent="0" algn="ctr" defTabSz="355600">
+            <a:lnSpc>
+              <a:spcPct val="90000"/>
+            </a:lnSpc>
+            <a:spcBef>
+              <a:spcPct val="0"/>
+            </a:spcBef>
+            <a:spcAft>
+              <a:spcPct val="35000"/>
+            </a:spcAft>
+            <a:buNone/>
+          </a:pPr>
+          <a:r>
+            <a:rPr lang="en-US" sz="800" kern="1200"/>
+            <a:t>- Experiment with small-scale automation.</a:t>
+          </a:r>
+        </a:p>
+      </dsp:txBody>
+      <dsp:txXfrm>
+        <a:off x="1853343" y="2644211"/>
+        <a:ext cx="785589" cy="785589"/>
+      </dsp:txXfrm>
+    </dsp:sp>
+    <dsp:sp modelId="{8D6404BD-5B83-9142-B3F5-723B4B86920C}">
+      <dsp:nvSpPr>
+        <dsp:cNvPr id="0" name=""/>
+        <dsp:cNvSpPr/>
+      </dsp:nvSpPr>
+      <dsp:spPr>
+        <a:xfrm>
+          <a:off x="1926219" y="74401"/>
+          <a:ext cx="4377160" cy="4377160"/>
+        </a:xfrm>
+        <a:prstGeom prst="circularArrow">
+          <a:avLst>
+            <a:gd name="adj1" fmla="val 3500"/>
+            <a:gd name="adj2" fmla="val 217010"/>
+            <a:gd name="adj3" fmla="val 11234846"/>
+            <a:gd name="adj4" fmla="val 10148144"/>
+            <a:gd name="adj5" fmla="val 4083"/>
+          </a:avLst>
+        </a:prstGeom>
+        <a:solidFill>
+          <a:schemeClr val="accent1">
+            <a:hueOff val="0"/>
+            <a:satOff val="0"/>
+            <a:lumOff val="0"/>
+            <a:alphaOff val="0"/>
+          </a:schemeClr>
+        </a:solidFill>
+        <a:ln w="25400" cap="flat" cmpd="sng" algn="ctr">
+          <a:solidFill>
+            <a:schemeClr val="lt1">
+              <a:hueOff val="0"/>
+              <a:satOff val="0"/>
+              <a:lumOff val="0"/>
+              <a:alphaOff val="0"/>
+            </a:schemeClr>
+          </a:solidFill>
+          <a:prstDash val="solid"/>
+        </a:ln>
+        <a:effectLst/>
+      </dsp:spPr>
+      <dsp:style>
+        <a:lnRef idx="2">
+          <a:scrgbClr r="0" g="0" b="0"/>
+        </a:lnRef>
+        <a:fillRef idx="1">
+          <a:scrgbClr r="0" g="0" b="0"/>
+        </a:fillRef>
+        <a:effectRef idx="0">
+          <a:scrgbClr r="0" g="0" b="0"/>
+        </a:effectRef>
+        <a:fontRef idx="minor">
+          <a:schemeClr val="lt1"/>
+        </a:fontRef>
+      </dsp:style>
+    </dsp:sp>
+    <dsp:sp modelId="{1F4C04E8-2FCF-4840-BE0E-EF6EE0F68D86}">
+      <dsp:nvSpPr>
+        <dsp:cNvPr id="0" name=""/>
+        <dsp:cNvSpPr/>
+      </dsp:nvSpPr>
+      <dsp:spPr>
+        <a:xfrm>
+          <a:off x="1853343" y="1096161"/>
+          <a:ext cx="785589" cy="785589"/>
+        </a:xfrm>
+        <a:prstGeom prst="rect">
+          <a:avLst/>
+        </a:prstGeom>
+        <a:noFill/>
+        <a:ln>
+          <a:noFill/>
+        </a:ln>
+        <a:effectLst/>
+      </dsp:spPr>
+      <dsp:style>
+        <a:lnRef idx="0">
+          <a:scrgbClr r="0" g="0" b="0"/>
+        </a:lnRef>
+        <a:fillRef idx="0">
+          <a:scrgbClr r="0" g="0" b="0"/>
+        </a:fillRef>
+        <a:effectRef idx="0">
+          <a:scrgbClr r="0" g="0" b="0"/>
+        </a:effectRef>
+        <a:fontRef idx="minor"/>
+      </dsp:style>
+      <dsp:txBody>
+        <a:bodyPr spcFirstLastPara="0" vert="horz" wrap="square" lIns="10160" tIns="10160" rIns="10160" bIns="10160" numCol="1" spcCol="1270" anchor="ctr" anchorCtr="0">
+          <a:noAutofit/>
+        </a:bodyPr>
+        <a:lstStyle/>
+        <a:p>
+          <a:pPr marL="0" lvl="0" indent="0" algn="ctr" defTabSz="355600">
+            <a:lnSpc>
+              <a:spcPct val="90000"/>
+            </a:lnSpc>
+            <a:spcBef>
+              <a:spcPct val="0"/>
+            </a:spcBef>
+            <a:spcAft>
+              <a:spcPct val="35000"/>
+            </a:spcAft>
+            <a:buNone/>
+          </a:pPr>
+          <a:r>
+            <a:rPr lang="en-US" sz="800" kern="1200"/>
+            <a:t>- Explore advanced frameworks like Robot Framework.</a:t>
+          </a:r>
+        </a:p>
+      </dsp:txBody>
+      <dsp:txXfrm>
+        <a:off x="1853343" y="1096161"/>
+        <a:ext cx="785589" cy="785589"/>
+      </dsp:txXfrm>
+    </dsp:sp>
+    <dsp:sp modelId="{7CCFCC09-C144-8E4C-BA26-5B175F2C7BAD}">
+      <dsp:nvSpPr>
+        <dsp:cNvPr id="0" name=""/>
+        <dsp:cNvSpPr/>
+      </dsp:nvSpPr>
+      <dsp:spPr>
+        <a:xfrm>
+          <a:off x="1926219" y="74401"/>
+          <a:ext cx="4377160" cy="4377160"/>
+        </a:xfrm>
+        <a:prstGeom prst="circularArrow">
+          <a:avLst>
+            <a:gd name="adj1" fmla="val 3500"/>
+            <a:gd name="adj2" fmla="val 217010"/>
+            <a:gd name="adj3" fmla="val 13869090"/>
+            <a:gd name="adj4" fmla="val 12913900"/>
+            <a:gd name="adj5" fmla="val 4083"/>
+          </a:avLst>
+        </a:prstGeom>
+        <a:solidFill>
+          <a:schemeClr val="accent1">
+            <a:hueOff val="0"/>
+            <a:satOff val="0"/>
+            <a:lumOff val="0"/>
+            <a:alphaOff val="0"/>
+          </a:schemeClr>
+        </a:solidFill>
+        <a:ln w="25400" cap="flat" cmpd="sng" algn="ctr">
+          <a:solidFill>
+            <a:schemeClr val="lt1">
+              <a:hueOff val="0"/>
+              <a:satOff val="0"/>
+              <a:lumOff val="0"/>
+              <a:alphaOff val="0"/>
+            </a:schemeClr>
+          </a:solidFill>
+          <a:prstDash val="solid"/>
+        </a:ln>
+        <a:effectLst/>
+      </dsp:spPr>
+      <dsp:style>
+        <a:lnRef idx="2">
+          <a:scrgbClr r="0" g="0" b="0"/>
+        </a:lnRef>
+        <a:fillRef idx="1">
+          <a:scrgbClr r="0" g="0" b="0"/>
+        </a:fillRef>
+        <a:effectRef idx="0">
+          <a:scrgbClr r="0" g="0" b="0"/>
+        </a:effectRef>
+        <a:fontRef idx="minor">
+          <a:schemeClr val="lt1"/>
+        </a:fontRef>
+      </dsp:style>
+    </dsp:sp>
+    <dsp:sp modelId="{5A8CFD84-D552-9B4D-80AB-D4AFD64F2016}">
+      <dsp:nvSpPr>
+        <dsp:cNvPr id="0" name=""/>
+        <dsp:cNvSpPr/>
+      </dsp:nvSpPr>
+      <dsp:spPr>
+        <a:xfrm>
+          <a:off x="2947980" y="1525"/>
+          <a:ext cx="785589" cy="785589"/>
+        </a:xfrm>
+        <a:prstGeom prst="rect">
+          <a:avLst/>
+        </a:prstGeom>
+        <a:noFill/>
+        <a:ln>
+          <a:noFill/>
+        </a:ln>
+        <a:effectLst/>
+      </dsp:spPr>
+      <dsp:style>
+        <a:lnRef idx="0">
+          <a:scrgbClr r="0" g="0" b="0"/>
+        </a:lnRef>
+        <a:fillRef idx="0">
+          <a:scrgbClr r="0" g="0" b="0"/>
+        </a:fillRef>
+        <a:effectRef idx="0">
+          <a:scrgbClr r="0" g="0" b="0"/>
+        </a:effectRef>
+        <a:fontRef idx="minor"/>
+      </dsp:style>
+      <dsp:txBody>
+        <a:bodyPr spcFirstLastPara="0" vert="horz" wrap="square" lIns="10160" tIns="10160" rIns="10160" bIns="10160" numCol="1" spcCol="1270" anchor="ctr" anchorCtr="0">
+          <a:noAutofit/>
+        </a:bodyPr>
+        <a:lstStyle/>
+        <a:p>
+          <a:pPr marL="0" lvl="0" indent="0" algn="ctr" defTabSz="355600">
+            <a:lnSpc>
+              <a:spcPct val="90000"/>
+            </a:lnSpc>
+            <a:spcBef>
+              <a:spcPct val="0"/>
+            </a:spcBef>
+            <a:spcAft>
+              <a:spcPct val="35000"/>
+            </a:spcAft>
+            <a:buNone/>
+          </a:pPr>
+          <a:r>
+            <a:rPr lang="en-US" sz="800" kern="1200"/>
+            <a:t>- Leverage AI with RPA for predictive analytics.</a:t>
+          </a:r>
+        </a:p>
+      </dsp:txBody>
+      <dsp:txXfrm>
+        <a:off x="2947980" y="1525"/>
+        <a:ext cx="785589" cy="785589"/>
+      </dsp:txXfrm>
+    </dsp:sp>
+    <dsp:sp modelId="{61D4263C-BCCA-024C-A4BF-C5FB48D48E37}">
+      <dsp:nvSpPr>
+        <dsp:cNvPr id="0" name=""/>
+        <dsp:cNvSpPr/>
+      </dsp:nvSpPr>
+      <dsp:spPr>
+        <a:xfrm>
+          <a:off x="1926219" y="74401"/>
+          <a:ext cx="4377160" cy="4377160"/>
+        </a:xfrm>
+        <a:prstGeom prst="circularArrow">
+          <a:avLst>
+            <a:gd name="adj1" fmla="val 3500"/>
+            <a:gd name="adj2" fmla="val 217010"/>
+            <a:gd name="adj3" fmla="val 16634846"/>
+            <a:gd name="adj4" fmla="val 15548144"/>
+            <a:gd name="adj5" fmla="val 4083"/>
+          </a:avLst>
+        </a:prstGeom>
+        <a:solidFill>
+          <a:schemeClr val="accent1">
+            <a:hueOff val="0"/>
+            <a:satOff val="0"/>
+            <a:lumOff val="0"/>
+            <a:alphaOff val="0"/>
+          </a:schemeClr>
+        </a:solidFill>
+        <a:ln w="25400" cap="flat" cmpd="sng" algn="ctr">
+          <a:solidFill>
+            <a:schemeClr val="lt1">
+              <a:hueOff val="0"/>
+              <a:satOff val="0"/>
+              <a:lumOff val="0"/>
+              <a:alphaOff val="0"/>
+            </a:schemeClr>
+          </a:solidFill>
+          <a:prstDash val="solid"/>
+        </a:ln>
+        <a:effectLst/>
+      </dsp:spPr>
+      <dsp:style>
+        <a:lnRef idx="2">
+          <a:scrgbClr r="0" g="0" b="0"/>
+        </a:lnRef>
+        <a:fillRef idx="1">
+          <a:scrgbClr r="0" g="0" b="0"/>
+        </a:fillRef>
+        <a:effectRef idx="0">
+          <a:scrgbClr r="0" g="0" b="0"/>
+        </a:effectRef>
+        <a:fontRef idx="minor">
+          <a:schemeClr val="lt1"/>
+        </a:fontRef>
+      </dsp:style>
+    </dsp:sp>
+  </dsp:spTree>
+</dsp:drawing>
+</file>
+
+<file path=ppt/diagrams/layout1.xml><?xml version="1.0" encoding="utf-8"?>
+<dgm:layoutDef xmlns:dgm="http://schemas.openxmlformats.org/drawingml/2006/diagram" xmlns:a="http://schemas.openxmlformats.org/drawingml/2006/main" uniqueId="urn:microsoft.com/office/officeart/2005/8/layout/cycle1">
+  <dgm:title val=""/>
+  <dgm:desc val=""/>
+  <dgm:catLst>
+    <dgm:cat type="cycle" pri="2000"/>
+  </dgm:catLst>
+  <dgm:sampData>
+    <dgm:dataModel>
+      <dgm:ptLst>
+        <dgm:pt modelId="0" type="doc"/>
+        <dgm:pt modelId="1">
+          <dgm:prSet phldr="1"/>
+        </dgm:pt>
+        <dgm:pt modelId="2">
+          <dgm:prSet phldr="1"/>
+        </dgm:pt>
+        <dgm:pt modelId="3">
+          <dgm:prSet phldr="1"/>
+        </dgm:pt>
+        <dgm:pt modelId="4">
+          <dgm:prSet phldr="1"/>
+        </dgm:pt>
+        <dgm:pt modelId="5">
+          <dgm:prSet phldr="1"/>
+        </dgm:pt>
+      </dgm:ptLst>
+      <dgm:cxnLst>
+        <dgm:cxn modelId="6" srcId="0" destId="1" srcOrd="0" destOrd="0"/>
+        <dgm:cxn modelId="7" srcId="0" destId="2" srcOrd="1" destOrd="0"/>
+        <dgm:cxn modelId="8" srcId="0" destId="3" srcOrd="2" destOrd="0"/>
+        <dgm:cxn modelId="9" srcId="0" destId="4" srcOrd="3" destOrd="0"/>
+        <dgm:cxn modelId="10" srcId="0" destId="5" srcOrd="4" destOrd="0"/>
+      </dgm:cxnLst>
+      <dgm:bg/>
+      <dgm:whole/>
+    </dgm:dataModel>
+  </dgm:sampData>
+  <dgm:styleData>
+    <dgm:dataModel>
+      <dgm:ptLst>
+        <dgm:pt modelId="0" type="doc"/>
+        <dgm:pt modelId="1"/>
+        <dgm:pt modelId="2"/>
+        <dgm:pt modelId="3"/>
+      </dgm:ptLst>
+      <dgm:cxnLst>
+        <dgm:cxn modelId="4" srcId="0" destId="1" srcOrd="0" destOrd="0"/>
+        <dgm:cxn modelId="5" srcId="0" destId="2" srcOrd="1" destOrd="0"/>
+        <dgm:cxn modelId="6" srcId="0" destId="3" srcOrd="2" destOrd="0"/>
+      </dgm:cxnLst>
+      <dgm:bg/>
+      <dgm:whole/>
+    </dgm:dataModel>
+  </dgm:styleData>
+  <dgm:clrData>
+    <dgm:dataModel>
+      <dgm:ptLst>
+        <dgm:pt modelId="0" type="doc"/>
+        <dgm:pt modelId="1"/>
+        <dgm:pt modelId="2"/>
+        <dgm:pt modelId="3"/>
+        <dgm:pt modelId="4"/>
+        <dgm:pt modelId="5"/>
+        <dgm:pt modelId="6"/>
+      </dgm:ptLst>
+      <dgm:cxnLst>
+        <dgm:cxn modelId="7" srcId="0" destId="1" srcOrd="0" destOrd="0"/>
+        <dgm:cxn modelId="8" srcId="0" destId="2" srcOrd="1" destOrd="0"/>
+        <dgm:cxn modelId="9" srcId="0" destId="3" srcOrd="2" destOrd="0"/>
+        <dgm:cxn modelId="10" srcId="0" destId="4" srcOrd="3" destOrd="0"/>
+        <dgm:cxn modelId="11" srcId="0" destId="5" srcOrd="4" destOrd="0"/>
+        <dgm:cxn modelId="12" srcId="0" destId="6" srcOrd="5" destOrd="0"/>
+      </dgm:cxnLst>
+      <dgm:bg/>
+      <dgm:whole/>
+    </dgm:dataModel>
+  </dgm:clrData>
+  <dgm:layoutNode name="cycle">
+    <dgm:varLst>
+      <dgm:dir/>
+      <dgm:resizeHandles val="exact"/>
+    </dgm:varLst>
+    <dgm:choose name="Name0">
+      <dgm:if name="Name1" func="var" arg="dir" op="equ" val="norm">
+        <dgm:alg type="cycle">
+          <dgm:param type="stAng" val="0"/>
+          <dgm:param type="spanAng" val="360"/>
+        </dgm:alg>
+      </dgm:if>
+      <dgm:else name="Name2">
+        <dgm:alg type="cycle">
+          <dgm:param type="stAng" val="0"/>
+          <dgm:param type="spanAng" val="-360"/>
+        </dgm:alg>
+      </dgm:else>
+    </dgm:choose>
+    <dgm:shape xmlns:r="http://schemas.openxmlformats.org/officeDocument/2006/relationships" r:blip="">
+      <dgm:adjLst/>
+    </dgm:shape>
+    <dgm:presOf/>
+    <dgm:choose name="Name3">
+      <dgm:if name="Name4" func="var" arg="dir" op="equ" val="norm">
+        <dgm:constrLst>
+          <dgm:constr type="diam" val="1"/>
+          <dgm:constr type="w" for="ch" forName="node" refType="w"/>
+          <dgm:constr type="w" for="ch" ptType="sibTrans" refType="w" refFor="ch" refForName="node" fact="0.5"/>
+          <dgm:constr type="h" for="ch" ptType="sibTrans" op="equ"/>
+          <dgm:constr type="diam" for="ch" ptType="sibTrans" refType="diam" op="equ"/>
+          <dgm:constr type="sibSp" refType="w" refFor="ch" refForName="node" fact="0.15"/>
+          <dgm:constr type="w" for="ch" forName="dummy" refType="sibSp" fact="2.8"/>
+          <dgm:constr type="primFontSz" for="ch" forName="node" op="equ" val="65"/>
+        </dgm:constrLst>
+      </dgm:if>
+      <dgm:else name="Name5">
+        <dgm:constrLst>
+          <dgm:constr type="diam" val="1"/>
+          <dgm:constr type="w" for="ch" forName="node" refType="w"/>
+          <dgm:constr type="w" for="ch" ptType="sibTrans" refType="w" refFor="ch" refForName="node" fact="0.5"/>
+          <dgm:constr type="h" for="ch" ptType="sibTrans" op="equ"/>
+          <dgm:constr type="diam" for="ch" ptType="sibTrans" refType="diam" op="equ" fact="-1"/>
+          <dgm:constr type="sibSp" refType="w" refFor="ch" refForName="node" fact="0.15"/>
+          <dgm:constr type="w" for="ch" forName="dummy" refType="sibSp" fact="2.8"/>
+          <dgm:constr type="primFontSz" for="ch" forName="node" op="equ" val="65"/>
+        </dgm:constrLst>
+      </dgm:else>
+    </dgm:choose>
+    <dgm:ruleLst>
+      <dgm:rule type="diam" val="INF" fact="NaN" max="NaN"/>
+    </dgm:ruleLst>
+    <dgm:forEach name="nodesForEach" axis="ch" ptType="node">
+      <dgm:choose name="Name6">
+        <dgm:if name="Name7" axis="par ch" ptType="doc node" func="cnt" op="gt" val="1">
+          <dgm:layoutNode name="dummy">
+            <dgm:alg type="sp"/>
+            <dgm:shape xmlns:r="http://schemas.openxmlformats.org/officeDocument/2006/relationships" r:blip="">
+              <dgm:adjLst/>
+            </dgm:shape>
+            <dgm:presOf/>
+            <dgm:constrLst>
+              <dgm:constr type="h" refType="w"/>
+            </dgm:constrLst>
+            <dgm:ruleLst/>
+          </dgm:layoutNode>
+        </dgm:if>
+        <dgm:else name="Name8"/>
+      </dgm:choose>
+      <dgm:layoutNode name="node" styleLbl="revTx">
+        <dgm:varLst>
+          <dgm:bulletEnabled val="1"/>
+        </dgm:varLst>
+        <dgm:alg type="tx">
+          <dgm:param type="txAnchorVertCh" val="mid"/>
+        </dgm:alg>
+        <dgm:shape xmlns:r="http://schemas.openxmlformats.org/officeDocument/2006/relationships" type="rect" r:blip="">
+          <dgm:adjLst/>
+        </dgm:shape>
+        <dgm:presOf axis="desOrSelf" ptType="node"/>
+        <dgm:constrLst>
+          <dgm:constr type="h" refType="w"/>
+          <dgm:constr type="lMarg" refType="primFontSz" fact="0.1"/>
+          <dgm:constr type="rMarg" refType="primFontSz" fact="0.1"/>
+          <dgm:constr type="tMarg" refType="primFontSz" fact="0.1"/>
+          <dgm:constr type="bMarg" refType="primFontSz" fact="0.1"/>
+        </dgm:constrLst>
+        <dgm:ruleLst>
+          <dgm:rule type="primFontSz" val="5" fact="NaN" max="NaN"/>
+        </dgm:ruleLst>
+      </dgm:layoutNode>
+      <dgm:choose name="Name9">
+        <dgm:if name="Name10" axis="par ch" ptType="doc node" func="cnt" op="gt" val="1">
+          <dgm:forEach name="Name11" axis="followSib" ptType="sibTrans" hideLastTrans="0" cnt="1">
+            <dgm:layoutNode name="sibTrans" styleLbl="node1">
+              <dgm:alg type="conn">
+                <dgm:param type="connRout" val="curve"/>
+                <dgm:param type="begPts" val="radial"/>
+                <dgm:param type="endPts" val="radial"/>
+              </dgm:alg>
+              <dgm:shape xmlns:r="http://schemas.openxmlformats.org/officeDocument/2006/relationships" type="conn" r:blip="">
+                <dgm:adjLst/>
+              </dgm:shape>
+              <dgm:presOf axis="self"/>
+              <dgm:constrLst>
+                <dgm:constr type="h" refType="w" fact="0.65"/>
+                <dgm:constr type="begPad"/>
+                <dgm:constr type="endPad"/>
+              </dgm:constrLst>
+              <dgm:ruleLst/>
+            </dgm:layoutNode>
+          </dgm:forEach>
+        </dgm:if>
+        <dgm:else name="Name12"/>
+      </dgm:choose>
+    </dgm:forEach>
+  </dgm:layoutNode>
+</dgm:layoutDef>
+</file>
+
+<file path=ppt/diagrams/quickStyle1.xml><?xml version="1.0" encoding="utf-8"?>
+<dgm:styleDef xmlns:dgm="http://schemas.openxmlformats.org/drawingml/2006/diagram" xmlns:a="http://schemas.openxmlformats.org/drawingml/2006/main" uniqueId="urn:microsoft.com/office/officeart/2005/8/quickstyle/simple1">
+  <dgm:title val=""/>
+  <dgm:desc val=""/>
+  <dgm:catLst>
+    <dgm:cat type="simple" pri="10100"/>
+  </dgm:catLst>
+  <dgm:scene3d>
+    <a:camera prst="orthographicFront"/>
+    <a:lightRig rig="threePt" dir="t"/>
+  </dgm:scene3d>
+  <dgm:styleLbl name="node0">
+    <dgm:scene3d>
+      <a:camera prst="orthographicFront"/>
+      <a:lightRig rig="threePt" dir="t"/>
+    </dgm:scene3d>
+    <dgm:sp3d/>
+    <dgm:txPr/>
+    <dgm:style>
+      <a:lnRef idx="2">
+        <a:scrgbClr r="0" g="0" b="0"/>
+      </a:lnRef>
+      <a:fillRef idx="1">
+        <a:scrgbClr r="0" g="0" b="0"/>
+      </a:fillRef>
+      <a:effectRef idx="0">
+        <a:scrgbClr r="0" g="0" b="0"/>
+      </a:effectRef>
+      <a:fontRef idx="minor">
+        <a:schemeClr val="lt1"/>
+      </a:fontRef>
+    </dgm:style>
+  </dgm:styleLbl>
+  <dgm:styleLbl name="lnNode1">
+    <dgm:scene3d>
+      <a:camera prst="orthographicFront"/>
+      <a:lightRig rig="threePt" dir="t"/>
+    </dgm:scene3d>
+    <dgm:sp3d/>
+    <dgm:txPr/>
+    <dgm:style>
+      <a:lnRef idx="2">
+        <a:scrgbClr r="0" g="0" b="0"/>
+      </a:lnRef>
+      <a:fillRef idx="1">
+        <a:scrgbClr r="0" g="0" b="0"/>
+      </a:fillRef>
+      <a:effectRef idx="0">
+        <a:scrgbClr r="0" g="0" b="0"/>
+      </a:effectRef>
+      <a:fontRef idx="minor">
+        <a:schemeClr val="lt1"/>
+      </a:fontRef>
+    </dgm:style>
+  </dgm:styleLbl>
+  <dgm:styleLbl name="vennNode1">
+    <dgm:scene3d>
+      <a:camera prst="orthographicFront"/>
+      <a:lightRig rig="threePt" dir="t"/>
+    </dgm:scene3d>
+    <dgm:sp3d/>
+    <dgm:txPr/>
+    <dgm:style>
+      <a:lnRef idx="2">
+        <a:scrgbClr r="0" g="0" b="0"/>
+      </a:lnRef>
+      <a:fillRef idx="1">
+        <a:scrgbClr r="0" g="0" b="0"/>
+      </a:fillRef>
+      <a:effectRef idx="0">
+        <a:scrgbClr r="0" g="0" b="0"/>
+      </a:effectRef>
+      <a:fontRef idx="minor">
+        <a:schemeClr val="tx1"/>
+      </a:fontRef>
+    </dgm:style>
+  </dgm:styleLbl>
+  <dgm:styleLbl name="alignNode1">
+    <dgm:scene3d>
+      <a:camera prst="orthographicFront"/>
+      <a:lightRig rig="threePt" dir="t"/>
+    </dgm:scene3d>
+    <dgm:sp3d/>
+    <dgm:txPr/>
+    <dgm:style>
+      <a:lnRef idx="2">
+        <a:scrgbClr r="0" g="0" b="0"/>
+      </a:lnRef>
+      <a:fillRef idx="1">
+        <a:scrgbClr r="0" g="0" b="0"/>
+      </a:fillRef>
+      <a:effectRef idx="0">
+        <a:scrgbClr r="0" g="0" b="0"/>
+      </a:effectRef>
+      <a:fontRef idx="minor">
+        <a:schemeClr val="lt1"/>
+      </a:fontRef>
+    </dgm:style>
+  </dgm:styleLbl>
+  <dgm:styleLbl name="node1">
+    <dgm:scene3d>
+      <a:camera prst="orthographicFront"/>
+      <a:lightRig rig="threePt" dir="t"/>
+    </dgm:scene3d>
+    <dgm:sp3d/>
+    <dgm:txPr/>
+    <dgm:style>
+      <a:lnRef idx="2">
+        <a:scrgbClr r="0" g="0" b="0"/>
+      </a:lnRef>
+      <a:fillRef idx="1">
+        <a:scrgbClr r="0" g="0" b="0"/>
+      </a:fillRef>
+      <a:effectRef idx="0">
+        <a:scrgbClr r="0" g="0" b="0"/>
+      </a:effectRef>
+      <a:fontRef idx="minor">
+        <a:schemeClr val="lt1"/>
+      </a:fontRef>
+    </dgm:style>
+  </dgm:styleLbl>
+  <dgm:styleLbl name="node2">
+    <dgm:scene3d>
+      <a:camera prst="orthographicFront"/>
+      <a:lightRig rig="threePt" dir="t"/>
+    </dgm:scene3d>
+    <dgm:sp3d/>
+    <dgm:txPr/>
+    <dgm:style>
+      <a:lnRef idx="2">
+        <a:scrgbClr r="0" g="0" b="0"/>
+      </a:lnRef>
+      <a:fillRef idx="1">
+        <a:scrgbClr r="0" g="0" b="0"/>
+      </a:fillRef>
+      <a:effectRef idx="0">
+        <a:scrgbClr r="0" g="0" b="0"/>
+      </a:effectRef>
+      <a:fontRef idx="minor">
+        <a:schemeClr val="lt1"/>
+      </a:fontRef>
+    </dgm:style>
+  </dgm:styleLbl>
+  <dgm:styleLbl name="node3">
+    <dgm:scene3d>
+      <a:camera prst="orthographicFront"/>
+      <a:lightRig rig="threePt" dir="t"/>
+    </dgm:scene3d>
+    <dgm:sp3d/>
+    <dgm:txPr/>
+    <dgm:style>
+      <a:lnRef idx="2">
+        <a:scrgbClr r="0" g="0" b="0"/>
+      </a:lnRef>
+      <a:fillRef idx="1">
+        <a:scrgbClr r="0" g="0" b="0"/>
+      </a:fillRef>
+      <a:effectRef idx="0">
+        <a:scrgbClr r="0" g="0" b="0"/>
+      </a:effectRef>
+      <a:fontRef idx="minor">
+        <a:schemeClr val="lt1"/>
+      </a:fontRef>
+    </dgm:style>
+  </dgm:styleLbl>
+  <dgm:styleLbl name="node4">
+    <dgm:scene3d>
+      <a:camera prst="orthographicFront"/>
+      <a:lightRig rig="threePt" dir="t"/>
+    </dgm:scene3d>
+    <dgm:sp3d/>
+    <dgm:txPr/>
+    <dgm:style>
+      <a:lnRef idx="2">
+        <a:scrgbClr r="0" g="0" b="0"/>
+      </a:lnRef>
+      <a:fillRef idx="1">
+        <a:scrgbClr r="0" g="0" b="0"/>
+      </a:fillRef>
+      <a:effectRef idx="0">
+        <a:scrgbClr r="0" g="0" b="0"/>
+      </a:effectRef>
+      <a:fontRef idx="minor">
+        <a:schemeClr val="lt1"/>
+      </a:fontRef>
+    </dgm:style>
+  </dgm:styleLbl>
+  <dgm:styleLbl name="fgImgPlace1">
+    <dgm:scene3d>
+      <a:camera prst="orthographicFront"/>
+      <a:lightRig rig="threePt" dir="t"/>
+    </dgm:scene3d>
+    <dgm:sp3d/>
+    <dgm:txPr/>
+    <dgm:style>
+      <a:lnRef idx="2">
+        <a:scrgbClr r="0" g="0" b="0"/>
+      </a:lnRef>
+      <a:fillRef idx="1">
+        <a:scrgbClr r="0" g="0" b="0"/>
+      </a:fillRef>
+      <a:effectRef idx="0">
+        <a:scrgbClr r="0" g="0" b="0"/>
+      </a:effectRef>
+      <a:fontRef idx="minor"/>
+    </dgm:style>
+  </dgm:styleLbl>
+  <dgm:styleLbl name="alignImgPlace1">
+    <dgm:scene3d>
+      <a:camera prst="orthographicFront"/>
+      <a:lightRig rig="threePt" dir="t"/>
+    </dgm:scene3d>
+    <dgm:sp3d/>
+    <dgm:txPr/>
+    <dgm:style>
+      <a:lnRef idx="2">
+        <a:scrgbClr r="0" g="0" b="0"/>
+      </a:lnRef>
+      <a:fillRef idx="1">
+        <a:scrgbClr r="0" g="0" b="0"/>
+      </a:fillRef>
+      <a:effectRef idx="0">
+        <a:scrgbClr r="0" g="0" b="0"/>
+      </a:effectRef>
+      <a:fontRef idx="minor"/>
+    </dgm:style>
+  </dgm:styleLbl>
+  <dgm:styleLbl name="bgImgPlace1">
+    <dgm:scene3d>
+      <a:camera prst="orthographicFront"/>
+      <a:lightRig rig="threePt" dir="t"/>
+    </dgm:scene3d>
+    <dgm:sp3d/>
+    <dgm:txPr/>
+    <dgm:style>
+      <a:lnRef idx="2">
+        <a:scrgbClr r="0" g="0" b="0"/>
+      </a:lnRef>
+      <a:fillRef idx="1">
+        <a:scrgbClr r="0" g="0" b="0"/>
+      </a:fillRef>
+      <a:effectRef idx="0">
+        <a:scrgbClr r="0" g="0" b="0"/>
+      </a:effectRef>
+      <a:fontRef idx="minor"/>
+    </dgm:style>
+  </dgm:styleLbl>
+  <dgm:styleLbl name="sibTrans2D1">
+    <dgm:scene3d>
+      <a:camera prst="orthographicFront"/>
+      <a:lightRig rig="threePt" dir="t"/>
+    </dgm:scene3d>
+    <dgm:sp3d/>
+    <dgm:txPr/>
+    <dgm:style>
+      <a:lnRef idx="0">
+        <a:scrgbClr r="0" g="0" b="0"/>
+      </a:lnRef>
+      <a:fillRef idx="1">
+        <a:scrgbClr r="0" g="0" b="0"/>
+      </a:fillRef>
+      <a:effectRef idx="0">
+        <a:scrgbClr r="0" g="0" b="0"/>
+      </a:effectRef>
+      <a:fontRef idx="minor">
+        <a:schemeClr val="lt1"/>
+      </a:fontRef>
+    </dgm:style>
+  </dgm:styleLbl>
+  <dgm:styleLbl name="fgSibTrans2D1">
+    <dgm:scene3d>
+      <a:camera prst="orthographicFront"/>
+      <a:lightRig rig="threePt" dir="t"/>
+    </dgm:scene3d>
+    <dgm:sp3d/>
+    <dgm:txPr/>
+    <dgm:style>
+      <a:lnRef idx="0">
+        <a:scrgbClr r="0" g="0" b="0"/>
+      </a:lnRef>
+      <a:fillRef idx="1">
+        <a:scrgbClr r="0" g="0" b="0"/>
+      </a:fillRef>
+      <a:effectRef idx="0">
+        <a:scrgbClr r="0" g="0" b="0"/>
+      </a:effectRef>
+      <a:fontRef idx="minor">
+        <a:schemeClr val="lt1"/>
+      </a:fontRef>
+    </dgm:style>
+  </dgm:styleLbl>
+  <dgm:styleLbl name="bgSibTrans2D1">
+    <dgm:scene3d>
+      <a:camera prst="orthographicFront"/>
+      <a:lightRig rig="threePt" dir="t"/>
+    </dgm:scene3d>
+    <dgm:sp3d/>
+    <dgm:txPr/>
+    <dgm:style>
+      <a:lnRef idx="0">
+        <a:scrgbClr r="0" g="0" b="0"/>
+      </a:lnRef>
+      <a:fillRef idx="1">
+        <a:scrgbClr r="0" g="0" b="0"/>
+      </a:fillRef>
+      <a:effectRef idx="0">
+        <a:scrgbClr r="0" g="0" b="0"/>
+      </a:effectRef>
+      <a:fontRef idx="minor">
+        <a:schemeClr val="lt1"/>
+      </a:fontRef>
+    </dgm:style>
+  </dgm:styleLbl>
+  <dgm:styleLbl name="sibTrans1D1">
+    <dgm:scene3d>
+      <a:camera prst="orthographicFront"/>
+      <a:lightRig rig="threePt" dir="t"/>
+    </dgm:scene3d>
+    <dgm:sp3d/>
+    <dgm:txPr/>
+    <dgm:style>
+      <a:lnRef idx="1">
+        <a:scrgbClr r="0" g="0" b="0"/>
+      </a:lnRef>
+      <a:fillRef idx="0">
+        <a:scrgbClr r="0" g="0" b="0"/>
+      </a:fillRef>
+      <a:effectRef idx="0">
+        <a:scrgbClr r="0" g="0" b="0"/>
+      </a:effectRef>
+      <a:fontRef idx="minor"/>
+    </dgm:style>
+  </dgm:styleLbl>
+  <dgm:styleLbl name="callout">
+    <dgm:scene3d>
+      <a:camera prst="orthographicFront"/>
+      <a:lightRig rig="threePt" dir="t"/>
+    </dgm:scene3d>
+    <dgm:sp3d/>
+    <dgm:txPr/>
+    <dgm:style>
+      <a:lnRef idx="2">
+        <a:scrgbClr r="0" g="0" b="0"/>
+      </a:lnRef>
+      <a:fillRef idx="1">
+        <a:scrgbClr r="0" g="0" b="0"/>
+      </a:fillRef>
+      <a:effectRef idx="0">
+        <a:scrgbClr r="0" g="0" b="0"/>
+      </a:effectRef>
+      <a:fontRef idx="minor"/>
+    </dgm:style>
+  </dgm:styleLbl>
+  <dgm:styleLbl name="asst0">
+    <dgm:scene3d>
+      <a:camera prst="orthographicFront"/>
+      <a:lightRig rig="threePt" dir="t"/>
+    </dgm:scene3d>
+    <dgm:sp3d/>
+    <dgm:txPr/>
+    <dgm:style>
+      <a:lnRef idx="2">
+        <a:scrgbClr r="0" g="0" b="0"/>
+      </a:lnRef>
+      <a:fillRef idx="1">
+        <a:scrgbClr r="0" g="0" b="0"/>
+      </a:fillRef>
+      <a:effectRef idx="0">
+        <a:scrgbClr r="0" g="0" b="0"/>
+      </a:effectRef>
+      <a:fontRef idx="minor">
+        <a:schemeClr val="lt1"/>
+      </a:fontRef>
+    </dgm:style>
+  </dgm:styleLbl>
+  <dgm:styleLbl name="asst1">
+    <dgm:scene3d>
+      <a:camera prst="orthographicFront"/>
+      <a:lightRig rig="threePt" dir="t"/>
+    </dgm:scene3d>
+    <dgm:sp3d/>
+    <dgm:txPr/>
+    <dgm:style>
+      <a:lnRef idx="2">
+        <a:scrgbClr r="0" g="0" b="0"/>
+      </a:lnRef>
+      <a:fillRef idx="1">
+        <a:scrgbClr r="0" g="0" b="0"/>
+      </a:fillRef>
+      <a:effectRef idx="0">
+        <a:scrgbClr r="0" g="0" b="0"/>
+      </a:effectRef>
+      <a:fontRef idx="minor">
+        <a:schemeClr val="lt1"/>
+      </a:fontRef>
+    </dgm:style>
+  </dgm:styleLbl>
+  <dgm:styleLbl name="asst2">
+    <dgm:scene3d>
+      <a:camera prst="orthographicFront"/>
+      <a:lightRig rig="threePt" dir="t"/>
+    </dgm:scene3d>
+    <dgm:sp3d/>
+    <dgm:txPr/>
+    <dgm:style>
+      <a:lnRef idx="2">
+        <a:scrgbClr r="0" g="0" b="0"/>
+      </a:lnRef>
+      <a:fillRef idx="1">
+        <a:scrgbClr r="0" g="0" b="0"/>
+      </a:fillRef>
+      <a:effectRef idx="0">
+        <a:scrgbClr r="0" g="0" b="0"/>
+      </a:effectRef>
+      <a:fontRef idx="minor">
+        <a:schemeClr val="lt1"/>
+      </a:fontRef>
+    </dgm:style>
+  </dgm:styleLbl>
+  <dgm:styleLbl name="asst3">
+    <dgm:scene3d>
+      <a:camera prst="orthographicFront"/>
+      <a:lightRig rig="threePt" dir="t"/>
+    </dgm:scene3d>
+    <dgm:sp3d/>
+    <dgm:txPr/>
+    <dgm:style>
+      <a:lnRef idx="2">
+        <a:scrgbClr r="0" g="0" b="0"/>
+      </a:lnRef>
+      <a:fillRef idx="1">
+        <a:scrgbClr r="0" g="0" b="0"/>
+      </a:fillRef>
+      <a:effectRef idx="0">
+        <a:scrgbClr r="0" g="0" b="0"/>
+      </a:effectRef>
+      <a:fontRef idx="minor">
+        <a:schemeClr val="lt1"/>
+      </a:fontRef>
+    </dgm:style>
+  </dgm:styleLbl>
+  <dgm:styleLbl name="asst4">
+    <dgm:scene3d>
+      <a:camera prst="orthographicFront"/>
+      <a:lightRig rig="threePt" dir="t"/>
+    </dgm:scene3d>
+    <dgm:sp3d/>
+    <dgm:txPr/>
+    <dgm:style>
+      <a:lnRef idx="2">
+        <a:scrgbClr r="0" g="0" b="0"/>
+      </a:lnRef>
+      <a:fillRef idx="1">
+        <a:scrgbClr r="0" g="0" b="0"/>
+      </a:fillRef>
+      <a:effectRef idx="0">
+        <a:scrgbClr r="0" g="0" b="0"/>
+      </a:effectRef>
+      <a:fontRef idx="minor">
+        <a:schemeClr val="lt1"/>
+      </a:fontRef>
+    </dgm:style>
+  </dgm:styleLbl>
+  <dgm:styleLbl name="parChTrans2D1">
+    <dgm:scene3d>
+      <a:camera prst="orthographicFront"/>
+      <a:lightRig rig="threePt" dir="t"/>
+    </dgm:scene3d>
+    <dgm:sp3d/>
+    <dgm:txPr/>
+    <dgm:style>
+      <a:lnRef idx="2">
+        <a:scrgbClr r="0" g="0" b="0"/>
+      </a:lnRef>
+      <a:fillRef idx="1">
+        <a:scrgbClr r="0" g="0" b="0"/>
+      </a:fillRef>
+      <a:effectRef idx="0">
+        <a:scrgbClr r="0" g="0" b="0"/>
+      </a:effectRef>
+      <a:fontRef idx="minor">
+        <a:schemeClr val="lt1"/>
+      </a:fontRef>
+    </dgm:style>
+  </dgm:styleLbl>
+  <dgm:styleLbl name="parChTrans2D2">
+    <dgm:scene3d>
+      <a:camera prst="orthographicFront"/>
+      <a:lightRig rig="threePt" dir="t"/>
+    </dgm:scene3d>
+    <dgm:sp3d/>
+    <dgm:txPr/>
+    <dgm:style>
+      <a:lnRef idx="2">
+        <a:scrgbClr r="0" g="0" b="0"/>
+      </a:lnRef>
+      <a:fillRef idx="1">
+        <a:scrgbClr r="0" g="0" b="0"/>
+      </a:fillRef>
+      <a:effectRef idx="0">
+        <a:scrgbClr r="0" g="0" b="0"/>
+      </a:effectRef>
+      <a:fontRef idx="minor">
+        <a:schemeClr val="lt1"/>
+      </a:fontRef>
+    </dgm:style>
+  </dgm:styleLbl>
+  <dgm:styleLbl name="parChTrans2D3">
+    <dgm:scene3d>
+      <a:camera prst="orthographicFront"/>
+      <a:lightRig rig="threePt" dir="t"/>
+    </dgm:scene3d>
+    <dgm:sp3d/>
+    <dgm:txPr/>
+    <dgm:style>
+      <a:lnRef idx="2">
+        <a:scrgbClr r="0" g="0" b="0"/>
+      </a:lnRef>
+      <a:fillRef idx="1">
+        <a:scrgbClr r="0" g="0" b="0"/>
+      </a:fillRef>
+      <a:effectRef idx="0">
+        <a:scrgbClr r="0" g="0" b="0"/>
+      </a:effectRef>
+      <a:fontRef idx="minor">
+        <a:schemeClr val="lt1"/>
+      </a:fontRef>
+    </dgm:style>
+  </dgm:styleLbl>
+  <dgm:styleLbl name="parChTrans2D4">
+    <dgm:scene3d>
+      <a:camera prst="orthographicFront"/>
+      <a:lightRig rig="threePt" dir="t"/>
+    </dgm:scene3d>
+    <dgm:sp3d/>
+    <dgm:txPr/>
+    <dgm:style>
+      <a:lnRef idx="2">
+        <a:scrgbClr r="0" g="0" b="0"/>
+      </a:lnRef>
+      <a:fillRef idx="1">
+        <a:scrgbClr r="0" g="0" b="0"/>
+      </a:fillRef>
+      <a:effectRef idx="0">
+        <a:scrgbClr r="0" g="0" b="0"/>
+      </a:effectRef>
+      <a:fontRef idx="minor">
+        <a:schemeClr val="lt1"/>
+      </a:fontRef>
+    </dgm:style>
+  </dgm:styleLbl>
+  <dgm:styleLbl name="parChTrans1D1">
+    <dgm:scene3d>
+      <a:camera prst="orthographicFront"/>
+      <a:lightRig rig="threePt" dir="t"/>
+    </dgm:scene3d>
+    <dgm:sp3d/>
+    <dgm:txPr/>
+    <dgm:style>
+      <a:lnRef idx="2">
+        <a:scrgbClr r="0" g="0" b="0"/>
+      </a:lnRef>
+      <a:fillRef idx="0">
+        <a:scrgbClr r="0" g="0" b="0"/>
+      </a:fillRef>
+      <a:effectRef idx="0">
+        <a:scrgbClr r="0" g="0" b="0"/>
+      </a:effectRef>
+      <a:fontRef idx="minor"/>
+    </dgm:style>
+  </dgm:styleLbl>
+  <dgm:styleLbl name="parChTrans1D2">
+    <dgm:scene3d>
+      <a:camera prst="orthographicFront"/>
+      <a:lightRig rig="threePt" dir="t"/>
+    </dgm:scene3d>
+    <dgm:sp3d/>
+    <dgm:txPr/>
+    <dgm:style>
+      <a:lnRef idx="2">
+        <a:scrgbClr r="0" g="0" b="0"/>
+      </a:lnRef>
+      <a:fillRef idx="0">
+        <a:scrgbClr r="0" g="0" b="0"/>
+      </a:fillRef>
+      <a:effectRef idx="0">
+        <a:scrgbClr r="0" g="0" b="0"/>
+      </a:effectRef>
+      <a:fontRef idx="minor"/>
+    </dgm:style>
+  </dgm:styleLbl>
+  <dgm:styleLbl name="parChTrans1D3">
+    <dgm:scene3d>
+      <a:camera prst="orthographicFront"/>
+      <a:lightRig rig="threePt" dir="t"/>
+    </dgm:scene3d>
+    <dgm:sp3d/>
+    <dgm:txPr/>
+    <dgm:style>
+      <a:lnRef idx="2">
+        <a:scrgbClr r="0" g="0" b="0"/>
+      </a:lnRef>
+      <a:fillRef idx="0">
+        <a:scrgbClr r="0" g="0" b="0"/>
+      </a:fillRef>
+      <a:effectRef idx="0">
+        <a:scrgbClr r="0" g="0" b="0"/>
+      </a:effectRef>
+      <a:fontRef idx="minor"/>
+    </dgm:style>
+  </dgm:styleLbl>
+  <dgm:styleLbl name="parChTrans1D4">
+    <dgm:scene3d>
+      <a:camera prst="orthographicFront"/>
+      <a:lightRig rig="threePt" dir="t"/>
+    </dgm:scene3d>
+    <dgm:sp3d/>
+    <dgm:txPr/>
+    <dgm:style>
+      <a:lnRef idx="2">
+        <a:scrgbClr r="0" g="0" b="0"/>
+      </a:lnRef>
+      <a:fillRef idx="0">
+        <a:scrgbClr r="0" g="0" b="0"/>
+      </a:fillRef>
+      <a:effectRef idx="0">
+        <a:scrgbClr r="0" g="0" b="0"/>
+      </a:effectRef>
+      <a:fontRef idx="minor"/>
+    </dgm:style>
+  </dgm:styleLbl>
+  <dgm:styleLbl name="fgAcc1">
+    <dgm:scene3d>
+      <a:camera prst="orthographicFront"/>
+      <a:lightRig rig="threePt" dir="t"/>
+    </dgm:scene3d>
+    <dgm:sp3d/>
+    <dgm:txPr/>
+    <dgm:style>
+      <a:lnRef idx="2">
+        <a:scrgbClr r="0" g="0" b="0"/>
+      </a:lnRef>
+      <a:fillRef idx="1">
+        <a:scrgbClr r="0" g="0" b="0"/>
+      </a:fillRef>
+      <a:effectRef idx="0">
+        <a:scrgbClr r="0" g="0" b="0"/>
+      </a:effectRef>
+      <a:fontRef idx="minor"/>
+    </dgm:style>
+  </dgm:styleLbl>
+  <dgm:styleLbl name="conFgAcc1">
+    <dgm:scene3d>
+      <a:camera prst="orthographicFront"/>
+      <a:lightRig rig="threePt" dir="t"/>
+    </dgm:scene3d>
+    <dgm:sp3d/>
+    <dgm:txPr/>
+    <dgm:style>
+      <a:lnRef idx="2">
+        <a:scrgbClr r="0" g="0" b="0"/>
+      </a:lnRef>
+      <a:fillRef idx="1">
+        <a:scrgbClr r="0" g="0" b="0"/>
+      </a:fillRef>
+      <a:effectRef idx="0">
+        <a:scrgbClr r="0" g="0" b="0"/>
+      </a:effectRef>
+      <a:fontRef idx="minor"/>
+    </dgm:style>
+  </dgm:styleLbl>
+  <dgm:styleLbl name="alignAcc1">
+    <dgm:scene3d>
+      <a:camera prst="orthographicFront"/>
+      <a:lightRig rig="threePt" dir="t"/>
+    </dgm:scene3d>
+    <dgm:sp3d/>
+    <dgm:txPr/>
+    <dgm:style>
+      <a:lnRef idx="2">
+        <a:scrgbClr r="0" g="0" b="0"/>
+      </a:lnRef>
+      <a:fillRef idx="1">
+        <a:scrgbClr r="0" g="0" b="0"/>
+      </a:fillRef>
+      <a:effectRef idx="0">
+        <a:scrgbClr r="0" g="0" b="0"/>
+      </a:effectRef>
+      <a:fontRef idx="minor"/>
+    </dgm:style>
+  </dgm:styleLbl>
+  <dgm:styleLbl name="trAlignAcc1">
+    <dgm:scene3d>
+      <a:camera prst="orthographicFront"/>
+      <a:lightRig rig="threePt" dir="t"/>
+    </dgm:scene3d>
+    <dgm:sp3d/>
+    <dgm:txPr/>
+    <dgm:style>
+      <a:lnRef idx="1">
+        <a:scrgbClr r="0" g="0" b="0"/>
+      </a:lnRef>
+      <a:fillRef idx="1">
+        <a:scrgbClr r="0" g="0" b="0"/>
+      </a:fillRef>
+      <a:effectRef idx="0">
+        <a:scrgbClr r="0" g="0" b="0"/>
+      </a:effectRef>
+      <a:fontRef idx="minor"/>
+    </dgm:style>
+  </dgm:styleLbl>
+  <dgm:styleLbl name="bgAcc1">
+    <dgm:scene3d>
+      <a:camera prst="orthographicFront"/>
+      <a:lightRig rig="threePt" dir="t"/>
+    </dgm:scene3d>
+    <dgm:sp3d/>
+    <dgm:txPr/>
+    <dgm:style>
+      <a:lnRef idx="2">
+        <a:scrgbClr r="0" g="0" b="0"/>
+      </a:lnRef>
+      <a:fillRef idx="1">
+        <a:scrgbClr r="0" g="0" b="0"/>
+      </a:fillRef>
+      <a:effectRef idx="0">
+        <a:scrgbClr r="0" g="0" b="0"/>
+      </a:effectRef>
+      <a:fontRef idx="minor"/>
+    </dgm:style>
+  </dgm:styleLbl>
+  <dgm:styleLbl name="solidFgAcc1">
+    <dgm:scene3d>
+      <a:camera prst="orthographicFront"/>
+      <a:lightRig rig="threePt" dir="t"/>
+    </dgm:scene3d>
+    <dgm:sp3d/>
+    <dgm:txPr/>
+    <dgm:style>
+      <a:lnRef idx="2">
+        <a:scrgbClr r="0" g="0" b="0"/>
+      </a:lnRef>
+      <a:fillRef idx="1">
+        <a:scrgbClr r="0" g="0" b="0"/>
+      </a:fillRef>
+      <a:effectRef idx="0">
+        <a:scrgbClr r="0" g="0" b="0"/>
+      </a:effectRef>
+      <a:fontRef idx="minor"/>
+    </dgm:style>
+  </dgm:styleLbl>
+  <dgm:styleLbl name="solidAlignAcc1">
+    <dgm:scene3d>
+      <a:camera prst="orthographicFront"/>
+      <a:lightRig rig="threePt" dir="t"/>
+    </dgm:scene3d>
+    <dgm:sp3d/>
+    <dgm:txPr/>
+    <dgm:style>
+      <a:lnRef idx="2">
+        <a:scrgbClr r="0" g="0" b="0"/>
+      </a:lnRef>
+      <a:fillRef idx="1">
+        <a:scrgbClr r="0" g="0" b="0"/>
+      </a:fillRef>
+      <a:effectRef idx="0">
+        <a:scrgbClr r="0" g="0" b="0"/>
+      </a:effectRef>
+      <a:fontRef idx="minor"/>
+    </dgm:style>
+  </dgm:styleLbl>
+  <dgm:styleLbl name="solidBgAcc1">
+    <dgm:scene3d>
+      <a:camera prst="orthographicFront"/>
+      <a:lightRig rig="threePt" dir="t"/>
+    </dgm:scene3d>
+    <dgm:sp3d/>
+    <dgm:txPr/>
+    <dgm:style>
+      <a:lnRef idx="2">
+        <a:scrgbClr r="0" g="0" b="0"/>
+      </a:lnRef>
+      <a:fillRef idx="1">
+        <a:scrgbClr r="0" g="0" b="0"/>
+      </a:fillRef>
+      <a:effectRef idx="0">
+        <a:scrgbClr r="0" g="0" b="0"/>
+      </a:effectRef>
+      <a:fontRef idx="minor"/>
+    </dgm:style>
+  </dgm:styleLbl>
+  <dgm:styleLbl name="fgAccFollowNode1">
+    <dgm:scene3d>
+      <a:camera prst="orthographicFront"/>
+      <a:lightRig rig="threePt" dir="t"/>
+    </dgm:scene3d>
+    <dgm:sp3d/>
+    <dgm:txPr/>
+    <dgm:style>
+      <a:lnRef idx="2">
+        <a:scrgbClr r="0" g="0" b="0"/>
+      </a:lnRef>
+      <a:fillRef idx="1">
+        <a:scrgbClr r="0" g="0" b="0"/>
+      </a:fillRef>
+      <a:effectRef idx="0">
+        <a:scrgbClr r="0" g="0" b="0"/>
+      </a:effectRef>
+      <a:fontRef idx="minor"/>
+    </dgm:style>
+  </dgm:styleLbl>
+  <dgm:styleLbl name="alignAccFollowNode1">
+    <dgm:scene3d>
+      <a:camera prst="orthographicFront"/>
+      <a:lightRig rig="threePt" dir="t"/>
+    </dgm:scene3d>
+    <dgm:sp3d/>
+    <dgm:txPr/>
+    <dgm:style>
+      <a:lnRef idx="2">
+        <a:scrgbClr r="0" g="0" b="0"/>
+      </a:lnRef>
+      <a:fillRef idx="1">
+        <a:scrgbClr r="0" g="0" b="0"/>
+      </a:fillRef>
+      <a:effectRef idx="0">
+        <a:scrgbClr r="0" g="0" b="0"/>
+      </a:effectRef>
+      <a:fontRef idx="minor"/>
+    </dgm:style>
+  </dgm:styleLbl>
+  <dgm:styleLbl name="bgAccFollowNode1">
+    <dgm:scene3d>
+      <a:camera prst="orthographicFront"/>
+      <a:lightRig rig="threePt" dir="t"/>
+    </dgm:scene3d>
+    <dgm:sp3d/>
+    <dgm:txPr/>
+    <dgm:style>
+      <a:lnRef idx="2">
+        <a:scrgbClr r="0" g="0" b="0"/>
+      </a:lnRef>
+      <a:fillRef idx="1">
+        <a:scrgbClr r="0" g="0" b="0"/>
+      </a:fillRef>
+      <a:effectRef idx="0">
+        <a:scrgbClr r="0" g="0" b="0"/>
+      </a:effectRef>
+      <a:fontRef idx="minor"/>
+    </dgm:style>
+  </dgm:styleLbl>
+  <dgm:styleLbl name="fgAcc0">
+    <dgm:scene3d>
+      <a:camera prst="orthographicFront"/>
+      <a:lightRig rig="threePt" dir="t"/>
+    </dgm:scene3d>
+    <dgm:sp3d/>
+    <dgm:txPr/>
+    <dgm:style>
+      <a:lnRef idx="2">
+        <a:scrgbClr r="0" g="0" b="0"/>
+      </a:lnRef>
+      <a:fillRef idx="1">
+        <a:scrgbClr r="0" g="0" b="0"/>
+      </a:fillRef>
+      <a:effectRef idx="0">
+        <a:scrgbClr r="0" g="0" b="0"/>
+      </a:effectRef>
+      <a:fontRef idx="minor"/>
+    </dgm:style>
+  </dgm:styleLbl>
+  <dgm:styleLbl name="fgAcc2">
+    <dgm:scene3d>
+      <a:camera prst="orthographicFront"/>
+      <a:lightRig rig="threePt" dir="t"/>
+    </dgm:scene3d>
+    <dgm:sp3d/>
+    <dgm:txPr/>
+    <dgm:style>
+      <a:lnRef idx="2">
+        <a:scrgbClr r="0" g="0" b="0"/>
+      </a:lnRef>
+      <a:fillRef idx="1">
+        <a:scrgbClr r="0" g="0" b="0"/>
+      </a:fillRef>
+      <a:effectRef idx="0">
+        <a:scrgbClr r="0" g="0" b="0"/>
+      </a:effectRef>
+      <a:fontRef idx="minor"/>
+    </dgm:style>
+  </dgm:styleLbl>
+  <dgm:styleLbl name="fgAcc3">
+    <dgm:scene3d>
+      <a:camera prst="orthographicFront"/>
+      <a:lightRig rig="threePt" dir="t"/>
+    </dgm:scene3d>
+    <dgm:sp3d/>
+    <dgm:txPr/>
+    <dgm:style>
+      <a:lnRef idx="2">
+        <a:scrgbClr r="0" g="0" b="0"/>
+      </a:lnRef>
+      <a:fillRef idx="1">
+        <a:scrgbClr r="0" g="0" b="0"/>
+      </a:fillRef>
+      <a:effectRef idx="0">
+        <a:scrgbClr r="0" g="0" b="0"/>
+      </a:effectRef>
+      <a:fontRef idx="minor"/>
+    </dgm:style>
+  </dgm:styleLbl>
+  <dgm:styleLbl name="fgAcc4">
+    <dgm:scene3d>
+      <a:camera prst="orthographicFront"/>
+      <a:lightRig rig="threePt" dir="t"/>
+    </dgm:scene3d>
+    <dgm:sp3d/>
+    <dgm:txPr/>
+    <dgm:style>
+      <a:lnRef idx="2">
+        <a:scrgbClr r="0" g="0" b="0"/>
+      </a:lnRef>
+      <a:fillRef idx="1">
+        <a:scrgbClr r="0" g="0" b="0"/>
+      </a:fillRef>
+      <a:effectRef idx="0">
+        <a:scrgbClr r="0" g="0" b="0"/>
+      </a:effectRef>
+      <a:fontRef idx="minor"/>
+    </dgm:style>
+  </dgm:styleLbl>
+  <dgm:styleLbl name="bgShp">
+    <dgm:scene3d>
+      <a:camera prst="orthographicFront"/>
+      <a:lightRig rig="threePt" dir="t"/>
+    </dgm:scene3d>
+    <dgm:sp3d/>
+    <dgm:txPr/>
+    <dgm:style>
+      <a:lnRef idx="0">
+        <a:scrgbClr r="0" g="0" b="0"/>
+      </a:lnRef>
+      <a:fillRef idx="1">
+        <a:scrgbClr r="0" g="0" b="0"/>
+      </a:fillRef>
+      <a:effectRef idx="0">
+        <a:scrgbClr r="0" g="0" b="0"/>
+      </a:effectRef>
+      <a:fontRef idx="minor"/>
+    </dgm:style>
+  </dgm:styleLbl>
+  <dgm:styleLbl name="dkBgShp">
+    <dgm:scene3d>
+      <a:camera prst="orthographicFront"/>
+      <a:lightRig rig="threePt" dir="t"/>
+    </dgm:scene3d>
+    <dgm:sp3d/>
+    <dgm:txPr/>
+    <dgm:style>
+      <a:lnRef idx="0">
+        <a:scrgbClr r="0" g="0" b="0"/>
+      </a:lnRef>
+      <a:fillRef idx="1">
+        <a:scrgbClr r="0" g="0" b="0"/>
+      </a:fillRef>
+      <a:effectRef idx="0">
+        <a:scrgbClr r="0" g="0" b="0"/>
+      </a:effectRef>
+      <a:fontRef idx="minor"/>
+    </dgm:style>
+  </dgm:styleLbl>
+  <dgm:styleLbl name="trBgShp">
+    <dgm:scene3d>
+      <a:camera prst="orthographicFront"/>
+      <a:lightRig rig="threePt" dir="t"/>
+    </dgm:scene3d>
+    <dgm:sp3d/>
+    <dgm:txPr/>
+    <dgm:style>
+      <a:lnRef idx="0">
+        <a:scrgbClr r="0" g="0" b="0"/>
+      </a:lnRef>
+      <a:fillRef idx="1">
+        <a:scrgbClr r="0" g="0" b="0"/>
+      </a:fillRef>
+      <a:effectRef idx="0">
+        <a:scrgbClr r="0" g="0" b="0"/>
+      </a:effectRef>
+      <a:fontRef idx="minor"/>
+    </dgm:style>
+  </dgm:styleLbl>
+  <dgm:styleLbl name="fgShp">
+    <dgm:scene3d>
+      <a:camera prst="orthographicFront"/>
+      <a:lightRig rig="threePt" dir="t"/>
+    </dgm:scene3d>
+    <dgm:sp3d/>
+    <dgm:txPr/>
+    <dgm:style>
+      <a:lnRef idx="2">
+        <a:scrgbClr r="0" g="0" b="0"/>
+      </a:lnRef>
+      <a:fillRef idx="1">
+        <a:scrgbClr r="0" g="0" b="0"/>
+      </a:fillRef>
+      <a:effectRef idx="0">
+        <a:scrgbClr r="0" g="0" b="0"/>
+      </a:effectRef>
+      <a:fontRef idx="minor"/>
+    </dgm:style>
+  </dgm:styleLbl>
+  <dgm:styleLbl name="revTx">
+    <dgm:scene3d>
+      <a:camera prst="orthographicFront"/>
+      <a:lightRig rig="threePt" dir="t"/>
+    </dgm:scene3d>
+    <dgm:sp3d/>
+    <dgm:txPr/>
+    <dgm:style>
+      <a:lnRef idx="0">
+        <a:scrgbClr r="0" g="0" b="0"/>
+      </a:lnRef>
+      <a:fillRef idx="0">
+        <a:scrgbClr r="0" g="0" b="0"/>
+      </a:fillRef>
+      <a:effectRef idx="0">
+        <a:scrgbClr r="0" g="0" b="0"/>
+      </a:effectRef>
+      <a:fontRef idx="minor"/>
+    </dgm:style>
+  </dgm:styleLbl>
+</dgm:styleDef>
 </file>
 
 <file path=ppt/slideLayouts/slideLayout1.xml><?xml version="1.0" encoding="utf-8"?>
@@ -156,10 +3585,9 @@
           <a:lstStyle/>
           <a:p>
             <a:r>
-              <a:rPr lang="en-US" smtClean="0"/>
+              <a:rPr lang="en-US"/>
               <a:t>Click to edit Master title style</a:t>
             </a:r>
-            <a:endParaRPr lang="en-US"/>
           </a:p>
         </p:txBody>
       </p:sp>
@@ -275,10 +3703,9 @@
           </a:lstStyle>
           <a:p>
             <a:r>
-              <a:rPr lang="en-US" smtClean="0"/>
+              <a:rPr lang="en-US"/>
               <a:t>Click to edit Master subtitle style</a:t>
             </a:r>
-            <a:endParaRPr lang="en-US"/>
           </a:p>
         </p:txBody>
       </p:sp>
@@ -299,7 +3726,7 @@
           <a:p>
             <a:fld id="{5BCAD085-E8A6-8845-BD4E-CB4CCA059FC4}" type="datetimeFigureOut">
               <a:rPr lang="en-US" smtClean="0"/>
-              <a:t>1/27/13</a:t>
+              <a:t>12/20/24</a:t>
             </a:fld>
             <a:endParaRPr lang="en-US"/>
           </a:p>
@@ -393,10 +3820,9 @@
           <a:lstStyle/>
           <a:p>
             <a:r>
-              <a:rPr lang="en-US" smtClean="0"/>
+              <a:rPr lang="en-US"/>
               <a:t>Click to edit Master title style</a:t>
             </a:r>
-            <a:endParaRPr lang="en-US"/>
           </a:p>
         </p:txBody>
       </p:sp>
@@ -417,38 +3843,37 @@
           <a:p>
             <a:pPr lvl="0"/>
             <a:r>
-              <a:rPr lang="en-US" smtClean="0"/>
+              <a:rPr lang="en-US"/>
               <a:t>Click to edit Master text styles</a:t>
             </a:r>
           </a:p>
           <a:p>
             <a:pPr lvl="1"/>
             <a:r>
-              <a:rPr lang="en-US" smtClean="0"/>
+              <a:rPr lang="en-US"/>
               <a:t>Second level</a:t>
             </a:r>
           </a:p>
           <a:p>
             <a:pPr lvl="2"/>
             <a:r>
-              <a:rPr lang="en-US" smtClean="0"/>
+              <a:rPr lang="en-US"/>
               <a:t>Third level</a:t>
             </a:r>
           </a:p>
           <a:p>
             <a:pPr lvl="3"/>
             <a:r>
-              <a:rPr lang="en-US" smtClean="0"/>
+              <a:rPr lang="en-US"/>
               <a:t>Fourth level</a:t>
             </a:r>
           </a:p>
           <a:p>
             <a:pPr lvl="4"/>
             <a:r>
-              <a:rPr lang="en-US" smtClean="0"/>
+              <a:rPr lang="en-US"/>
               <a:t>Fifth level</a:t>
             </a:r>
-            <a:endParaRPr lang="en-US"/>
           </a:p>
         </p:txBody>
       </p:sp>
@@ -469,7 +3894,7 @@
           <a:p>
             <a:fld id="{5BCAD085-E8A6-8845-BD4E-CB4CCA059FC4}" type="datetimeFigureOut">
               <a:rPr lang="en-US" smtClean="0"/>
-              <a:t>1/27/13</a:t>
+              <a:t>12/20/24</a:t>
             </a:fld>
             <a:endParaRPr lang="en-US"/>
           </a:p>
@@ -568,10 +3993,9 @@
           <a:lstStyle/>
           <a:p>
             <a:r>
-              <a:rPr lang="en-US" smtClean="0"/>
+              <a:rPr lang="en-US"/>
               <a:t>Click to edit Master title style</a:t>
             </a:r>
-            <a:endParaRPr lang="en-US"/>
           </a:p>
         </p:txBody>
       </p:sp>
@@ -597,38 +4021,37 @@
           <a:p>
             <a:pPr lvl="0"/>
             <a:r>
-              <a:rPr lang="en-US" smtClean="0"/>
+              <a:rPr lang="en-US"/>
               <a:t>Click to edit Master text styles</a:t>
             </a:r>
           </a:p>
           <a:p>
             <a:pPr lvl="1"/>
             <a:r>
-              <a:rPr lang="en-US" smtClean="0"/>
+              <a:rPr lang="en-US"/>
               <a:t>Second level</a:t>
             </a:r>
           </a:p>
           <a:p>
             <a:pPr lvl="2"/>
             <a:r>
-              <a:rPr lang="en-US" smtClean="0"/>
+              <a:rPr lang="en-US"/>
               <a:t>Third level</a:t>
             </a:r>
           </a:p>
           <a:p>
             <a:pPr lvl="3"/>
             <a:r>
-              <a:rPr lang="en-US" smtClean="0"/>
+              <a:rPr lang="en-US"/>
               <a:t>Fourth level</a:t>
             </a:r>
           </a:p>
           <a:p>
             <a:pPr lvl="4"/>
             <a:r>
-              <a:rPr lang="en-US" smtClean="0"/>
+              <a:rPr lang="en-US"/>
               <a:t>Fifth level</a:t>
             </a:r>
-            <a:endParaRPr lang="en-US"/>
           </a:p>
         </p:txBody>
       </p:sp>
@@ -649,7 +4072,7 @@
           <a:p>
             <a:fld id="{5BCAD085-E8A6-8845-BD4E-CB4CCA059FC4}" type="datetimeFigureOut">
               <a:rPr lang="en-US" smtClean="0"/>
-              <a:t>1/27/13</a:t>
+              <a:t>12/20/24</a:t>
             </a:fld>
             <a:endParaRPr lang="en-US"/>
           </a:p>
@@ -743,10 +4166,9 @@
           <a:lstStyle/>
           <a:p>
             <a:r>
-              <a:rPr lang="en-US" smtClean="0"/>
+              <a:rPr lang="en-US"/>
               <a:t>Click to edit Master title style</a:t>
             </a:r>
-            <a:endParaRPr lang="en-US"/>
           </a:p>
         </p:txBody>
       </p:sp>
@@ -767,38 +4189,37 @@
           <a:p>
             <a:pPr lvl="0"/>
             <a:r>
-              <a:rPr lang="en-US" smtClean="0"/>
+              <a:rPr lang="en-US"/>
               <a:t>Click to edit Master text styles</a:t>
             </a:r>
           </a:p>
           <a:p>
             <a:pPr lvl="1"/>
             <a:r>
-              <a:rPr lang="en-US" smtClean="0"/>
+              <a:rPr lang="en-US"/>
               <a:t>Second level</a:t>
             </a:r>
           </a:p>
           <a:p>
             <a:pPr lvl="2"/>
             <a:r>
-              <a:rPr lang="en-US" smtClean="0"/>
+              <a:rPr lang="en-US"/>
               <a:t>Third level</a:t>
             </a:r>
           </a:p>
           <a:p>
             <a:pPr lvl="3"/>
             <a:r>
-              <a:rPr lang="en-US" smtClean="0"/>
+              <a:rPr lang="en-US"/>
               <a:t>Fourth level</a:t>
             </a:r>
           </a:p>
           <a:p>
             <a:pPr lvl="4"/>
             <a:r>
-              <a:rPr lang="en-US" smtClean="0"/>
+              <a:rPr lang="en-US"/>
               <a:t>Fifth level</a:t>
             </a:r>
-            <a:endParaRPr lang="en-US"/>
           </a:p>
         </p:txBody>
       </p:sp>
@@ -819,7 +4240,7 @@
           <a:p>
             <a:fld id="{5BCAD085-E8A6-8845-BD4E-CB4CCA059FC4}" type="datetimeFigureOut">
               <a:rPr lang="en-US" smtClean="0"/>
-              <a:t>1/27/13</a:t>
+              <a:t>12/20/24</a:t>
             </a:fld>
             <a:endParaRPr lang="en-US"/>
           </a:p>
@@ -922,10 +4343,9 @@
           </a:lstStyle>
           <a:p>
             <a:r>
-              <a:rPr lang="en-US" smtClean="0"/>
+              <a:rPr lang="en-US"/>
               <a:t>Click to edit Master title style</a:t>
             </a:r>
-            <a:endParaRPr lang="en-US"/>
           </a:p>
         </p:txBody>
       </p:sp>
@@ -1042,7 +4462,7 @@
           <a:p>
             <a:pPr lvl="0"/>
             <a:r>
-              <a:rPr lang="en-US" smtClean="0"/>
+              <a:rPr lang="en-US"/>
               <a:t>Click to edit Master text styles</a:t>
             </a:r>
           </a:p>
@@ -1065,7 +4485,7 @@
           <a:p>
             <a:fld id="{5BCAD085-E8A6-8845-BD4E-CB4CCA059FC4}" type="datetimeFigureOut">
               <a:rPr lang="en-US" smtClean="0"/>
-              <a:t>1/27/13</a:t>
+              <a:t>12/20/24</a:t>
             </a:fld>
             <a:endParaRPr lang="en-US"/>
           </a:p>
@@ -1159,10 +4579,9 @@
           <a:lstStyle/>
           <a:p>
             <a:r>
-              <a:rPr lang="en-US" smtClean="0"/>
+              <a:rPr lang="en-US"/>
               <a:t>Click to edit Master title style</a:t>
             </a:r>
-            <a:endParaRPr lang="en-US"/>
           </a:p>
         </p:txBody>
       </p:sp>
@@ -1216,38 +4635,37 @@
           <a:p>
             <a:pPr lvl="0"/>
             <a:r>
-              <a:rPr lang="en-US" smtClean="0"/>
+              <a:rPr lang="en-US"/>
               <a:t>Click to edit Master text styles</a:t>
             </a:r>
           </a:p>
           <a:p>
             <a:pPr lvl="1"/>
             <a:r>
-              <a:rPr lang="en-US" smtClean="0"/>
+              <a:rPr lang="en-US"/>
               <a:t>Second level</a:t>
             </a:r>
           </a:p>
           <a:p>
             <a:pPr lvl="2"/>
             <a:r>
-              <a:rPr lang="en-US" smtClean="0"/>
+              <a:rPr lang="en-US"/>
               <a:t>Third level</a:t>
             </a:r>
           </a:p>
           <a:p>
             <a:pPr lvl="3"/>
             <a:r>
-              <a:rPr lang="en-US" smtClean="0"/>
+              <a:rPr lang="en-US"/>
               <a:t>Fourth level</a:t>
             </a:r>
           </a:p>
           <a:p>
             <a:pPr lvl="4"/>
             <a:r>
-              <a:rPr lang="en-US" smtClean="0"/>
+              <a:rPr lang="en-US"/>
               <a:t>Fifth level</a:t>
             </a:r>
-            <a:endParaRPr lang="en-US"/>
           </a:p>
         </p:txBody>
       </p:sp>
@@ -1301,38 +4719,37 @@
           <a:p>
             <a:pPr lvl="0"/>
             <a:r>
-              <a:rPr lang="en-US" smtClean="0"/>
+              <a:rPr lang="en-US"/>
               <a:t>Click to edit Master text styles</a:t>
             </a:r>
           </a:p>
           <a:p>
             <a:pPr lvl="1"/>
             <a:r>
-              <a:rPr lang="en-US" smtClean="0"/>
+              <a:rPr lang="en-US"/>
               <a:t>Second level</a:t>
             </a:r>
           </a:p>
           <a:p>
             <a:pPr lvl="2"/>
             <a:r>
-              <a:rPr lang="en-US" smtClean="0"/>
+              <a:rPr lang="en-US"/>
               <a:t>Third level</a:t>
             </a:r>
           </a:p>
           <a:p>
             <a:pPr lvl="3"/>
             <a:r>
-              <a:rPr lang="en-US" smtClean="0"/>
+              <a:rPr lang="en-US"/>
               <a:t>Fourth level</a:t>
             </a:r>
           </a:p>
           <a:p>
             <a:pPr lvl="4"/>
             <a:r>
-              <a:rPr lang="en-US" smtClean="0"/>
+              <a:rPr lang="en-US"/>
               <a:t>Fifth level</a:t>
             </a:r>
-            <a:endParaRPr lang="en-US"/>
           </a:p>
         </p:txBody>
       </p:sp>
@@ -1353,7 +4770,7 @@
           <a:p>
             <a:fld id="{5BCAD085-E8A6-8845-BD4E-CB4CCA059FC4}" type="datetimeFigureOut">
               <a:rPr lang="en-US" smtClean="0"/>
-              <a:t>1/27/13</a:t>
+              <a:t>12/20/24</a:t>
             </a:fld>
             <a:endParaRPr lang="en-US"/>
           </a:p>
@@ -1451,10 +4868,9 @@
           </a:lstStyle>
           <a:p>
             <a:r>
-              <a:rPr lang="en-US" smtClean="0"/>
+              <a:rPr lang="en-US"/>
               <a:t>Click to edit Master title style</a:t>
             </a:r>
-            <a:endParaRPr lang="en-US"/>
           </a:p>
         </p:txBody>
       </p:sp>
@@ -1517,7 +4933,7 @@
           <a:p>
             <a:pPr lvl="0"/>
             <a:r>
-              <a:rPr lang="en-US" smtClean="0"/>
+              <a:rPr lang="en-US"/>
               <a:t>Click to edit Master text styles</a:t>
             </a:r>
           </a:p>
@@ -1573,38 +4989,37 @@
           <a:p>
             <a:pPr lvl="0"/>
             <a:r>
-              <a:rPr lang="en-US" smtClean="0"/>
+              <a:rPr lang="en-US"/>
               <a:t>Click to edit Master text styles</a:t>
             </a:r>
           </a:p>
           <a:p>
             <a:pPr lvl="1"/>
             <a:r>
-              <a:rPr lang="en-US" smtClean="0"/>
+              <a:rPr lang="en-US"/>
               <a:t>Second level</a:t>
             </a:r>
           </a:p>
           <a:p>
             <a:pPr lvl="2"/>
             <a:r>
-              <a:rPr lang="en-US" smtClean="0"/>
+              <a:rPr lang="en-US"/>
               <a:t>Third level</a:t>
             </a:r>
           </a:p>
           <a:p>
             <a:pPr lvl="3"/>
             <a:r>
-              <a:rPr lang="en-US" smtClean="0"/>
+              <a:rPr lang="en-US"/>
               <a:t>Fourth level</a:t>
             </a:r>
           </a:p>
           <a:p>
             <a:pPr lvl="4"/>
             <a:r>
-              <a:rPr lang="en-US" smtClean="0"/>
+              <a:rPr lang="en-US"/>
               <a:t>Fifth level</a:t>
             </a:r>
-            <a:endParaRPr lang="en-US"/>
           </a:p>
         </p:txBody>
       </p:sp>
@@ -1667,7 +5082,7 @@
           <a:p>
             <a:pPr lvl="0"/>
             <a:r>
-              <a:rPr lang="en-US" smtClean="0"/>
+              <a:rPr lang="en-US"/>
               <a:t>Click to edit Master text styles</a:t>
             </a:r>
           </a:p>
@@ -1723,38 +5138,37 @@
           <a:p>
             <a:pPr lvl="0"/>
             <a:r>
-              <a:rPr lang="en-US" smtClean="0"/>
+              <a:rPr lang="en-US"/>
               <a:t>Click to edit Master text styles</a:t>
             </a:r>
           </a:p>
           <a:p>
             <a:pPr lvl="1"/>
             <a:r>
-              <a:rPr lang="en-US" smtClean="0"/>
+              <a:rPr lang="en-US"/>
               <a:t>Second level</a:t>
             </a:r>
           </a:p>
           <a:p>
             <a:pPr lvl="2"/>
             <a:r>
-              <a:rPr lang="en-US" smtClean="0"/>
+              <a:rPr lang="en-US"/>
               <a:t>Third level</a:t>
             </a:r>
           </a:p>
           <a:p>
             <a:pPr lvl="3"/>
             <a:r>
-              <a:rPr lang="en-US" smtClean="0"/>
+              <a:rPr lang="en-US"/>
               <a:t>Fourth level</a:t>
             </a:r>
           </a:p>
           <a:p>
             <a:pPr lvl="4"/>
             <a:r>
-              <a:rPr lang="en-US" smtClean="0"/>
+              <a:rPr lang="en-US"/>
               <a:t>Fifth level</a:t>
             </a:r>
-            <a:endParaRPr lang="en-US"/>
           </a:p>
         </p:txBody>
       </p:sp>
@@ -1775,7 +5189,7 @@
           <a:p>
             <a:fld id="{5BCAD085-E8A6-8845-BD4E-CB4CCA059FC4}" type="datetimeFigureOut">
               <a:rPr lang="en-US" smtClean="0"/>
-              <a:t>1/27/13</a:t>
+              <a:t>12/20/24</a:t>
             </a:fld>
             <a:endParaRPr lang="en-US"/>
           </a:p>
@@ -1869,10 +5283,9 @@
           <a:lstStyle/>
           <a:p>
             <a:r>
-              <a:rPr lang="en-US" smtClean="0"/>
+              <a:rPr lang="en-US"/>
               <a:t>Click to edit Master title style</a:t>
             </a:r>
-            <a:endParaRPr lang="en-US"/>
           </a:p>
         </p:txBody>
       </p:sp>
@@ -1893,7 +5306,7 @@
           <a:p>
             <a:fld id="{5BCAD085-E8A6-8845-BD4E-CB4CCA059FC4}" type="datetimeFigureOut">
               <a:rPr lang="en-US" smtClean="0"/>
-              <a:t>1/27/13</a:t>
+              <a:t>12/20/24</a:t>
             </a:fld>
             <a:endParaRPr lang="en-US"/>
           </a:p>
@@ -1988,7 +5401,7 @@
           <a:p>
             <a:fld id="{5BCAD085-E8A6-8845-BD4E-CB4CCA059FC4}" type="datetimeFigureOut">
               <a:rPr lang="en-US" smtClean="0"/>
-              <a:t>1/27/13</a:t>
+              <a:t>12/20/24</a:t>
             </a:fld>
             <a:endParaRPr lang="en-US"/>
           </a:p>
@@ -2091,10 +5504,9 @@
           </a:lstStyle>
           <a:p>
             <a:r>
-              <a:rPr lang="en-US" smtClean="0"/>
+              <a:rPr lang="en-US"/>
               <a:t>Click to edit Master title style</a:t>
             </a:r>
-            <a:endParaRPr lang="en-US"/>
           </a:p>
         </p:txBody>
       </p:sp>
@@ -2148,38 +5560,37 @@
           <a:p>
             <a:pPr lvl="0"/>
             <a:r>
-              <a:rPr lang="en-US" smtClean="0"/>
+              <a:rPr lang="en-US"/>
               <a:t>Click to edit Master text styles</a:t>
             </a:r>
           </a:p>
           <a:p>
             <a:pPr lvl="1"/>
             <a:r>
-              <a:rPr lang="en-US" smtClean="0"/>
+              <a:rPr lang="en-US"/>
               <a:t>Second level</a:t>
             </a:r>
           </a:p>
           <a:p>
             <a:pPr lvl="2"/>
             <a:r>
-              <a:rPr lang="en-US" smtClean="0"/>
+              <a:rPr lang="en-US"/>
               <a:t>Third level</a:t>
             </a:r>
           </a:p>
           <a:p>
             <a:pPr lvl="3"/>
             <a:r>
-              <a:rPr lang="en-US" smtClean="0"/>
+              <a:rPr lang="en-US"/>
               <a:t>Fourth level</a:t>
             </a:r>
           </a:p>
           <a:p>
             <a:pPr lvl="4"/>
             <a:r>
-              <a:rPr lang="en-US" smtClean="0"/>
+              <a:rPr lang="en-US"/>
               <a:t>Fifth level</a:t>
             </a:r>
-            <a:endParaRPr lang="en-US"/>
           </a:p>
         </p:txBody>
       </p:sp>
@@ -2242,7 +5653,7 @@
           <a:p>
             <a:pPr lvl="0"/>
             <a:r>
-              <a:rPr lang="en-US" smtClean="0"/>
+              <a:rPr lang="en-US"/>
               <a:t>Click to edit Master text styles</a:t>
             </a:r>
           </a:p>
@@ -2265,7 +5676,7 @@
           <a:p>
             <a:fld id="{5BCAD085-E8A6-8845-BD4E-CB4CCA059FC4}" type="datetimeFigureOut">
               <a:rPr lang="en-US" smtClean="0"/>
-              <a:t>1/27/13</a:t>
+              <a:t>12/20/24</a:t>
             </a:fld>
             <a:endParaRPr lang="en-US"/>
           </a:p>
@@ -2368,10 +5779,9 @@
           </a:lstStyle>
           <a:p>
             <a:r>
-              <a:rPr lang="en-US" smtClean="0"/>
+              <a:rPr lang="en-US"/>
               <a:t>Click to edit Master title style</a:t>
             </a:r>
-            <a:endParaRPr lang="en-US"/>
           </a:p>
         </p:txBody>
       </p:sp>
@@ -2495,7 +5905,7 @@
           <a:p>
             <a:pPr lvl="0"/>
             <a:r>
-              <a:rPr lang="en-US" smtClean="0"/>
+              <a:rPr lang="en-US"/>
               <a:t>Click to edit Master text styles</a:t>
             </a:r>
           </a:p>
@@ -2518,7 +5928,7 @@
           <a:p>
             <a:fld id="{5BCAD085-E8A6-8845-BD4E-CB4CCA059FC4}" type="datetimeFigureOut">
               <a:rPr lang="en-US" smtClean="0"/>
-              <a:t>1/27/13</a:t>
+              <a:t>12/20/24</a:t>
             </a:fld>
             <a:endParaRPr lang="en-US"/>
           </a:p>
@@ -2627,10 +6037,9 @@
           <a:lstStyle/>
           <a:p>
             <a:r>
-              <a:rPr lang="en-US" smtClean="0"/>
+              <a:rPr lang="en-US"/>
               <a:t>Click to edit Master title style</a:t>
             </a:r>
-            <a:endParaRPr lang="en-US"/>
           </a:p>
         </p:txBody>
       </p:sp>
@@ -2661,38 +6070,37 @@
           <a:p>
             <a:pPr lvl="0"/>
             <a:r>
-              <a:rPr lang="en-US" smtClean="0"/>
+              <a:rPr lang="en-US"/>
               <a:t>Click to edit Master text styles</a:t>
             </a:r>
           </a:p>
           <a:p>
             <a:pPr lvl="1"/>
             <a:r>
-              <a:rPr lang="en-US" smtClean="0"/>
+              <a:rPr lang="en-US"/>
               <a:t>Second level</a:t>
             </a:r>
           </a:p>
           <a:p>
             <a:pPr lvl="2"/>
             <a:r>
-              <a:rPr lang="en-US" smtClean="0"/>
+              <a:rPr lang="en-US"/>
               <a:t>Third level</a:t>
             </a:r>
           </a:p>
           <a:p>
             <a:pPr lvl="3"/>
             <a:r>
-              <a:rPr lang="en-US" smtClean="0"/>
+              <a:rPr lang="en-US"/>
               <a:t>Fourth level</a:t>
             </a:r>
           </a:p>
           <a:p>
             <a:pPr lvl="4"/>
             <a:r>
-              <a:rPr lang="en-US" smtClean="0"/>
+              <a:rPr lang="en-US"/>
               <a:t>Fifth level</a:t>
             </a:r>
-            <a:endParaRPr lang="en-US"/>
           </a:p>
         </p:txBody>
       </p:sp>
@@ -2731,7 +6139,7 @@
           <a:p>
             <a:fld id="{5BCAD085-E8A6-8845-BD4E-CB4CCA059FC4}" type="datetimeFigureOut">
               <a:rPr lang="en-US" smtClean="0"/>
-              <a:t>1/27/13</a:t>
+              <a:t>12/20/24</a:t>
             </a:fld>
             <a:endParaRPr lang="en-US"/>
           </a:p>
@@ -3090,7 +6498,2365 @@
 </file>
 
 <file path=ppt/slides/slide1.xml><?xml version="1.0" encoding="utf-8"?>
-<p:sld xmlns:a="http://schemas.openxmlformats.org/drawingml/2006/main" xmlns:p="http://schemas.openxmlformats.org/presentationml/2006/main" xmlns:r="http://schemas.openxmlformats.org/officeDocument/2006/relationships">
+<p:sld xmlns:a="http://schemas.openxmlformats.org/drawingml/2006/main" xmlns:r="http://schemas.openxmlformats.org/officeDocument/2006/relationships" xmlns:p="http://schemas.openxmlformats.org/presentationml/2006/main">
+  <p:cSld>
+    <p:bg>
+      <p:bgPr>
+        <a:solidFill>
+          <a:schemeClr val="bg1"/>
+        </a:solidFill>
+        <a:effectLst/>
+      </p:bgPr>
+    </p:bg>
+    <p:spTree>
+      <p:nvGrpSpPr>
+        <p:cNvPr id="1" name=""/>
+        <p:cNvGrpSpPr/>
+        <p:nvPr/>
+      </p:nvGrpSpPr>
+      <p:grpSpPr>
+        <a:xfrm>
+          <a:off x="0" y="0"/>
+          <a:ext cx="0" cy="0"/>
+          <a:chOff x="0" y="0"/>
+          <a:chExt cx="0" cy="0"/>
+        </a:xfrm>
+      </p:grpSpPr>
+      <p:sp useBgFill="1">
+        <p:nvSpPr>
+          <p:cNvPr id="53" name="Rectangle 52">
+            <a:extLst>
+              <a:ext uri="{FF2B5EF4-FFF2-40B4-BE49-F238E27FC236}">
+                <a16:creationId xmlns:a16="http://schemas.microsoft.com/office/drawing/2014/main" id="{A3363022-C969-41E9-8EB2-E4C94908C1FA}"/>
+              </a:ext>
+              <a:ext uri="{C183D7F6-B498-43B3-948B-1728B52AA6E4}">
+                <adec:decorative xmlns:adec="http://schemas.microsoft.com/office/drawing/2017/decorative" val="1"/>
+              </a:ext>
+            </a:extLst>
+          </p:cNvPr>
+          <p:cNvSpPr>
+            <a:spLocks noGrp="1" noRot="1" noChangeAspect="1" noMove="1" noResize="1" noEditPoints="1" noAdjustHandles="1" noChangeArrowheads="1" noChangeShapeType="1" noTextEdit="1"/>
+          </p:cNvSpPr>
+          <p:nvPr>
+            <p:extLst>
+              <p:ext uri="{386F3935-93C4-4BCD-93E2-E3B085C9AB24}">
+                <p16:designElem xmlns:p16="http://schemas.microsoft.com/office/powerpoint/2015/main" val="1"/>
+              </p:ext>
+            </p:extLst>
+          </p:nvPr>
+        </p:nvSpPr>
+        <p:spPr>
+          <a:xfrm>
+            <a:off x="0" y="-1"/>
+            <a:ext cx="9143771" cy="6852025"/>
+          </a:xfrm>
+          <a:prstGeom prst="rect">
+            <a:avLst/>
+          </a:prstGeom>
+          <a:ln>
+            <a:noFill/>
+          </a:ln>
+        </p:spPr>
+        <p:style>
+          <a:lnRef idx="2">
+            <a:schemeClr val="accent1">
+              <a:shade val="50000"/>
+            </a:schemeClr>
+          </a:lnRef>
+          <a:fillRef idx="1">
+            <a:schemeClr val="accent1"/>
+          </a:fillRef>
+          <a:effectRef idx="0">
+            <a:schemeClr val="accent1"/>
+          </a:effectRef>
+          <a:fontRef idx="minor">
+            <a:schemeClr val="lt1"/>
+          </a:fontRef>
+        </p:style>
+        <p:txBody>
+          <a:bodyPr rtlCol="0" anchor="ctr"/>
+          <a:lstStyle/>
+          <a:p>
+            <a:pPr algn="ctr"/>
+            <a:endParaRPr lang="en-US"/>
+          </a:p>
+        </p:txBody>
+      </p:sp>
+      <p:sp>
+        <p:nvSpPr>
+          <p:cNvPr id="55" name="Rectangle 54">
+            <a:extLst>
+              <a:ext uri="{FF2B5EF4-FFF2-40B4-BE49-F238E27FC236}">
+                <a16:creationId xmlns:a16="http://schemas.microsoft.com/office/drawing/2014/main" id="{8D1AD6B3-BE88-4CEB-BA17-790657CC4729}"/>
+              </a:ext>
+              <a:ext uri="{C183D7F6-B498-43B3-948B-1728B52AA6E4}">
+                <adec:decorative xmlns:adec="http://schemas.microsoft.com/office/drawing/2017/decorative" val="1"/>
+              </a:ext>
+            </a:extLst>
+          </p:cNvPr>
+          <p:cNvSpPr>
+            <a:spLocks noGrp="1" noRot="1" noChangeAspect="1" noMove="1" noResize="1" noEditPoints="1" noAdjustHandles="1" noChangeArrowheads="1" noChangeShapeType="1" noTextEdit="1"/>
+          </p:cNvSpPr>
+          <p:nvPr>
+            <p:extLst>
+              <p:ext uri="{386F3935-93C4-4BCD-93E2-E3B085C9AB24}">
+                <p16:designElem xmlns:p16="http://schemas.microsoft.com/office/powerpoint/2015/main" val="1"/>
+              </p:ext>
+            </p:extLst>
+          </p:nvPr>
+        </p:nvSpPr>
+        <p:spPr>
+          <a:xfrm>
+            <a:off x="228" y="0"/>
+            <a:ext cx="9143772" cy="6858000"/>
+          </a:xfrm>
+          <a:prstGeom prst="rect">
+            <a:avLst/>
+          </a:prstGeom>
+          <a:solidFill>
+            <a:schemeClr val="bg1"/>
+          </a:solidFill>
+          <a:ln>
+            <a:noFill/>
+          </a:ln>
+        </p:spPr>
+        <p:style>
+          <a:lnRef idx="2">
+            <a:schemeClr val="accent1">
+              <a:shade val="50000"/>
+            </a:schemeClr>
+          </a:lnRef>
+          <a:fillRef idx="1">
+            <a:schemeClr val="accent1"/>
+          </a:fillRef>
+          <a:effectRef idx="0">
+            <a:schemeClr val="accent1"/>
+          </a:effectRef>
+          <a:fontRef idx="minor">
+            <a:schemeClr val="lt1"/>
+          </a:fontRef>
+        </p:style>
+        <p:txBody>
+          <a:bodyPr rtlCol="0" anchor="ctr"/>
+          <a:lstStyle/>
+          <a:p>
+            <a:pPr algn="ctr"/>
+            <a:endParaRPr lang="en-US"/>
+          </a:p>
+        </p:txBody>
+      </p:sp>
+      <p:sp>
+        <p:nvSpPr>
+          <p:cNvPr id="2" name="Title 1"/>
+          <p:cNvSpPr>
+            <a:spLocks noGrp="1"/>
+          </p:cNvSpPr>
+          <p:nvPr>
+            <p:ph type="ctrTitle"/>
+          </p:nvPr>
+        </p:nvSpPr>
+        <p:spPr>
+          <a:xfrm>
+            <a:off x="134112" y="271819"/>
+            <a:ext cx="8668512" cy="752310"/>
+          </a:xfrm>
+        </p:spPr>
+        <p:txBody>
+          <a:bodyPr vert="horz" lIns="91440" tIns="45720" rIns="91440" bIns="45720" rtlCol="0" anchor="t">
+            <a:normAutofit/>
+          </a:bodyPr>
+          <a:lstStyle/>
+          <a:p>
+            <a:pPr defTabSz="914400">
+              <a:lnSpc>
+                <a:spcPct val="90000"/>
+              </a:lnSpc>
+            </a:pPr>
+            <a:r>
+              <a:rPr lang="en-US" sz="2700" b="0" kern="1200" dirty="0">
+                <a:solidFill>
+                  <a:schemeClr val="tx2"/>
+                </a:solidFill>
+                <a:latin typeface="Arial" panose="020B0604020202020204" pitchFamily="34" charset="0"/>
+                <a:cs typeface="Arial" panose="020B0604020202020204" pitchFamily="34" charset="0"/>
+              </a:rPr>
+              <a:t>RPA Process Automation Testing for API using Python</a:t>
+            </a:r>
+          </a:p>
+        </p:txBody>
+      </p:sp>
+      <p:sp>
+        <p:nvSpPr>
+          <p:cNvPr id="3" name="Subtitle 2"/>
+          <p:cNvSpPr>
+            <a:spLocks noGrp="1"/>
+          </p:cNvSpPr>
+          <p:nvPr>
+            <p:ph type="subTitle" idx="1"/>
+          </p:nvPr>
+        </p:nvSpPr>
+        <p:spPr>
+          <a:xfrm>
+            <a:off x="4875771" y="3231069"/>
+            <a:ext cx="3604268" cy="838831"/>
+          </a:xfrm>
+        </p:spPr>
+        <p:txBody>
+          <a:bodyPr vert="horz" lIns="91440" tIns="45720" rIns="91440" bIns="45720" rtlCol="0" anchor="b">
+            <a:normAutofit/>
+          </a:bodyPr>
+          <a:lstStyle/>
+          <a:p>
+            <a:pPr algn="l" defTabSz="914400">
+              <a:lnSpc>
+                <a:spcPct val="90000"/>
+              </a:lnSpc>
+              <a:spcBef>
+                <a:spcPts val="1000"/>
+              </a:spcBef>
+            </a:pPr>
+            <a:r>
+              <a:rPr lang="en-US" sz="1700" b="0" kern="1200" dirty="0">
+                <a:solidFill>
+                  <a:schemeClr val="tx2"/>
+                </a:solidFill>
+                <a:latin typeface="Arial" panose="020B0604020202020204" pitchFamily="34" charset="0"/>
+                <a:cs typeface="Arial" panose="020B0604020202020204" pitchFamily="34" charset="0"/>
+              </a:rPr>
+              <a:t>Streamlining API Testing through Robotic Process Automation</a:t>
+            </a:r>
+          </a:p>
+        </p:txBody>
+      </p:sp>
+      <p:pic>
+        <p:nvPicPr>
+          <p:cNvPr id="50" name="Graphic 49" descr="Head with Gears">
+            <a:extLst>
+              <a:ext uri="{FF2B5EF4-FFF2-40B4-BE49-F238E27FC236}">
+                <a16:creationId xmlns:a16="http://schemas.microsoft.com/office/drawing/2014/main" id="{A93F778E-AF03-1FF3-16FA-141D4D275D09}"/>
+              </a:ext>
+            </a:extLst>
+          </p:cNvPr>
+          <p:cNvPicPr>
+            <a:picLocks noChangeAspect="1"/>
+          </p:cNvPicPr>
+          <p:nvPr/>
+        </p:nvPicPr>
+        <p:blipFill>
+          <a:blip r:embed="rId2">
+            <a:extLst>
+              <a:ext uri="{28A0092B-C50C-407E-A947-70E740481C1C}">
+                <a14:useLocalDpi xmlns:a14="http://schemas.microsoft.com/office/drawing/2010/main" val="0"/>
+              </a:ext>
+              <a:ext uri="{96DAC541-7B7A-43D3-8B79-37D633B846F1}">
+                <asvg:svgBlip xmlns:asvg="http://schemas.microsoft.com/office/drawing/2016/SVG/main" r:embed="rId3"/>
+              </a:ext>
+            </a:extLst>
+          </a:blip>
+          <a:stretch>
+            <a:fillRect/>
+          </a:stretch>
+        </p:blipFill>
+        <p:spPr>
+          <a:xfrm>
+            <a:off x="255352" y="2333040"/>
+            <a:ext cx="3106320" cy="3106320"/>
+          </a:xfrm>
+          <a:custGeom>
+            <a:avLst/>
+            <a:gdLst/>
+            <a:ahLst/>
+            <a:cxnLst/>
+            <a:rect l="l" t="t" r="r" b="b"/>
+            <a:pathLst>
+              <a:path w="4141760" h="4377846">
+                <a:moveTo>
+                  <a:pt x="0" y="0"/>
+                </a:moveTo>
+                <a:lnTo>
+                  <a:pt x="4141760" y="0"/>
+                </a:lnTo>
+                <a:lnTo>
+                  <a:pt x="4141760" y="4377846"/>
+                </a:lnTo>
+                <a:lnTo>
+                  <a:pt x="0" y="4377846"/>
+                </a:lnTo>
+                <a:close/>
+              </a:path>
+            </a:pathLst>
+          </a:custGeom>
+        </p:spPr>
+      </p:pic>
+      <p:grpSp>
+        <p:nvGrpSpPr>
+          <p:cNvPr id="57" name="Group 56">
+            <a:extLst>
+              <a:ext uri="{FF2B5EF4-FFF2-40B4-BE49-F238E27FC236}">
+                <a16:creationId xmlns:a16="http://schemas.microsoft.com/office/drawing/2014/main" id="{89D1390B-7E13-4B4F-9CB2-391063412E54}"/>
+              </a:ext>
+              <a:ext uri="{C183D7F6-B498-43B3-948B-1728B52AA6E4}">
+                <adec:decorative xmlns:adec="http://schemas.microsoft.com/office/drawing/2017/decorative" val="1"/>
+              </a:ext>
+            </a:extLst>
+          </p:cNvPr>
+          <p:cNvGrpSpPr>
+            <a:grpSpLocks noGrp="1" noUngrp="1" noRot="1" noChangeAspect="1" noMove="1" noResize="1"/>
+          </p:cNvGrpSpPr>
+          <p:nvPr>
+            <p:extLst>
+              <p:ext uri="{386F3935-93C4-4BCD-93E2-E3B085C9AB24}">
+                <p16:designElem xmlns:p16="http://schemas.microsoft.com/office/powerpoint/2015/main" val="1"/>
+              </p:ext>
+            </p:extLst>
+          </p:nvPr>
+        </p:nvGrpSpPr>
+        <p:grpSpPr>
+          <a:xfrm>
+            <a:off x="-3189" y="-5977"/>
+            <a:ext cx="4679005" cy="6863979"/>
+            <a:chOff x="305" y="-5977"/>
+            <a:chExt cx="6238675" cy="6863979"/>
+          </a:xfrm>
+        </p:grpSpPr>
+        <p:sp>
+          <p:nvSpPr>
+            <p:cNvPr id="58" name="Freeform: Shape 57">
+              <a:extLst>
+                <a:ext uri="{FF2B5EF4-FFF2-40B4-BE49-F238E27FC236}">
+                  <a16:creationId xmlns:a16="http://schemas.microsoft.com/office/drawing/2014/main" id="{9E720206-AA49-4786-A932-A2650DE09183}"/>
+                </a:ext>
+                <a:ext uri="{C183D7F6-B498-43B3-948B-1728B52AA6E4}">
+                  <adec:decorative xmlns:adec="http://schemas.microsoft.com/office/drawing/2017/decorative" val="1"/>
+                </a:ext>
+              </a:extLst>
+            </p:cNvPr>
+            <p:cNvSpPr/>
+            <p:nvPr>
+              <p:extLst>
+                <p:ext uri="{386F3935-93C4-4BCD-93E2-E3B085C9AB24}">
+                  <p16:designElem xmlns:p16="http://schemas.microsoft.com/office/powerpoint/2015/main" val="1"/>
+                </p:ext>
+              </p:extLst>
+            </p:nvPr>
+          </p:nvSpPr>
+          <p:spPr>
+            <a:xfrm flipH="1">
+              <a:off x="305" y="34854"/>
+              <a:ext cx="6028697" cy="6817170"/>
+            </a:xfrm>
+            <a:custGeom>
+              <a:avLst/>
+              <a:gdLst>
+                <a:gd name="connsiteX0" fmla="*/ 6028697 w 6028697"/>
+                <a:gd name="connsiteY0" fmla="*/ 6155323 h 6817170"/>
+                <a:gd name="connsiteX1" fmla="*/ 6028697 w 6028697"/>
+                <a:gd name="connsiteY1" fmla="*/ 6817170 h 6817170"/>
+                <a:gd name="connsiteX2" fmla="*/ 5157862 w 6028697"/>
+                <a:gd name="connsiteY2" fmla="*/ 6817170 h 6817170"/>
+                <a:gd name="connsiteX3" fmla="*/ 5347156 w 6028697"/>
+                <a:gd name="connsiteY3" fmla="*/ 6687553 h 6817170"/>
+                <a:gd name="connsiteX4" fmla="*/ 5487470 w 6028697"/>
+                <a:gd name="connsiteY4" fmla="*/ 6581714 h 6817170"/>
+                <a:gd name="connsiteX5" fmla="*/ 5627642 w 6028697"/>
+                <a:gd name="connsiteY5" fmla="*/ 6472328 h 6817170"/>
+                <a:gd name="connsiteX6" fmla="*/ 5911392 w 6028697"/>
+                <a:gd name="connsiteY6" fmla="*/ 6245328 h 6817170"/>
+                <a:gd name="connsiteX7" fmla="*/ 4481066 w 6028697"/>
+                <a:gd name="connsiteY7" fmla="*/ 478 h 6817170"/>
+                <a:gd name="connsiteX8" fmla="*/ 4672258 w 6028697"/>
+                <a:gd name="connsiteY8" fmla="*/ 7519 h 6817170"/>
+                <a:gd name="connsiteX9" fmla="*/ 5429869 w 6028697"/>
+                <a:gd name="connsiteY9" fmla="*/ 125134 h 6817170"/>
+                <a:gd name="connsiteX10" fmla="*/ 5976319 w 6028697"/>
+                <a:gd name="connsiteY10" fmla="*/ 314893 h 6817170"/>
+                <a:gd name="connsiteX11" fmla="*/ 6028697 w 6028697"/>
+                <a:gd name="connsiteY11" fmla="*/ 339901 h 6817170"/>
+                <a:gd name="connsiteX12" fmla="*/ 6028697 w 6028697"/>
+                <a:gd name="connsiteY12" fmla="*/ 732458 h 6817170"/>
+                <a:gd name="connsiteX13" fmla="*/ 5990985 w 6028697"/>
+                <a:gd name="connsiteY13" fmla="*/ 712211 h 6817170"/>
+                <a:gd name="connsiteX14" fmla="*/ 5341339 w 6028697"/>
+                <a:gd name="connsiteY14" fmla="*/ 475281 h 6817170"/>
+                <a:gd name="connsiteX15" fmla="*/ 4651969 w 6028697"/>
+                <a:gd name="connsiteY15" fmla="*/ 377104 h 6817170"/>
+                <a:gd name="connsiteX16" fmla="*/ 3953093 w 6028697"/>
+                <a:gd name="connsiteY16" fmla="*/ 402498 h 6817170"/>
+                <a:gd name="connsiteX17" fmla="*/ 3267413 w 6028697"/>
+                <a:gd name="connsiteY17" fmla="*/ 546643 h 6817170"/>
+                <a:gd name="connsiteX18" fmla="*/ 1439498 w 6028697"/>
+                <a:gd name="connsiteY18" fmla="*/ 1568141 h 6817170"/>
+                <a:gd name="connsiteX19" fmla="*/ 960671 w 6028697"/>
+                <a:gd name="connsiteY19" fmla="*/ 2082013 h 6817170"/>
+                <a:gd name="connsiteX20" fmla="*/ 581866 w 6028697"/>
+                <a:gd name="connsiteY20" fmla="*/ 2672638 h 6817170"/>
+                <a:gd name="connsiteX21" fmla="*/ 324789 w 6028697"/>
+                <a:gd name="connsiteY21" fmla="*/ 3325262 h 6817170"/>
+                <a:gd name="connsiteX22" fmla="*/ 231151 w 6028697"/>
+                <a:gd name="connsiteY22" fmla="*/ 4022292 h 6817170"/>
+                <a:gd name="connsiteX23" fmla="*/ 270592 w 6028697"/>
+                <a:gd name="connsiteY23" fmla="*/ 4362792 h 6817170"/>
+                <a:gd name="connsiteX24" fmla="*/ 387213 w 6028697"/>
+                <a:gd name="connsiteY24" fmla="*/ 4681585 h 6817170"/>
+                <a:gd name="connsiteX25" fmla="*/ 468507 w 6028697"/>
+                <a:gd name="connsiteY25" fmla="*/ 4831546 h 6817170"/>
+                <a:gd name="connsiteX26" fmla="*/ 561862 w 6028697"/>
+                <a:gd name="connsiteY26" fmla="*/ 4976826 h 6817170"/>
+                <a:gd name="connsiteX27" fmla="*/ 777511 w 6028697"/>
+                <a:gd name="connsiteY27" fmla="*/ 5257597 h 6817170"/>
+                <a:gd name="connsiteX28" fmla="*/ 1010895 w 6028697"/>
+                <a:gd name="connsiteY28" fmla="*/ 5540494 h 6817170"/>
+                <a:gd name="connsiteX29" fmla="*/ 1126948 w 6028697"/>
+                <a:gd name="connsiteY29" fmla="*/ 5688186 h 6817170"/>
+                <a:gd name="connsiteX30" fmla="*/ 1182706 w 6028697"/>
+                <a:gd name="connsiteY30" fmla="*/ 5760543 h 6817170"/>
+                <a:gd name="connsiteX31" fmla="*/ 1237327 w 6028697"/>
+                <a:gd name="connsiteY31" fmla="*/ 5830060 h 6817170"/>
+                <a:gd name="connsiteX32" fmla="*/ 1706649 w 6028697"/>
+                <a:gd name="connsiteY32" fmla="*/ 6342797 h 6817170"/>
+                <a:gd name="connsiteX33" fmla="*/ 1956207 w 6028697"/>
+                <a:gd name="connsiteY33" fmla="*/ 6573484 h 6817170"/>
+                <a:gd name="connsiteX34" fmla="*/ 2217681 w 6028697"/>
+                <a:gd name="connsiteY34" fmla="*/ 6786297 h 6817170"/>
+                <a:gd name="connsiteX35" fmla="*/ 2260820 w 6028697"/>
+                <a:gd name="connsiteY35" fmla="*/ 6817170 h 6817170"/>
+                <a:gd name="connsiteX36" fmla="*/ 1429497 w 6028697"/>
+                <a:gd name="connsiteY36" fmla="*/ 6817170 h 6817170"/>
+                <a:gd name="connsiteX37" fmla="*/ 1327275 w 6028697"/>
+                <a:gd name="connsiteY37" fmla="*/ 6713800 h 6817170"/>
+                <a:gd name="connsiteX38" fmla="*/ 1080556 w 6028697"/>
+                <a:gd name="connsiteY38" fmla="*/ 6414443 h 6817170"/>
+                <a:gd name="connsiteX39" fmla="*/ 865189 w 6028697"/>
+                <a:gd name="connsiteY39" fmla="*/ 6097496 h 6817170"/>
+                <a:gd name="connsiteX40" fmla="*/ 814823 w 6028697"/>
+                <a:gd name="connsiteY40" fmla="*/ 6016911 h 6817170"/>
+                <a:gd name="connsiteX41" fmla="*/ 766729 w 6028697"/>
+                <a:gd name="connsiteY41" fmla="*/ 5938453 h 6817170"/>
+                <a:gd name="connsiteX42" fmla="*/ 671672 w 6028697"/>
+                <a:gd name="connsiteY42" fmla="*/ 5786648 h 6817170"/>
+                <a:gd name="connsiteX43" fmla="*/ 474608 w 6028697"/>
+                <a:gd name="connsiteY43" fmla="*/ 5474664 h 6817170"/>
+                <a:gd name="connsiteX44" fmla="*/ 282652 w 6028697"/>
+                <a:gd name="connsiteY44" fmla="*/ 5146508 h 6817170"/>
+                <a:gd name="connsiteX45" fmla="*/ 196108 w 6028697"/>
+                <a:gd name="connsiteY45" fmla="*/ 4972712 h 6817170"/>
+                <a:gd name="connsiteX46" fmla="*/ 122474 w 6028697"/>
+                <a:gd name="connsiteY46" fmla="*/ 4791821 h 6817170"/>
+                <a:gd name="connsiteX47" fmla="*/ 65724 w 6028697"/>
+                <a:gd name="connsiteY47" fmla="*/ 4603129 h 6817170"/>
+                <a:gd name="connsiteX48" fmla="*/ 44727 w 6028697"/>
+                <a:gd name="connsiteY48" fmla="*/ 4506937 h 6817170"/>
+                <a:gd name="connsiteX49" fmla="*/ 35505 w 6028697"/>
+                <a:gd name="connsiteY49" fmla="*/ 4458699 h 6817170"/>
+                <a:gd name="connsiteX50" fmla="*/ 27845 w 6028697"/>
+                <a:gd name="connsiteY50" fmla="*/ 4410320 h 6817170"/>
+                <a:gd name="connsiteX51" fmla="*/ 37 w 6028697"/>
+                <a:gd name="connsiteY51" fmla="*/ 4022292 h 6817170"/>
+                <a:gd name="connsiteX52" fmla="*/ 78777 w 6028697"/>
+                <a:gd name="connsiteY52" fmla="*/ 3267236 h 6817170"/>
+                <a:gd name="connsiteX53" fmla="*/ 315424 w 6028697"/>
+                <a:gd name="connsiteY53" fmla="*/ 2543673 h 6817170"/>
+                <a:gd name="connsiteX54" fmla="*/ 1202710 w 6028697"/>
+                <a:gd name="connsiteY54" fmla="*/ 1314895 h 6817170"/>
+                <a:gd name="connsiteX55" fmla="*/ 1791065 w 6028697"/>
+                <a:gd name="connsiteY55" fmla="*/ 833514 h 6817170"/>
+                <a:gd name="connsiteX56" fmla="*/ 3908404 w 6028697"/>
+                <a:gd name="connsiteY56" fmla="*/ 29794 h 6817170"/>
+                <a:gd name="connsiteX57" fmla="*/ 4481066 w 6028697"/>
+                <a:gd name="connsiteY57" fmla="*/ 478 h 6817170"/>
+              </a:gdLst>
+              <a:ahLst/>
+              <a:cxnLst>
+                <a:cxn ang="0">
+                  <a:pos x="connsiteX0" y="connsiteY0"/>
+                </a:cxn>
+                <a:cxn ang="0">
+                  <a:pos x="connsiteX1" y="connsiteY1"/>
+                </a:cxn>
+                <a:cxn ang="0">
+                  <a:pos x="connsiteX2" y="connsiteY2"/>
+                </a:cxn>
+                <a:cxn ang="0">
+                  <a:pos x="connsiteX3" y="connsiteY3"/>
+                </a:cxn>
+                <a:cxn ang="0">
+                  <a:pos x="connsiteX4" y="connsiteY4"/>
+                </a:cxn>
+                <a:cxn ang="0">
+                  <a:pos x="connsiteX5" y="connsiteY5"/>
+                </a:cxn>
+                <a:cxn ang="0">
+                  <a:pos x="connsiteX6" y="connsiteY6"/>
+                </a:cxn>
+                <a:cxn ang="0">
+                  <a:pos x="connsiteX7" y="connsiteY7"/>
+                </a:cxn>
+                <a:cxn ang="0">
+                  <a:pos x="connsiteX8" y="connsiteY8"/>
+                </a:cxn>
+                <a:cxn ang="0">
+                  <a:pos x="connsiteX9" y="connsiteY9"/>
+                </a:cxn>
+                <a:cxn ang="0">
+                  <a:pos x="connsiteX10" y="connsiteY10"/>
+                </a:cxn>
+                <a:cxn ang="0">
+                  <a:pos x="connsiteX11" y="connsiteY11"/>
+                </a:cxn>
+                <a:cxn ang="0">
+                  <a:pos x="connsiteX12" y="connsiteY12"/>
+                </a:cxn>
+                <a:cxn ang="0">
+                  <a:pos x="connsiteX13" y="connsiteY13"/>
+                </a:cxn>
+                <a:cxn ang="0">
+                  <a:pos x="connsiteX14" y="connsiteY14"/>
+                </a:cxn>
+                <a:cxn ang="0">
+                  <a:pos x="connsiteX15" y="connsiteY15"/>
+                </a:cxn>
+                <a:cxn ang="0">
+                  <a:pos x="connsiteX16" y="connsiteY16"/>
+                </a:cxn>
+                <a:cxn ang="0">
+                  <a:pos x="connsiteX17" y="connsiteY17"/>
+                </a:cxn>
+                <a:cxn ang="0">
+                  <a:pos x="connsiteX18" y="connsiteY18"/>
+                </a:cxn>
+                <a:cxn ang="0">
+                  <a:pos x="connsiteX19" y="connsiteY19"/>
+                </a:cxn>
+                <a:cxn ang="0">
+                  <a:pos x="connsiteX20" y="connsiteY20"/>
+                </a:cxn>
+                <a:cxn ang="0">
+                  <a:pos x="connsiteX21" y="connsiteY21"/>
+                </a:cxn>
+                <a:cxn ang="0">
+                  <a:pos x="connsiteX22" y="connsiteY22"/>
+                </a:cxn>
+                <a:cxn ang="0">
+                  <a:pos x="connsiteX23" y="connsiteY23"/>
+                </a:cxn>
+                <a:cxn ang="0">
+                  <a:pos x="connsiteX24" y="connsiteY24"/>
+                </a:cxn>
+                <a:cxn ang="0">
+                  <a:pos x="connsiteX25" y="connsiteY25"/>
+                </a:cxn>
+                <a:cxn ang="0">
+                  <a:pos x="connsiteX26" y="connsiteY26"/>
+                </a:cxn>
+                <a:cxn ang="0">
+                  <a:pos x="connsiteX27" y="connsiteY27"/>
+                </a:cxn>
+                <a:cxn ang="0">
+                  <a:pos x="connsiteX28" y="connsiteY28"/>
+                </a:cxn>
+                <a:cxn ang="0">
+                  <a:pos x="connsiteX29" y="connsiteY29"/>
+                </a:cxn>
+                <a:cxn ang="0">
+                  <a:pos x="connsiteX30" y="connsiteY30"/>
+                </a:cxn>
+                <a:cxn ang="0">
+                  <a:pos x="connsiteX31" y="connsiteY31"/>
+                </a:cxn>
+                <a:cxn ang="0">
+                  <a:pos x="connsiteX32" y="connsiteY32"/>
+                </a:cxn>
+                <a:cxn ang="0">
+                  <a:pos x="connsiteX33" y="connsiteY33"/>
+                </a:cxn>
+                <a:cxn ang="0">
+                  <a:pos x="connsiteX34" y="connsiteY34"/>
+                </a:cxn>
+                <a:cxn ang="0">
+                  <a:pos x="connsiteX35" y="connsiteY35"/>
+                </a:cxn>
+                <a:cxn ang="0">
+                  <a:pos x="connsiteX36" y="connsiteY36"/>
+                </a:cxn>
+                <a:cxn ang="0">
+                  <a:pos x="connsiteX37" y="connsiteY37"/>
+                </a:cxn>
+                <a:cxn ang="0">
+                  <a:pos x="connsiteX38" y="connsiteY38"/>
+                </a:cxn>
+                <a:cxn ang="0">
+                  <a:pos x="connsiteX39" y="connsiteY39"/>
+                </a:cxn>
+                <a:cxn ang="0">
+                  <a:pos x="connsiteX40" y="connsiteY40"/>
+                </a:cxn>
+                <a:cxn ang="0">
+                  <a:pos x="connsiteX41" y="connsiteY41"/>
+                </a:cxn>
+                <a:cxn ang="0">
+                  <a:pos x="connsiteX42" y="connsiteY42"/>
+                </a:cxn>
+                <a:cxn ang="0">
+                  <a:pos x="connsiteX43" y="connsiteY43"/>
+                </a:cxn>
+                <a:cxn ang="0">
+                  <a:pos x="connsiteX44" y="connsiteY44"/>
+                </a:cxn>
+                <a:cxn ang="0">
+                  <a:pos x="connsiteX45" y="connsiteY45"/>
+                </a:cxn>
+                <a:cxn ang="0">
+                  <a:pos x="connsiteX46" y="connsiteY46"/>
+                </a:cxn>
+                <a:cxn ang="0">
+                  <a:pos x="connsiteX47" y="connsiteY47"/>
+                </a:cxn>
+                <a:cxn ang="0">
+                  <a:pos x="connsiteX48" y="connsiteY48"/>
+                </a:cxn>
+                <a:cxn ang="0">
+                  <a:pos x="connsiteX49" y="connsiteY49"/>
+                </a:cxn>
+                <a:cxn ang="0">
+                  <a:pos x="connsiteX50" y="connsiteY50"/>
+                </a:cxn>
+                <a:cxn ang="0">
+                  <a:pos x="connsiteX51" y="connsiteY51"/>
+                </a:cxn>
+                <a:cxn ang="0">
+                  <a:pos x="connsiteX52" y="connsiteY52"/>
+                </a:cxn>
+                <a:cxn ang="0">
+                  <a:pos x="connsiteX53" y="connsiteY53"/>
+                </a:cxn>
+                <a:cxn ang="0">
+                  <a:pos x="connsiteX54" y="connsiteY54"/>
+                </a:cxn>
+                <a:cxn ang="0">
+                  <a:pos x="connsiteX55" y="connsiteY55"/>
+                </a:cxn>
+                <a:cxn ang="0">
+                  <a:pos x="connsiteX56" y="connsiteY56"/>
+                </a:cxn>
+                <a:cxn ang="0">
+                  <a:pos x="connsiteX57" y="connsiteY57"/>
+                </a:cxn>
+              </a:cxnLst>
+              <a:rect l="l" t="t" r="r" b="b"/>
+              <a:pathLst>
+                <a:path w="6028697" h="6817170">
+                  <a:moveTo>
+                    <a:pt x="6028697" y="6155323"/>
+                  </a:moveTo>
+                  <a:lnTo>
+                    <a:pt x="6028697" y="6817170"/>
+                  </a:lnTo>
+                  <a:lnTo>
+                    <a:pt x="5157862" y="6817170"/>
+                  </a:lnTo>
+                  <a:lnTo>
+                    <a:pt x="5347156" y="6687553"/>
+                  </a:lnTo>
+                  <a:cubicBezTo>
+                    <a:pt x="5394117" y="6653219"/>
+                    <a:pt x="5440793" y="6617608"/>
+                    <a:pt x="5487470" y="6581714"/>
+                  </a:cubicBezTo>
+                  <a:cubicBezTo>
+                    <a:pt x="5534147" y="6545820"/>
+                    <a:pt x="5580966" y="6509358"/>
+                    <a:pt x="5627642" y="6472328"/>
+                  </a:cubicBezTo>
+                  <a:lnTo>
+                    <a:pt x="5911392" y="6245328"/>
+                  </a:lnTo>
+                  <a:close/>
+                  <a:moveTo>
+                    <a:pt x="4481066" y="478"/>
+                  </a:moveTo>
+                  <a:cubicBezTo>
+                    <a:pt x="4544817" y="1422"/>
+                    <a:pt x="4608563" y="3769"/>
+                    <a:pt x="4672258" y="7519"/>
+                  </a:cubicBezTo>
+                  <a:cubicBezTo>
+                    <a:pt x="4927973" y="22364"/>
+                    <a:pt x="5181687" y="61751"/>
+                    <a:pt x="5429869" y="125134"/>
+                  </a:cubicBezTo>
+                  <a:cubicBezTo>
+                    <a:pt x="5617090" y="173104"/>
+                    <a:pt x="5799867" y="236595"/>
+                    <a:pt x="5976319" y="314893"/>
+                  </a:cubicBezTo>
+                  <a:lnTo>
+                    <a:pt x="6028697" y="339901"/>
+                  </a:lnTo>
+                  <a:lnTo>
+                    <a:pt x="6028697" y="732458"/>
+                  </a:lnTo>
+                  <a:lnTo>
+                    <a:pt x="5990985" y="712211"/>
+                  </a:lnTo>
+                  <a:cubicBezTo>
+                    <a:pt x="5783917" y="609342"/>
+                    <a:pt x="5566013" y="529876"/>
+                    <a:pt x="5341339" y="475281"/>
+                  </a:cubicBezTo>
+                  <a:cubicBezTo>
+                    <a:pt x="5115233" y="420503"/>
+                    <a:pt x="4884375" y="387624"/>
+                    <a:pt x="4651969" y="377104"/>
+                  </a:cubicBezTo>
+                  <a:cubicBezTo>
+                    <a:pt x="4418713" y="365171"/>
+                    <a:pt x="4184861" y="373670"/>
+                    <a:pt x="3953093" y="402498"/>
+                  </a:cubicBezTo>
+                  <a:cubicBezTo>
+                    <a:pt x="3721001" y="431832"/>
+                    <a:pt x="3491675" y="480040"/>
+                    <a:pt x="3267413" y="546643"/>
+                  </a:cubicBezTo>
+                  <a:cubicBezTo>
+                    <a:pt x="2591323" y="750761"/>
+                    <a:pt x="1967642" y="1099289"/>
+                    <a:pt x="1439498" y="1568141"/>
+                  </a:cubicBezTo>
+                  <a:cubicBezTo>
+                    <a:pt x="1265589" y="1725523"/>
+                    <a:pt x="1105393" y="1897434"/>
+                    <a:pt x="960671" y="2082013"/>
+                  </a:cubicBezTo>
+                  <a:cubicBezTo>
+                    <a:pt x="815775" y="2266294"/>
+                    <a:pt x="688923" y="2464081"/>
+                    <a:pt x="581866" y="2672638"/>
+                  </a:cubicBezTo>
+                  <a:cubicBezTo>
+                    <a:pt x="473765" y="2880669"/>
+                    <a:pt x="387610" y="3099397"/>
+                    <a:pt x="324789" y="3325262"/>
+                  </a:cubicBezTo>
+                  <a:cubicBezTo>
+                    <a:pt x="262714" y="3552403"/>
+                    <a:pt x="231223" y="3786822"/>
+                    <a:pt x="231151" y="4022292"/>
+                  </a:cubicBezTo>
+                  <a:cubicBezTo>
+                    <a:pt x="231413" y="4136912"/>
+                    <a:pt x="244645" y="4251136"/>
+                    <a:pt x="270592" y="4362792"/>
+                  </a:cubicBezTo>
+                  <a:cubicBezTo>
+                    <a:pt x="297885" y="4472943"/>
+                    <a:pt x="336983" y="4579833"/>
+                    <a:pt x="387213" y="4681585"/>
+                  </a:cubicBezTo>
+                  <a:cubicBezTo>
+                    <a:pt x="412042" y="4732517"/>
+                    <a:pt x="439423" y="4782457"/>
+                    <a:pt x="468507" y="4831546"/>
+                  </a:cubicBezTo>
+                  <a:cubicBezTo>
+                    <a:pt x="497591" y="4880636"/>
+                    <a:pt x="529230" y="4929015"/>
+                    <a:pt x="561862" y="4976826"/>
+                  </a:cubicBezTo>
+                  <a:cubicBezTo>
+                    <a:pt x="627975" y="5072166"/>
+                    <a:pt x="701466" y="5164668"/>
+                    <a:pt x="777511" y="5257597"/>
+                  </a:cubicBezTo>
+                  <a:cubicBezTo>
+                    <a:pt x="853556" y="5350524"/>
+                    <a:pt x="933574" y="5443594"/>
+                    <a:pt x="1010895" y="5540494"/>
+                  </a:cubicBezTo>
+                  <a:cubicBezTo>
+                    <a:pt x="1049957" y="5588732"/>
+                    <a:pt x="1088642" y="5637963"/>
+                    <a:pt x="1126948" y="5688186"/>
+                  </a:cubicBezTo>
+                  <a:lnTo>
+                    <a:pt x="1182706" y="5760543"/>
+                  </a:lnTo>
+                  <a:cubicBezTo>
+                    <a:pt x="1201007" y="5783669"/>
+                    <a:pt x="1218458" y="5807503"/>
+                    <a:pt x="1237327" y="5830060"/>
+                  </a:cubicBezTo>
+                  <a:cubicBezTo>
+                    <a:pt x="1383714" y="6009916"/>
+                    <a:pt x="1540413" y="6181116"/>
+                    <a:pt x="1706649" y="6342797"/>
+                  </a:cubicBezTo>
+                  <a:cubicBezTo>
+                    <a:pt x="1788084" y="6422531"/>
+                    <a:pt x="1871265" y="6499427"/>
+                    <a:pt x="1956207" y="6573484"/>
+                  </a:cubicBezTo>
+                  <a:cubicBezTo>
+                    <a:pt x="2041332" y="6647402"/>
+                    <a:pt x="2127733" y="6718907"/>
+                    <a:pt x="2217681" y="6786297"/>
+                  </a:cubicBezTo>
+                  <a:lnTo>
+                    <a:pt x="2260820" y="6817170"/>
+                  </a:lnTo>
+                  <a:lnTo>
+                    <a:pt x="1429497" y="6817170"/>
+                  </a:lnTo>
+                  <a:lnTo>
+                    <a:pt x="1327275" y="6713800"/>
+                  </a:lnTo>
+                  <a:cubicBezTo>
+                    <a:pt x="1239186" y="6618984"/>
+                    <a:pt x="1156797" y="6519019"/>
+                    <a:pt x="1080556" y="6414443"/>
+                  </a:cubicBezTo>
+                  <a:cubicBezTo>
+                    <a:pt x="1004653" y="6310734"/>
+                    <a:pt x="932439" y="6205177"/>
+                    <a:pt x="865189" y="6097496"/>
+                  </a:cubicBezTo>
+                  <a:cubicBezTo>
+                    <a:pt x="847881" y="6070823"/>
+                    <a:pt x="831565" y="6043725"/>
+                    <a:pt x="814823" y="6016911"/>
+                  </a:cubicBezTo>
+                  <a:lnTo>
+                    <a:pt x="766729" y="5938453"/>
+                  </a:lnTo>
+                  <a:cubicBezTo>
+                    <a:pt x="735941" y="5887947"/>
+                    <a:pt x="703878" y="5837581"/>
+                    <a:pt x="671672" y="5786648"/>
+                  </a:cubicBezTo>
+                  <a:lnTo>
+                    <a:pt x="474608" y="5474664"/>
+                  </a:lnTo>
+                  <a:cubicBezTo>
+                    <a:pt x="408778" y="5368968"/>
+                    <a:pt x="343516" y="5260008"/>
+                    <a:pt x="282652" y="5146508"/>
+                  </a:cubicBezTo>
+                  <a:cubicBezTo>
+                    <a:pt x="252290" y="5089759"/>
+                    <a:pt x="223065" y="5032015"/>
+                    <a:pt x="196108" y="4972712"/>
+                  </a:cubicBezTo>
+                  <a:cubicBezTo>
+                    <a:pt x="169152" y="4913408"/>
+                    <a:pt x="144607" y="4853111"/>
+                    <a:pt x="122474" y="4791821"/>
+                  </a:cubicBezTo>
+                  <a:cubicBezTo>
+                    <a:pt x="100342" y="4730532"/>
+                    <a:pt x="81757" y="4666830"/>
+                    <a:pt x="65724" y="4603129"/>
+                  </a:cubicBezTo>
+                  <a:cubicBezTo>
+                    <a:pt x="58205" y="4571064"/>
+                    <a:pt x="50828" y="4539143"/>
+                    <a:pt x="44727" y="4506937"/>
+                  </a:cubicBezTo>
+                  <a:lnTo>
+                    <a:pt x="35505" y="4458699"/>
+                  </a:lnTo>
+                  <a:lnTo>
+                    <a:pt x="27845" y="4410320"/>
+                  </a:lnTo>
+                  <a:cubicBezTo>
+                    <a:pt x="8635" y="4281881"/>
+                    <a:pt x="-661" y="4152150"/>
+                    <a:pt x="37" y="4022292"/>
+                  </a:cubicBezTo>
+                  <a:cubicBezTo>
+                    <a:pt x="712" y="3768592"/>
+                    <a:pt x="27094" y="3515615"/>
+                    <a:pt x="78777" y="3267236"/>
+                  </a:cubicBezTo>
+                  <a:cubicBezTo>
+                    <a:pt x="130048" y="3017876"/>
+                    <a:pt x="209439" y="2775142"/>
+                    <a:pt x="315424" y="2543673"/>
+                  </a:cubicBezTo>
+                  <a:cubicBezTo>
+                    <a:pt x="528236" y="2081161"/>
+                    <a:pt x="838234" y="1667312"/>
+                    <a:pt x="1202710" y="1314895"/>
+                  </a:cubicBezTo>
+                  <a:cubicBezTo>
+                    <a:pt x="1385514" y="1138814"/>
+                    <a:pt x="1582282" y="977831"/>
+                    <a:pt x="1791065" y="833514"/>
+                  </a:cubicBezTo>
+                  <a:cubicBezTo>
+                    <a:pt x="2420037" y="395614"/>
+                    <a:pt x="3147288" y="119557"/>
+                    <a:pt x="3908404" y="29794"/>
+                  </a:cubicBezTo>
+                  <a:cubicBezTo>
+                    <a:pt x="4098509" y="7429"/>
+                    <a:pt x="4289811" y="-2355"/>
+                    <a:pt x="4481066" y="478"/>
+                  </a:cubicBezTo>
+                  <a:close/>
+                </a:path>
+              </a:pathLst>
+            </a:custGeom>
+            <a:gradFill>
+              <a:gsLst>
+                <a:gs pos="2000">
+                  <a:schemeClr val="bg1">
+                    <a:alpha val="10000"/>
+                  </a:schemeClr>
+                </a:gs>
+                <a:gs pos="16000">
+                  <a:schemeClr val="accent6">
+                    <a:alpha val="10000"/>
+                  </a:schemeClr>
+                </a:gs>
+                <a:gs pos="100000">
+                  <a:schemeClr val="bg1">
+                    <a:alpha val="10000"/>
+                  </a:schemeClr>
+                </a:gs>
+                <a:gs pos="85000">
+                  <a:schemeClr val="accent1">
+                    <a:alpha val="10000"/>
+                  </a:schemeClr>
+                </a:gs>
+              </a:gsLst>
+              <a:lin ang="12000000" scaled="0"/>
+            </a:gradFill>
+            <a:ln>
+              <a:noFill/>
+            </a:ln>
+          </p:spPr>
+          <p:style>
+            <a:lnRef idx="2">
+              <a:schemeClr val="accent1">
+                <a:shade val="50000"/>
+              </a:schemeClr>
+            </a:lnRef>
+            <a:fillRef idx="1">
+              <a:schemeClr val="accent1"/>
+            </a:fillRef>
+            <a:effectRef idx="0">
+              <a:schemeClr val="accent1"/>
+            </a:effectRef>
+            <a:fontRef idx="minor">
+              <a:schemeClr val="lt1"/>
+            </a:fontRef>
+          </p:style>
+          <p:txBody>
+            <a:bodyPr rtlCol="0" anchor="ctr"/>
+            <a:lstStyle/>
+            <a:p>
+              <a:pPr algn="ctr"/>
+              <a:endParaRPr lang="en-US" dirty="0"/>
+            </a:p>
+          </p:txBody>
+        </p:sp>
+        <p:sp>
+          <p:nvSpPr>
+            <p:cNvPr id="59" name="Freeform: Shape 58">
+              <a:extLst>
+                <a:ext uri="{FF2B5EF4-FFF2-40B4-BE49-F238E27FC236}">
+                  <a16:creationId xmlns:a16="http://schemas.microsoft.com/office/drawing/2014/main" id="{C72F6EE6-EDE9-45A5-8F6D-02B9B7CB2C2F}"/>
+                </a:ext>
+                <a:ext uri="{C183D7F6-B498-43B3-948B-1728B52AA6E4}">
+                  <adec:decorative xmlns:adec="http://schemas.microsoft.com/office/drawing/2017/decorative" val="1"/>
+                </a:ext>
+              </a:extLst>
+            </p:cNvPr>
+            <p:cNvSpPr/>
+            <p:nvPr>
+              <p:extLst>
+                <p:ext uri="{386F3935-93C4-4BCD-93E2-E3B085C9AB24}">
+                  <p16:designElem xmlns:p16="http://schemas.microsoft.com/office/powerpoint/2015/main" val="1"/>
+                </p:ext>
+              </p:extLst>
+            </p:nvPr>
+          </p:nvSpPr>
+          <p:spPr>
+            <a:xfrm flipH="1">
+              <a:off x="305" y="1"/>
+              <a:ext cx="6165116" cy="6858001"/>
+            </a:xfrm>
+            <a:custGeom>
+              <a:avLst/>
+              <a:gdLst>
+                <a:gd name="connsiteX0" fmla="*/ 6264586 w 6264586"/>
+                <a:gd name="connsiteY0" fmla="*/ 6646464 h 6858001"/>
+                <a:gd name="connsiteX1" fmla="*/ 6264586 w 6264586"/>
+                <a:gd name="connsiteY1" fmla="*/ 6858001 h 6858001"/>
+                <a:gd name="connsiteX2" fmla="*/ 5997170 w 6264586"/>
+                <a:gd name="connsiteY2" fmla="*/ 6858001 h 6858001"/>
+                <a:gd name="connsiteX3" fmla="*/ 6121512 w 6264586"/>
+                <a:gd name="connsiteY3" fmla="*/ 6761029 h 6858001"/>
+                <a:gd name="connsiteX4" fmla="*/ 2693206 w 6264586"/>
+                <a:gd name="connsiteY4" fmla="*/ 0 h 6858001"/>
+                <a:gd name="connsiteX5" fmla="*/ 5872285 w 6264586"/>
+                <a:gd name="connsiteY5" fmla="*/ 0 h 6858001"/>
+                <a:gd name="connsiteX6" fmla="*/ 6024875 w 6264586"/>
+                <a:gd name="connsiteY6" fmla="*/ 68385 h 6858001"/>
+                <a:gd name="connsiteX7" fmla="*/ 6206432 w 6264586"/>
+                <a:gd name="connsiteY7" fmla="*/ 162336 h 6858001"/>
+                <a:gd name="connsiteX8" fmla="*/ 6264586 w 6264586"/>
+                <a:gd name="connsiteY8" fmla="*/ 196704 h 6858001"/>
+                <a:gd name="connsiteX9" fmla="*/ 6264586 w 6264586"/>
+                <a:gd name="connsiteY9" fmla="*/ 537242 h 6858001"/>
+                <a:gd name="connsiteX10" fmla="*/ 6230189 w 6264586"/>
+                <a:gd name="connsiteY10" fmla="*/ 517260 h 6858001"/>
+                <a:gd name="connsiteX11" fmla="*/ 5540536 w 6264586"/>
+                <a:gd name="connsiteY11" fmla="*/ 249543 h 6858001"/>
+                <a:gd name="connsiteX12" fmla="*/ 5178896 w 6264586"/>
+                <a:gd name="connsiteY12" fmla="*/ 178606 h 6858001"/>
+                <a:gd name="connsiteX13" fmla="*/ 4814279 w 6264586"/>
+                <a:gd name="connsiteY13" fmla="*/ 146683 h 6858001"/>
+                <a:gd name="connsiteX14" fmla="*/ 4655095 w 6264586"/>
+                <a:gd name="connsiteY14" fmla="*/ 143421 h 6858001"/>
+                <a:gd name="connsiteX15" fmla="*/ 4081069 w 6264586"/>
+                <a:gd name="connsiteY15" fmla="*/ 185983 h 6858001"/>
+                <a:gd name="connsiteX16" fmla="*/ 3720566 w 6264586"/>
+                <a:gd name="connsiteY16" fmla="*/ 256921 h 6858001"/>
+                <a:gd name="connsiteX17" fmla="*/ 3365879 w 6264586"/>
+                <a:gd name="connsiteY17" fmla="*/ 357651 h 6858001"/>
+                <a:gd name="connsiteX18" fmla="*/ 3020555 w 6264586"/>
+                <a:gd name="connsiteY18" fmla="*/ 486190 h 6858001"/>
+                <a:gd name="connsiteX19" fmla="*/ 2685163 w 6264586"/>
+                <a:gd name="connsiteY19" fmla="*/ 641542 h 6858001"/>
+                <a:gd name="connsiteX20" fmla="*/ 2047720 w 6264586"/>
+                <a:gd name="connsiteY20" fmla="*/ 1025030 h 6858001"/>
+                <a:gd name="connsiteX21" fmla="*/ 1897333 w 6264586"/>
+                <a:gd name="connsiteY21" fmla="*/ 1134983 h 6858001"/>
+                <a:gd name="connsiteX22" fmla="*/ 1835758 w 6264586"/>
+                <a:gd name="connsiteY22" fmla="*/ 1182227 h 6858001"/>
+                <a:gd name="connsiteX23" fmla="*/ 1823273 w 6264586"/>
+                <a:gd name="connsiteY23" fmla="*/ 1192016 h 6858001"/>
+                <a:gd name="connsiteX24" fmla="*/ 1750918 w 6264586"/>
+                <a:gd name="connsiteY24" fmla="*/ 1249760 h 6858001"/>
+                <a:gd name="connsiteX25" fmla="*/ 1469297 w 6264586"/>
+                <a:gd name="connsiteY25" fmla="*/ 1496906 h 6858001"/>
+                <a:gd name="connsiteX26" fmla="*/ 967769 w 6264586"/>
+                <a:gd name="connsiteY26" fmla="*/ 2056602 h 6858001"/>
+                <a:gd name="connsiteX27" fmla="*/ 754105 w 6264586"/>
+                <a:gd name="connsiteY27" fmla="*/ 2368727 h 6858001"/>
+                <a:gd name="connsiteX28" fmla="*/ 572364 w 6264586"/>
+                <a:gd name="connsiteY28" fmla="*/ 2701140 h 6858001"/>
+                <a:gd name="connsiteX29" fmla="*/ 532497 w 6264586"/>
+                <a:gd name="connsiteY29" fmla="*/ 2786265 h 6858001"/>
+                <a:gd name="connsiteX30" fmla="*/ 512918 w 6264586"/>
+                <a:gd name="connsiteY30" fmla="*/ 2828827 h 6858001"/>
+                <a:gd name="connsiteX31" fmla="*/ 494475 w 6264586"/>
+                <a:gd name="connsiteY31" fmla="*/ 2872240 h 6858001"/>
+                <a:gd name="connsiteX32" fmla="*/ 491637 w 6264586"/>
+                <a:gd name="connsiteY32" fmla="*/ 2878908 h 6858001"/>
+                <a:gd name="connsiteX33" fmla="*/ 459290 w 6264586"/>
+                <a:gd name="connsiteY33" fmla="*/ 2959635 h 6858001"/>
+                <a:gd name="connsiteX34" fmla="*/ 446805 w 6264586"/>
+                <a:gd name="connsiteY34" fmla="*/ 2992408 h 6858001"/>
+                <a:gd name="connsiteX35" fmla="*/ 426090 w 6264586"/>
+                <a:gd name="connsiteY35" fmla="*/ 3049158 h 6858001"/>
+                <a:gd name="connsiteX36" fmla="*/ 426090 w 6264586"/>
+                <a:gd name="connsiteY36" fmla="*/ 3049867 h 6858001"/>
+                <a:gd name="connsiteX37" fmla="*/ 318124 w 6264586"/>
+                <a:gd name="connsiteY37" fmla="*/ 3414202 h 6858001"/>
+                <a:gd name="connsiteX38" fmla="*/ 230729 w 6264586"/>
+                <a:gd name="connsiteY38" fmla="*/ 4169260 h 6858001"/>
+                <a:gd name="connsiteX39" fmla="*/ 268893 w 6264586"/>
+                <a:gd name="connsiteY39" fmla="*/ 4544236 h 6858001"/>
+                <a:gd name="connsiteX40" fmla="*/ 379840 w 6264586"/>
+                <a:gd name="connsiteY40" fmla="*/ 4900056 h 6858001"/>
+                <a:gd name="connsiteX41" fmla="*/ 406512 w 6264586"/>
+                <a:gd name="connsiteY41" fmla="*/ 4960211 h 6858001"/>
+                <a:gd name="connsiteX42" fmla="*/ 417862 w 6264586"/>
+                <a:gd name="connsiteY42" fmla="*/ 4984613 h 6858001"/>
+                <a:gd name="connsiteX43" fmla="*/ 428077 w 6264586"/>
+                <a:gd name="connsiteY43" fmla="*/ 5005043 h 6858001"/>
+                <a:gd name="connsiteX44" fmla="*/ 460140 w 6264586"/>
+                <a:gd name="connsiteY44" fmla="*/ 5067327 h 6858001"/>
+                <a:gd name="connsiteX45" fmla="*/ 555197 w 6264586"/>
+                <a:gd name="connsiteY45" fmla="*/ 5229773 h 6858001"/>
+                <a:gd name="connsiteX46" fmla="*/ 660611 w 6264586"/>
+                <a:gd name="connsiteY46" fmla="*/ 5387396 h 6858001"/>
+                <a:gd name="connsiteX47" fmla="*/ 774110 w 6264586"/>
+                <a:gd name="connsiteY47" fmla="*/ 5542182 h 6858001"/>
+                <a:gd name="connsiteX48" fmla="*/ 917829 w 6264586"/>
+                <a:gd name="connsiteY48" fmla="*/ 5727896 h 6858001"/>
+                <a:gd name="connsiteX49" fmla="*/ 1012885 w 6264586"/>
+                <a:gd name="connsiteY49" fmla="*/ 5849767 h 6858001"/>
+                <a:gd name="connsiteX50" fmla="*/ 1133053 w 6264586"/>
+                <a:gd name="connsiteY50" fmla="*/ 6006822 h 6858001"/>
+                <a:gd name="connsiteX51" fmla="*/ 1194343 w 6264586"/>
+                <a:gd name="connsiteY51" fmla="*/ 6090245 h 6858001"/>
+                <a:gd name="connsiteX52" fmla="*/ 1249390 w 6264586"/>
+                <a:gd name="connsiteY52" fmla="*/ 6165155 h 6858001"/>
+                <a:gd name="connsiteX53" fmla="*/ 1345724 w 6264586"/>
+                <a:gd name="connsiteY53" fmla="*/ 6292132 h 6858001"/>
+                <a:gd name="connsiteX54" fmla="*/ 1364310 w 6264586"/>
+                <a:gd name="connsiteY54" fmla="*/ 6316251 h 6858001"/>
+                <a:gd name="connsiteX55" fmla="*/ 1373673 w 6264586"/>
+                <a:gd name="connsiteY55" fmla="*/ 6327885 h 6858001"/>
+                <a:gd name="connsiteX56" fmla="*/ 1484619 w 6264586"/>
+                <a:gd name="connsiteY56" fmla="*/ 6462240 h 6858001"/>
+                <a:gd name="connsiteX57" fmla="*/ 1739000 w 6264586"/>
+                <a:gd name="connsiteY57" fmla="*/ 6737335 h 6858001"/>
+                <a:gd name="connsiteX58" fmla="*/ 1866801 w 6264586"/>
+                <a:gd name="connsiteY58" fmla="*/ 6858001 h 6858001"/>
+                <a:gd name="connsiteX59" fmla="*/ 1144149 w 6264586"/>
+                <a:gd name="connsiteY59" fmla="*/ 6858001 h 6858001"/>
+                <a:gd name="connsiteX60" fmla="*/ 1058349 w 6264586"/>
+                <a:gd name="connsiteY60" fmla="*/ 6766452 h 6858001"/>
+                <a:gd name="connsiteX61" fmla="*/ 580309 w 6264586"/>
+                <a:gd name="connsiteY61" fmla="*/ 6105000 h 6858001"/>
+                <a:gd name="connsiteX62" fmla="*/ 1 w 6264586"/>
+                <a:gd name="connsiteY62" fmla="*/ 3960094 h 6858001"/>
+                <a:gd name="connsiteX63" fmla="*/ 2599292 w 6264586"/>
+                <a:gd name="connsiteY63" fmla="*/ 37050 h 6858001"/>
+              </a:gdLst>
+              <a:ahLst/>
+              <a:cxnLst>
+                <a:cxn ang="0">
+                  <a:pos x="connsiteX0" y="connsiteY0"/>
+                </a:cxn>
+                <a:cxn ang="0">
+                  <a:pos x="connsiteX1" y="connsiteY1"/>
+                </a:cxn>
+                <a:cxn ang="0">
+                  <a:pos x="connsiteX2" y="connsiteY2"/>
+                </a:cxn>
+                <a:cxn ang="0">
+                  <a:pos x="connsiteX3" y="connsiteY3"/>
+                </a:cxn>
+                <a:cxn ang="0">
+                  <a:pos x="connsiteX4" y="connsiteY4"/>
+                </a:cxn>
+                <a:cxn ang="0">
+                  <a:pos x="connsiteX5" y="connsiteY5"/>
+                </a:cxn>
+                <a:cxn ang="0">
+                  <a:pos x="connsiteX6" y="connsiteY6"/>
+                </a:cxn>
+                <a:cxn ang="0">
+                  <a:pos x="connsiteX7" y="connsiteY7"/>
+                </a:cxn>
+                <a:cxn ang="0">
+                  <a:pos x="connsiteX8" y="connsiteY8"/>
+                </a:cxn>
+                <a:cxn ang="0">
+                  <a:pos x="connsiteX9" y="connsiteY9"/>
+                </a:cxn>
+                <a:cxn ang="0">
+                  <a:pos x="connsiteX10" y="connsiteY10"/>
+                </a:cxn>
+                <a:cxn ang="0">
+                  <a:pos x="connsiteX11" y="connsiteY11"/>
+                </a:cxn>
+                <a:cxn ang="0">
+                  <a:pos x="connsiteX12" y="connsiteY12"/>
+                </a:cxn>
+                <a:cxn ang="0">
+                  <a:pos x="connsiteX13" y="connsiteY13"/>
+                </a:cxn>
+                <a:cxn ang="0">
+                  <a:pos x="connsiteX14" y="connsiteY14"/>
+                </a:cxn>
+                <a:cxn ang="0">
+                  <a:pos x="connsiteX15" y="connsiteY15"/>
+                </a:cxn>
+                <a:cxn ang="0">
+                  <a:pos x="connsiteX16" y="connsiteY16"/>
+                </a:cxn>
+                <a:cxn ang="0">
+                  <a:pos x="connsiteX17" y="connsiteY17"/>
+                </a:cxn>
+                <a:cxn ang="0">
+                  <a:pos x="connsiteX18" y="connsiteY18"/>
+                </a:cxn>
+                <a:cxn ang="0">
+                  <a:pos x="connsiteX19" y="connsiteY19"/>
+                </a:cxn>
+                <a:cxn ang="0">
+                  <a:pos x="connsiteX20" y="connsiteY20"/>
+                </a:cxn>
+                <a:cxn ang="0">
+                  <a:pos x="connsiteX21" y="connsiteY21"/>
+                </a:cxn>
+                <a:cxn ang="0">
+                  <a:pos x="connsiteX22" y="connsiteY22"/>
+                </a:cxn>
+                <a:cxn ang="0">
+                  <a:pos x="connsiteX23" y="connsiteY23"/>
+                </a:cxn>
+                <a:cxn ang="0">
+                  <a:pos x="connsiteX24" y="connsiteY24"/>
+                </a:cxn>
+                <a:cxn ang="0">
+                  <a:pos x="connsiteX25" y="connsiteY25"/>
+                </a:cxn>
+                <a:cxn ang="0">
+                  <a:pos x="connsiteX26" y="connsiteY26"/>
+                </a:cxn>
+                <a:cxn ang="0">
+                  <a:pos x="connsiteX27" y="connsiteY27"/>
+                </a:cxn>
+                <a:cxn ang="0">
+                  <a:pos x="connsiteX28" y="connsiteY28"/>
+                </a:cxn>
+                <a:cxn ang="0">
+                  <a:pos x="connsiteX29" y="connsiteY29"/>
+                </a:cxn>
+                <a:cxn ang="0">
+                  <a:pos x="connsiteX30" y="connsiteY30"/>
+                </a:cxn>
+                <a:cxn ang="0">
+                  <a:pos x="connsiteX31" y="connsiteY31"/>
+                </a:cxn>
+                <a:cxn ang="0">
+                  <a:pos x="connsiteX32" y="connsiteY32"/>
+                </a:cxn>
+                <a:cxn ang="0">
+                  <a:pos x="connsiteX33" y="connsiteY33"/>
+                </a:cxn>
+                <a:cxn ang="0">
+                  <a:pos x="connsiteX34" y="connsiteY34"/>
+                </a:cxn>
+                <a:cxn ang="0">
+                  <a:pos x="connsiteX35" y="connsiteY35"/>
+                </a:cxn>
+                <a:cxn ang="0">
+                  <a:pos x="connsiteX36" y="connsiteY36"/>
+                </a:cxn>
+                <a:cxn ang="0">
+                  <a:pos x="connsiteX37" y="connsiteY37"/>
+                </a:cxn>
+                <a:cxn ang="0">
+                  <a:pos x="connsiteX38" y="connsiteY38"/>
+                </a:cxn>
+                <a:cxn ang="0">
+                  <a:pos x="connsiteX39" y="connsiteY39"/>
+                </a:cxn>
+                <a:cxn ang="0">
+                  <a:pos x="connsiteX40" y="connsiteY40"/>
+                </a:cxn>
+                <a:cxn ang="0">
+                  <a:pos x="connsiteX41" y="connsiteY41"/>
+                </a:cxn>
+                <a:cxn ang="0">
+                  <a:pos x="connsiteX42" y="connsiteY42"/>
+                </a:cxn>
+                <a:cxn ang="0">
+                  <a:pos x="connsiteX43" y="connsiteY43"/>
+                </a:cxn>
+                <a:cxn ang="0">
+                  <a:pos x="connsiteX44" y="connsiteY44"/>
+                </a:cxn>
+                <a:cxn ang="0">
+                  <a:pos x="connsiteX45" y="connsiteY45"/>
+                </a:cxn>
+                <a:cxn ang="0">
+                  <a:pos x="connsiteX46" y="connsiteY46"/>
+                </a:cxn>
+                <a:cxn ang="0">
+                  <a:pos x="connsiteX47" y="connsiteY47"/>
+                </a:cxn>
+                <a:cxn ang="0">
+                  <a:pos x="connsiteX48" y="connsiteY48"/>
+                </a:cxn>
+                <a:cxn ang="0">
+                  <a:pos x="connsiteX49" y="connsiteY49"/>
+                </a:cxn>
+                <a:cxn ang="0">
+                  <a:pos x="connsiteX50" y="connsiteY50"/>
+                </a:cxn>
+                <a:cxn ang="0">
+                  <a:pos x="connsiteX51" y="connsiteY51"/>
+                </a:cxn>
+                <a:cxn ang="0">
+                  <a:pos x="connsiteX52" y="connsiteY52"/>
+                </a:cxn>
+                <a:cxn ang="0">
+                  <a:pos x="connsiteX53" y="connsiteY53"/>
+                </a:cxn>
+                <a:cxn ang="0">
+                  <a:pos x="connsiteX54" y="connsiteY54"/>
+                </a:cxn>
+                <a:cxn ang="0">
+                  <a:pos x="connsiteX55" y="connsiteY55"/>
+                </a:cxn>
+                <a:cxn ang="0">
+                  <a:pos x="connsiteX56" y="connsiteY56"/>
+                </a:cxn>
+                <a:cxn ang="0">
+                  <a:pos x="connsiteX57" y="connsiteY57"/>
+                </a:cxn>
+                <a:cxn ang="0">
+                  <a:pos x="connsiteX58" y="connsiteY58"/>
+                </a:cxn>
+                <a:cxn ang="0">
+                  <a:pos x="connsiteX59" y="connsiteY59"/>
+                </a:cxn>
+                <a:cxn ang="0">
+                  <a:pos x="connsiteX60" y="connsiteY60"/>
+                </a:cxn>
+                <a:cxn ang="0">
+                  <a:pos x="connsiteX61" y="connsiteY61"/>
+                </a:cxn>
+                <a:cxn ang="0">
+                  <a:pos x="connsiteX62" y="connsiteY62"/>
+                </a:cxn>
+                <a:cxn ang="0">
+                  <a:pos x="connsiteX63" y="connsiteY63"/>
+                </a:cxn>
+              </a:cxnLst>
+              <a:rect l="l" t="t" r="r" b="b"/>
+              <a:pathLst>
+                <a:path w="6264586" h="6858001">
+                  <a:moveTo>
+                    <a:pt x="6264586" y="6646464"/>
+                  </a:moveTo>
+                  <a:lnTo>
+                    <a:pt x="6264586" y="6858001"/>
+                  </a:lnTo>
+                  <a:lnTo>
+                    <a:pt x="5997170" y="6858001"/>
+                  </a:lnTo>
+                  <a:lnTo>
+                    <a:pt x="6121512" y="6761029"/>
+                  </a:lnTo>
+                  <a:close/>
+                  <a:moveTo>
+                    <a:pt x="2693206" y="0"/>
+                  </a:moveTo>
+                  <a:lnTo>
+                    <a:pt x="5872285" y="0"/>
+                  </a:lnTo>
+                  <a:lnTo>
+                    <a:pt x="6024875" y="68385"/>
+                  </a:lnTo>
+                  <a:cubicBezTo>
+                    <a:pt x="6086250" y="97989"/>
+                    <a:pt x="6146793" y="129318"/>
+                    <a:pt x="6206432" y="162336"/>
+                  </a:cubicBezTo>
+                  <a:lnTo>
+                    <a:pt x="6264586" y="196704"/>
+                  </a:lnTo>
+                  <a:lnTo>
+                    <a:pt x="6264586" y="537242"/>
+                  </a:lnTo>
+                  <a:lnTo>
+                    <a:pt x="6230189" y="517260"/>
+                  </a:lnTo>
+                  <a:cubicBezTo>
+                    <a:pt x="6012226" y="399931"/>
+                    <a:pt x="5780573" y="310008"/>
+                    <a:pt x="5540536" y="249543"/>
+                  </a:cubicBezTo>
+                  <a:cubicBezTo>
+                    <a:pt x="5421375" y="219324"/>
+                    <a:pt x="5300641" y="195644"/>
+                    <a:pt x="5178896" y="178606"/>
+                  </a:cubicBezTo>
+                  <a:cubicBezTo>
+                    <a:pt x="5057977" y="161840"/>
+                    <a:pt x="4936276" y="151186"/>
+                    <a:pt x="4814279" y="146683"/>
+                  </a:cubicBezTo>
+                  <a:cubicBezTo>
+                    <a:pt x="4761501" y="144556"/>
+                    <a:pt x="4708015" y="143421"/>
+                    <a:pt x="4655095" y="143421"/>
+                  </a:cubicBezTo>
+                  <a:cubicBezTo>
+                    <a:pt x="4462968" y="143573"/>
+                    <a:pt x="4271111" y="157799"/>
+                    <a:pt x="4081069" y="185983"/>
+                  </a:cubicBezTo>
+                  <a:cubicBezTo>
+                    <a:pt x="3956361" y="205703"/>
+                    <a:pt x="3835058" y="229396"/>
+                    <a:pt x="3720566" y="256921"/>
+                  </a:cubicBezTo>
+                  <a:cubicBezTo>
+                    <a:pt x="3596708" y="286714"/>
+                    <a:pt x="3477677" y="320905"/>
+                    <a:pt x="3365879" y="357651"/>
+                  </a:cubicBezTo>
+                  <a:cubicBezTo>
+                    <a:pt x="3249257" y="395958"/>
+                    <a:pt x="3133487" y="438945"/>
+                    <a:pt x="3020555" y="486190"/>
+                  </a:cubicBezTo>
+                  <a:cubicBezTo>
+                    <a:pt x="2907623" y="533434"/>
+                    <a:pt x="2794832" y="585786"/>
+                    <a:pt x="2685163" y="641542"/>
+                  </a:cubicBezTo>
+                  <a:cubicBezTo>
+                    <a:pt x="2463995" y="754348"/>
+                    <a:pt x="2250998" y="882488"/>
+                    <a:pt x="2047720" y="1025030"/>
+                  </a:cubicBezTo>
+                  <a:cubicBezTo>
+                    <a:pt x="2006151" y="1054399"/>
+                    <a:pt x="1951528" y="1093415"/>
+                    <a:pt x="1897333" y="1134983"/>
+                  </a:cubicBezTo>
+                  <a:cubicBezTo>
+                    <a:pt x="1876761" y="1150164"/>
+                    <a:pt x="1855905" y="1166479"/>
+                    <a:pt x="1835758" y="1182227"/>
+                  </a:cubicBezTo>
+                  <a:lnTo>
+                    <a:pt x="1823273" y="1192016"/>
+                  </a:lnTo>
+                  <a:cubicBezTo>
+                    <a:pt x="1797027" y="1211879"/>
+                    <a:pt x="1772057" y="1232309"/>
+                    <a:pt x="1750918" y="1249760"/>
+                  </a:cubicBezTo>
+                  <a:cubicBezTo>
+                    <a:pt x="1645931" y="1335737"/>
+                    <a:pt x="1554422" y="1416605"/>
+                    <a:pt x="1469297" y="1496906"/>
+                  </a:cubicBezTo>
+                  <a:cubicBezTo>
+                    <a:pt x="1286595" y="1668957"/>
+                    <a:pt x="1118818" y="1856190"/>
+                    <a:pt x="967769" y="2056602"/>
+                  </a:cubicBezTo>
+                  <a:cubicBezTo>
+                    <a:pt x="890731" y="2159603"/>
+                    <a:pt x="818800" y="2264590"/>
+                    <a:pt x="754105" y="2368727"/>
+                  </a:cubicBezTo>
+                  <a:cubicBezTo>
+                    <a:pt x="681749" y="2488328"/>
+                    <a:pt x="622304" y="2596720"/>
+                    <a:pt x="572364" y="2701140"/>
+                  </a:cubicBezTo>
+                  <a:cubicBezTo>
+                    <a:pt x="557609" y="2730507"/>
+                    <a:pt x="543989" y="2760443"/>
+                    <a:pt x="532497" y="2786265"/>
+                  </a:cubicBezTo>
+                  <a:lnTo>
+                    <a:pt x="512918" y="2828827"/>
+                  </a:lnTo>
+                  <a:lnTo>
+                    <a:pt x="494475" y="2872240"/>
+                  </a:lnTo>
+                  <a:lnTo>
+                    <a:pt x="491637" y="2878908"/>
+                  </a:lnTo>
+                  <a:cubicBezTo>
+                    <a:pt x="480146" y="2906575"/>
+                    <a:pt x="469220" y="2932821"/>
+                    <a:pt x="459290" y="2959635"/>
+                  </a:cubicBezTo>
+                  <a:cubicBezTo>
+                    <a:pt x="455176" y="2970559"/>
+                    <a:pt x="451060" y="2981484"/>
+                    <a:pt x="446805" y="2992408"/>
+                  </a:cubicBezTo>
+                  <a:cubicBezTo>
+                    <a:pt x="439427" y="3012412"/>
+                    <a:pt x="432333" y="3030572"/>
+                    <a:pt x="426090" y="3049158"/>
+                  </a:cubicBezTo>
+                  <a:lnTo>
+                    <a:pt x="426090" y="3049867"/>
+                  </a:lnTo>
+                  <a:cubicBezTo>
+                    <a:pt x="383010" y="3169099"/>
+                    <a:pt x="346959" y="3290756"/>
+                    <a:pt x="318124" y="3414202"/>
+                  </a:cubicBezTo>
+                  <a:cubicBezTo>
+                    <a:pt x="260107" y="3661703"/>
+                    <a:pt x="230780" y="3915049"/>
+                    <a:pt x="230729" y="4169260"/>
+                  </a:cubicBezTo>
+                  <a:cubicBezTo>
+                    <a:pt x="231621" y="4295173"/>
+                    <a:pt x="244398" y="4420719"/>
+                    <a:pt x="268893" y="4544236"/>
+                  </a:cubicBezTo>
+                  <a:cubicBezTo>
+                    <a:pt x="293708" y="4666304"/>
+                    <a:pt x="330882" y="4785521"/>
+                    <a:pt x="379840" y="4900056"/>
+                  </a:cubicBezTo>
+                  <a:cubicBezTo>
+                    <a:pt x="387926" y="4919919"/>
+                    <a:pt x="397006" y="4939498"/>
+                    <a:pt x="406512" y="4960211"/>
+                  </a:cubicBezTo>
+                  <a:cubicBezTo>
+                    <a:pt x="410343" y="4968299"/>
+                    <a:pt x="414173" y="4976385"/>
+                    <a:pt x="417862" y="4984613"/>
+                  </a:cubicBezTo>
+                  <a:lnTo>
+                    <a:pt x="428077" y="5005043"/>
+                  </a:lnTo>
+                  <a:cubicBezTo>
+                    <a:pt x="438860" y="5026751"/>
+                    <a:pt x="449075" y="5047181"/>
+                    <a:pt x="460140" y="5067327"/>
+                  </a:cubicBezTo>
+                  <a:cubicBezTo>
+                    <a:pt x="485536" y="5116273"/>
+                    <a:pt x="514763" y="5165789"/>
+                    <a:pt x="555197" y="5229773"/>
+                  </a:cubicBezTo>
+                  <a:cubicBezTo>
+                    <a:pt x="586836" y="5280282"/>
+                    <a:pt x="620318" y="5329511"/>
+                    <a:pt x="660611" y="5387396"/>
+                  </a:cubicBezTo>
+                  <a:cubicBezTo>
+                    <a:pt x="698065" y="5440741"/>
+                    <a:pt x="737223" y="5493094"/>
+                    <a:pt x="774110" y="5542182"/>
+                  </a:cubicBezTo>
+                  <a:cubicBezTo>
+                    <a:pt x="821070" y="5604324"/>
+                    <a:pt x="870301" y="5667173"/>
+                    <a:pt x="917829" y="5727896"/>
+                  </a:cubicBezTo>
+                  <a:cubicBezTo>
+                    <a:pt x="949042" y="5767762"/>
+                    <a:pt x="979828" y="5807063"/>
+                    <a:pt x="1012885" y="5849767"/>
+                  </a:cubicBezTo>
+                  <a:cubicBezTo>
+                    <a:pt x="1045942" y="5892471"/>
+                    <a:pt x="1089497" y="5948796"/>
+                    <a:pt x="1133053" y="6006822"/>
+                  </a:cubicBezTo>
+                  <a:cubicBezTo>
+                    <a:pt x="1153624" y="6034345"/>
+                    <a:pt x="1175332" y="6063998"/>
+                    <a:pt x="1194343" y="6090245"/>
+                  </a:cubicBezTo>
+                  <a:cubicBezTo>
+                    <a:pt x="1213355" y="6116491"/>
+                    <a:pt x="1231372" y="6141178"/>
+                    <a:pt x="1249390" y="6165155"/>
+                  </a:cubicBezTo>
+                  <a:cubicBezTo>
+                    <a:pt x="1280461" y="6208000"/>
+                    <a:pt x="1313659" y="6250847"/>
+                    <a:pt x="1345724" y="6292132"/>
+                  </a:cubicBezTo>
+                  <a:lnTo>
+                    <a:pt x="1364310" y="6316251"/>
+                  </a:lnTo>
+                  <a:lnTo>
+                    <a:pt x="1373673" y="6327885"/>
+                  </a:lnTo>
+                  <a:cubicBezTo>
+                    <a:pt x="1409566" y="6372433"/>
+                    <a:pt x="1446738" y="6418542"/>
+                    <a:pt x="1484619" y="6462240"/>
+                  </a:cubicBezTo>
+                  <a:cubicBezTo>
+                    <a:pt x="1567899" y="6559850"/>
+                    <a:pt x="1653876" y="6652211"/>
+                    <a:pt x="1739000" y="6737335"/>
+                  </a:cubicBezTo>
+                  <a:lnTo>
+                    <a:pt x="1866801" y="6858001"/>
+                  </a:lnTo>
+                  <a:lnTo>
+                    <a:pt x="1144149" y="6858001"/>
+                  </a:lnTo>
+                  <a:lnTo>
+                    <a:pt x="1058349" y="6766452"/>
+                  </a:lnTo>
+                  <a:cubicBezTo>
+                    <a:pt x="878978" y="6562465"/>
+                    <a:pt x="718756" y="6341104"/>
+                    <a:pt x="580309" y="6105000"/>
+                  </a:cubicBezTo>
+                  <a:cubicBezTo>
+                    <a:pt x="200401" y="5454007"/>
+                    <a:pt x="146" y="4713831"/>
+                    <a:pt x="1" y="3960094"/>
+                  </a:cubicBezTo>
+                  <a:cubicBezTo>
+                    <a:pt x="-335" y="2196754"/>
+                    <a:pt x="1071479" y="683605"/>
+                    <a:pt x="2599292" y="37050"/>
+                  </a:cubicBezTo>
+                  <a:close/>
+                </a:path>
+              </a:pathLst>
+            </a:custGeom>
+            <a:gradFill>
+              <a:gsLst>
+                <a:gs pos="2000">
+                  <a:schemeClr val="bg1">
+                    <a:alpha val="10000"/>
+                  </a:schemeClr>
+                </a:gs>
+                <a:gs pos="16000">
+                  <a:schemeClr val="accent6">
+                    <a:alpha val="10000"/>
+                  </a:schemeClr>
+                </a:gs>
+                <a:gs pos="100000">
+                  <a:schemeClr val="bg1">
+                    <a:alpha val="10000"/>
+                  </a:schemeClr>
+                </a:gs>
+                <a:gs pos="85000">
+                  <a:schemeClr val="accent1">
+                    <a:alpha val="10000"/>
+                  </a:schemeClr>
+                </a:gs>
+              </a:gsLst>
+              <a:lin ang="12000000" scaled="0"/>
+            </a:gradFill>
+            <a:ln>
+              <a:noFill/>
+            </a:ln>
+          </p:spPr>
+          <p:style>
+            <a:lnRef idx="2">
+              <a:schemeClr val="accent1">
+                <a:shade val="50000"/>
+              </a:schemeClr>
+            </a:lnRef>
+            <a:fillRef idx="1">
+              <a:schemeClr val="accent1"/>
+            </a:fillRef>
+            <a:effectRef idx="0">
+              <a:schemeClr val="accent1"/>
+            </a:effectRef>
+            <a:fontRef idx="minor">
+              <a:schemeClr val="lt1"/>
+            </a:fontRef>
+          </p:style>
+          <p:txBody>
+            <a:bodyPr rtlCol="0" anchor="ctr"/>
+            <a:lstStyle/>
+            <a:p>
+              <a:pPr algn="ctr"/>
+              <a:endParaRPr lang="en-US" dirty="0"/>
+            </a:p>
+          </p:txBody>
+        </p:sp>
+        <p:sp>
+          <p:nvSpPr>
+            <p:cNvPr id="60" name="Freeform: Shape 59">
+              <a:extLst>
+                <a:ext uri="{FF2B5EF4-FFF2-40B4-BE49-F238E27FC236}">
+                  <a16:creationId xmlns:a16="http://schemas.microsoft.com/office/drawing/2014/main" id="{C093DC50-3BD7-46B1-A300-CD207E152FF4}"/>
+                </a:ext>
+                <a:ext uri="{C183D7F6-B498-43B3-948B-1728B52AA6E4}">
+                  <adec:decorative xmlns:adec="http://schemas.microsoft.com/office/drawing/2017/decorative" val="1"/>
+                </a:ext>
+              </a:extLst>
+            </p:cNvPr>
+            <p:cNvSpPr/>
+            <p:nvPr>
+              <p:extLst>
+                <p:ext uri="{386F3935-93C4-4BCD-93E2-E3B085C9AB24}">
+                  <p16:designElem xmlns:p16="http://schemas.microsoft.com/office/powerpoint/2015/main" val="1"/>
+                </p:ext>
+              </p:extLst>
+            </p:nvPr>
+          </p:nvSpPr>
+          <p:spPr>
+            <a:xfrm flipH="1">
+              <a:off x="305" y="-5977"/>
+              <a:ext cx="6238675" cy="6858001"/>
+            </a:xfrm>
+            <a:custGeom>
+              <a:avLst/>
+              <a:gdLst>
+                <a:gd name="connsiteX0" fmla="*/ 6264586 w 6264586"/>
+                <a:gd name="connsiteY0" fmla="*/ 6646464 h 6858001"/>
+                <a:gd name="connsiteX1" fmla="*/ 6264586 w 6264586"/>
+                <a:gd name="connsiteY1" fmla="*/ 6858001 h 6858001"/>
+                <a:gd name="connsiteX2" fmla="*/ 5997170 w 6264586"/>
+                <a:gd name="connsiteY2" fmla="*/ 6858001 h 6858001"/>
+                <a:gd name="connsiteX3" fmla="*/ 6121512 w 6264586"/>
+                <a:gd name="connsiteY3" fmla="*/ 6761029 h 6858001"/>
+                <a:gd name="connsiteX4" fmla="*/ 2693206 w 6264586"/>
+                <a:gd name="connsiteY4" fmla="*/ 0 h 6858001"/>
+                <a:gd name="connsiteX5" fmla="*/ 5872285 w 6264586"/>
+                <a:gd name="connsiteY5" fmla="*/ 0 h 6858001"/>
+                <a:gd name="connsiteX6" fmla="*/ 6024875 w 6264586"/>
+                <a:gd name="connsiteY6" fmla="*/ 68385 h 6858001"/>
+                <a:gd name="connsiteX7" fmla="*/ 6206432 w 6264586"/>
+                <a:gd name="connsiteY7" fmla="*/ 162336 h 6858001"/>
+                <a:gd name="connsiteX8" fmla="*/ 6264586 w 6264586"/>
+                <a:gd name="connsiteY8" fmla="*/ 196704 h 6858001"/>
+                <a:gd name="connsiteX9" fmla="*/ 6264586 w 6264586"/>
+                <a:gd name="connsiteY9" fmla="*/ 537242 h 6858001"/>
+                <a:gd name="connsiteX10" fmla="*/ 6230189 w 6264586"/>
+                <a:gd name="connsiteY10" fmla="*/ 517260 h 6858001"/>
+                <a:gd name="connsiteX11" fmla="*/ 5540536 w 6264586"/>
+                <a:gd name="connsiteY11" fmla="*/ 249543 h 6858001"/>
+                <a:gd name="connsiteX12" fmla="*/ 5178896 w 6264586"/>
+                <a:gd name="connsiteY12" fmla="*/ 178606 h 6858001"/>
+                <a:gd name="connsiteX13" fmla="*/ 4814279 w 6264586"/>
+                <a:gd name="connsiteY13" fmla="*/ 146683 h 6858001"/>
+                <a:gd name="connsiteX14" fmla="*/ 4655095 w 6264586"/>
+                <a:gd name="connsiteY14" fmla="*/ 143421 h 6858001"/>
+                <a:gd name="connsiteX15" fmla="*/ 4081069 w 6264586"/>
+                <a:gd name="connsiteY15" fmla="*/ 185983 h 6858001"/>
+                <a:gd name="connsiteX16" fmla="*/ 3720566 w 6264586"/>
+                <a:gd name="connsiteY16" fmla="*/ 256921 h 6858001"/>
+                <a:gd name="connsiteX17" fmla="*/ 3365879 w 6264586"/>
+                <a:gd name="connsiteY17" fmla="*/ 357651 h 6858001"/>
+                <a:gd name="connsiteX18" fmla="*/ 3020555 w 6264586"/>
+                <a:gd name="connsiteY18" fmla="*/ 486190 h 6858001"/>
+                <a:gd name="connsiteX19" fmla="*/ 2685163 w 6264586"/>
+                <a:gd name="connsiteY19" fmla="*/ 641542 h 6858001"/>
+                <a:gd name="connsiteX20" fmla="*/ 2047720 w 6264586"/>
+                <a:gd name="connsiteY20" fmla="*/ 1025030 h 6858001"/>
+                <a:gd name="connsiteX21" fmla="*/ 1897333 w 6264586"/>
+                <a:gd name="connsiteY21" fmla="*/ 1134983 h 6858001"/>
+                <a:gd name="connsiteX22" fmla="*/ 1835758 w 6264586"/>
+                <a:gd name="connsiteY22" fmla="*/ 1182227 h 6858001"/>
+                <a:gd name="connsiteX23" fmla="*/ 1823273 w 6264586"/>
+                <a:gd name="connsiteY23" fmla="*/ 1192016 h 6858001"/>
+                <a:gd name="connsiteX24" fmla="*/ 1750918 w 6264586"/>
+                <a:gd name="connsiteY24" fmla="*/ 1249760 h 6858001"/>
+                <a:gd name="connsiteX25" fmla="*/ 1469297 w 6264586"/>
+                <a:gd name="connsiteY25" fmla="*/ 1496906 h 6858001"/>
+                <a:gd name="connsiteX26" fmla="*/ 967769 w 6264586"/>
+                <a:gd name="connsiteY26" fmla="*/ 2056602 h 6858001"/>
+                <a:gd name="connsiteX27" fmla="*/ 754105 w 6264586"/>
+                <a:gd name="connsiteY27" fmla="*/ 2368727 h 6858001"/>
+                <a:gd name="connsiteX28" fmla="*/ 572364 w 6264586"/>
+                <a:gd name="connsiteY28" fmla="*/ 2701140 h 6858001"/>
+                <a:gd name="connsiteX29" fmla="*/ 532497 w 6264586"/>
+                <a:gd name="connsiteY29" fmla="*/ 2786265 h 6858001"/>
+                <a:gd name="connsiteX30" fmla="*/ 512918 w 6264586"/>
+                <a:gd name="connsiteY30" fmla="*/ 2828827 h 6858001"/>
+                <a:gd name="connsiteX31" fmla="*/ 494475 w 6264586"/>
+                <a:gd name="connsiteY31" fmla="*/ 2872240 h 6858001"/>
+                <a:gd name="connsiteX32" fmla="*/ 491637 w 6264586"/>
+                <a:gd name="connsiteY32" fmla="*/ 2878908 h 6858001"/>
+                <a:gd name="connsiteX33" fmla="*/ 459290 w 6264586"/>
+                <a:gd name="connsiteY33" fmla="*/ 2959635 h 6858001"/>
+                <a:gd name="connsiteX34" fmla="*/ 446805 w 6264586"/>
+                <a:gd name="connsiteY34" fmla="*/ 2992408 h 6858001"/>
+                <a:gd name="connsiteX35" fmla="*/ 426090 w 6264586"/>
+                <a:gd name="connsiteY35" fmla="*/ 3049158 h 6858001"/>
+                <a:gd name="connsiteX36" fmla="*/ 426090 w 6264586"/>
+                <a:gd name="connsiteY36" fmla="*/ 3049867 h 6858001"/>
+                <a:gd name="connsiteX37" fmla="*/ 318124 w 6264586"/>
+                <a:gd name="connsiteY37" fmla="*/ 3414202 h 6858001"/>
+                <a:gd name="connsiteX38" fmla="*/ 230729 w 6264586"/>
+                <a:gd name="connsiteY38" fmla="*/ 4169260 h 6858001"/>
+                <a:gd name="connsiteX39" fmla="*/ 268893 w 6264586"/>
+                <a:gd name="connsiteY39" fmla="*/ 4544236 h 6858001"/>
+                <a:gd name="connsiteX40" fmla="*/ 379840 w 6264586"/>
+                <a:gd name="connsiteY40" fmla="*/ 4900056 h 6858001"/>
+                <a:gd name="connsiteX41" fmla="*/ 406512 w 6264586"/>
+                <a:gd name="connsiteY41" fmla="*/ 4960211 h 6858001"/>
+                <a:gd name="connsiteX42" fmla="*/ 417862 w 6264586"/>
+                <a:gd name="connsiteY42" fmla="*/ 4984613 h 6858001"/>
+                <a:gd name="connsiteX43" fmla="*/ 428077 w 6264586"/>
+                <a:gd name="connsiteY43" fmla="*/ 5005043 h 6858001"/>
+                <a:gd name="connsiteX44" fmla="*/ 460140 w 6264586"/>
+                <a:gd name="connsiteY44" fmla="*/ 5067327 h 6858001"/>
+                <a:gd name="connsiteX45" fmla="*/ 555197 w 6264586"/>
+                <a:gd name="connsiteY45" fmla="*/ 5229773 h 6858001"/>
+                <a:gd name="connsiteX46" fmla="*/ 660611 w 6264586"/>
+                <a:gd name="connsiteY46" fmla="*/ 5387396 h 6858001"/>
+                <a:gd name="connsiteX47" fmla="*/ 774110 w 6264586"/>
+                <a:gd name="connsiteY47" fmla="*/ 5542182 h 6858001"/>
+                <a:gd name="connsiteX48" fmla="*/ 917829 w 6264586"/>
+                <a:gd name="connsiteY48" fmla="*/ 5727896 h 6858001"/>
+                <a:gd name="connsiteX49" fmla="*/ 1012885 w 6264586"/>
+                <a:gd name="connsiteY49" fmla="*/ 5849767 h 6858001"/>
+                <a:gd name="connsiteX50" fmla="*/ 1133053 w 6264586"/>
+                <a:gd name="connsiteY50" fmla="*/ 6006822 h 6858001"/>
+                <a:gd name="connsiteX51" fmla="*/ 1194343 w 6264586"/>
+                <a:gd name="connsiteY51" fmla="*/ 6090245 h 6858001"/>
+                <a:gd name="connsiteX52" fmla="*/ 1249390 w 6264586"/>
+                <a:gd name="connsiteY52" fmla="*/ 6165155 h 6858001"/>
+                <a:gd name="connsiteX53" fmla="*/ 1345724 w 6264586"/>
+                <a:gd name="connsiteY53" fmla="*/ 6292132 h 6858001"/>
+                <a:gd name="connsiteX54" fmla="*/ 1364310 w 6264586"/>
+                <a:gd name="connsiteY54" fmla="*/ 6316251 h 6858001"/>
+                <a:gd name="connsiteX55" fmla="*/ 1373673 w 6264586"/>
+                <a:gd name="connsiteY55" fmla="*/ 6327885 h 6858001"/>
+                <a:gd name="connsiteX56" fmla="*/ 1484619 w 6264586"/>
+                <a:gd name="connsiteY56" fmla="*/ 6462240 h 6858001"/>
+                <a:gd name="connsiteX57" fmla="*/ 1739000 w 6264586"/>
+                <a:gd name="connsiteY57" fmla="*/ 6737335 h 6858001"/>
+                <a:gd name="connsiteX58" fmla="*/ 1866801 w 6264586"/>
+                <a:gd name="connsiteY58" fmla="*/ 6858001 h 6858001"/>
+                <a:gd name="connsiteX59" fmla="*/ 1144149 w 6264586"/>
+                <a:gd name="connsiteY59" fmla="*/ 6858001 h 6858001"/>
+                <a:gd name="connsiteX60" fmla="*/ 1058349 w 6264586"/>
+                <a:gd name="connsiteY60" fmla="*/ 6766452 h 6858001"/>
+                <a:gd name="connsiteX61" fmla="*/ 580309 w 6264586"/>
+                <a:gd name="connsiteY61" fmla="*/ 6105000 h 6858001"/>
+                <a:gd name="connsiteX62" fmla="*/ 1 w 6264586"/>
+                <a:gd name="connsiteY62" fmla="*/ 3960094 h 6858001"/>
+                <a:gd name="connsiteX63" fmla="*/ 2599292 w 6264586"/>
+                <a:gd name="connsiteY63" fmla="*/ 37050 h 6858001"/>
+              </a:gdLst>
+              <a:ahLst/>
+              <a:cxnLst>
+                <a:cxn ang="0">
+                  <a:pos x="connsiteX0" y="connsiteY0"/>
+                </a:cxn>
+                <a:cxn ang="0">
+                  <a:pos x="connsiteX1" y="connsiteY1"/>
+                </a:cxn>
+                <a:cxn ang="0">
+                  <a:pos x="connsiteX2" y="connsiteY2"/>
+                </a:cxn>
+                <a:cxn ang="0">
+                  <a:pos x="connsiteX3" y="connsiteY3"/>
+                </a:cxn>
+                <a:cxn ang="0">
+                  <a:pos x="connsiteX4" y="connsiteY4"/>
+                </a:cxn>
+                <a:cxn ang="0">
+                  <a:pos x="connsiteX5" y="connsiteY5"/>
+                </a:cxn>
+                <a:cxn ang="0">
+                  <a:pos x="connsiteX6" y="connsiteY6"/>
+                </a:cxn>
+                <a:cxn ang="0">
+                  <a:pos x="connsiteX7" y="connsiteY7"/>
+                </a:cxn>
+                <a:cxn ang="0">
+                  <a:pos x="connsiteX8" y="connsiteY8"/>
+                </a:cxn>
+                <a:cxn ang="0">
+                  <a:pos x="connsiteX9" y="connsiteY9"/>
+                </a:cxn>
+                <a:cxn ang="0">
+                  <a:pos x="connsiteX10" y="connsiteY10"/>
+                </a:cxn>
+                <a:cxn ang="0">
+                  <a:pos x="connsiteX11" y="connsiteY11"/>
+                </a:cxn>
+                <a:cxn ang="0">
+                  <a:pos x="connsiteX12" y="connsiteY12"/>
+                </a:cxn>
+                <a:cxn ang="0">
+                  <a:pos x="connsiteX13" y="connsiteY13"/>
+                </a:cxn>
+                <a:cxn ang="0">
+                  <a:pos x="connsiteX14" y="connsiteY14"/>
+                </a:cxn>
+                <a:cxn ang="0">
+                  <a:pos x="connsiteX15" y="connsiteY15"/>
+                </a:cxn>
+                <a:cxn ang="0">
+                  <a:pos x="connsiteX16" y="connsiteY16"/>
+                </a:cxn>
+                <a:cxn ang="0">
+                  <a:pos x="connsiteX17" y="connsiteY17"/>
+                </a:cxn>
+                <a:cxn ang="0">
+                  <a:pos x="connsiteX18" y="connsiteY18"/>
+                </a:cxn>
+                <a:cxn ang="0">
+                  <a:pos x="connsiteX19" y="connsiteY19"/>
+                </a:cxn>
+                <a:cxn ang="0">
+                  <a:pos x="connsiteX20" y="connsiteY20"/>
+                </a:cxn>
+                <a:cxn ang="0">
+                  <a:pos x="connsiteX21" y="connsiteY21"/>
+                </a:cxn>
+                <a:cxn ang="0">
+                  <a:pos x="connsiteX22" y="connsiteY22"/>
+                </a:cxn>
+                <a:cxn ang="0">
+                  <a:pos x="connsiteX23" y="connsiteY23"/>
+                </a:cxn>
+                <a:cxn ang="0">
+                  <a:pos x="connsiteX24" y="connsiteY24"/>
+                </a:cxn>
+                <a:cxn ang="0">
+                  <a:pos x="connsiteX25" y="connsiteY25"/>
+                </a:cxn>
+                <a:cxn ang="0">
+                  <a:pos x="connsiteX26" y="connsiteY26"/>
+                </a:cxn>
+                <a:cxn ang="0">
+                  <a:pos x="connsiteX27" y="connsiteY27"/>
+                </a:cxn>
+                <a:cxn ang="0">
+                  <a:pos x="connsiteX28" y="connsiteY28"/>
+                </a:cxn>
+                <a:cxn ang="0">
+                  <a:pos x="connsiteX29" y="connsiteY29"/>
+                </a:cxn>
+                <a:cxn ang="0">
+                  <a:pos x="connsiteX30" y="connsiteY30"/>
+                </a:cxn>
+                <a:cxn ang="0">
+                  <a:pos x="connsiteX31" y="connsiteY31"/>
+                </a:cxn>
+                <a:cxn ang="0">
+                  <a:pos x="connsiteX32" y="connsiteY32"/>
+                </a:cxn>
+                <a:cxn ang="0">
+                  <a:pos x="connsiteX33" y="connsiteY33"/>
+                </a:cxn>
+                <a:cxn ang="0">
+                  <a:pos x="connsiteX34" y="connsiteY34"/>
+                </a:cxn>
+                <a:cxn ang="0">
+                  <a:pos x="connsiteX35" y="connsiteY35"/>
+                </a:cxn>
+                <a:cxn ang="0">
+                  <a:pos x="connsiteX36" y="connsiteY36"/>
+                </a:cxn>
+                <a:cxn ang="0">
+                  <a:pos x="connsiteX37" y="connsiteY37"/>
+                </a:cxn>
+                <a:cxn ang="0">
+                  <a:pos x="connsiteX38" y="connsiteY38"/>
+                </a:cxn>
+                <a:cxn ang="0">
+                  <a:pos x="connsiteX39" y="connsiteY39"/>
+                </a:cxn>
+                <a:cxn ang="0">
+                  <a:pos x="connsiteX40" y="connsiteY40"/>
+                </a:cxn>
+                <a:cxn ang="0">
+                  <a:pos x="connsiteX41" y="connsiteY41"/>
+                </a:cxn>
+                <a:cxn ang="0">
+                  <a:pos x="connsiteX42" y="connsiteY42"/>
+                </a:cxn>
+                <a:cxn ang="0">
+                  <a:pos x="connsiteX43" y="connsiteY43"/>
+                </a:cxn>
+                <a:cxn ang="0">
+                  <a:pos x="connsiteX44" y="connsiteY44"/>
+                </a:cxn>
+                <a:cxn ang="0">
+                  <a:pos x="connsiteX45" y="connsiteY45"/>
+                </a:cxn>
+                <a:cxn ang="0">
+                  <a:pos x="connsiteX46" y="connsiteY46"/>
+                </a:cxn>
+                <a:cxn ang="0">
+                  <a:pos x="connsiteX47" y="connsiteY47"/>
+                </a:cxn>
+                <a:cxn ang="0">
+                  <a:pos x="connsiteX48" y="connsiteY48"/>
+                </a:cxn>
+                <a:cxn ang="0">
+                  <a:pos x="connsiteX49" y="connsiteY49"/>
+                </a:cxn>
+                <a:cxn ang="0">
+                  <a:pos x="connsiteX50" y="connsiteY50"/>
+                </a:cxn>
+                <a:cxn ang="0">
+                  <a:pos x="connsiteX51" y="connsiteY51"/>
+                </a:cxn>
+                <a:cxn ang="0">
+                  <a:pos x="connsiteX52" y="connsiteY52"/>
+                </a:cxn>
+                <a:cxn ang="0">
+                  <a:pos x="connsiteX53" y="connsiteY53"/>
+                </a:cxn>
+                <a:cxn ang="0">
+                  <a:pos x="connsiteX54" y="connsiteY54"/>
+                </a:cxn>
+                <a:cxn ang="0">
+                  <a:pos x="connsiteX55" y="connsiteY55"/>
+                </a:cxn>
+                <a:cxn ang="0">
+                  <a:pos x="connsiteX56" y="connsiteY56"/>
+                </a:cxn>
+                <a:cxn ang="0">
+                  <a:pos x="connsiteX57" y="connsiteY57"/>
+                </a:cxn>
+                <a:cxn ang="0">
+                  <a:pos x="connsiteX58" y="connsiteY58"/>
+                </a:cxn>
+                <a:cxn ang="0">
+                  <a:pos x="connsiteX59" y="connsiteY59"/>
+                </a:cxn>
+                <a:cxn ang="0">
+                  <a:pos x="connsiteX60" y="connsiteY60"/>
+                </a:cxn>
+                <a:cxn ang="0">
+                  <a:pos x="connsiteX61" y="connsiteY61"/>
+                </a:cxn>
+                <a:cxn ang="0">
+                  <a:pos x="connsiteX62" y="connsiteY62"/>
+                </a:cxn>
+                <a:cxn ang="0">
+                  <a:pos x="connsiteX63" y="connsiteY63"/>
+                </a:cxn>
+              </a:cxnLst>
+              <a:rect l="l" t="t" r="r" b="b"/>
+              <a:pathLst>
+                <a:path w="6264586" h="6858001">
+                  <a:moveTo>
+                    <a:pt x="6264586" y="6646464"/>
+                  </a:moveTo>
+                  <a:lnTo>
+                    <a:pt x="6264586" y="6858001"/>
+                  </a:lnTo>
+                  <a:lnTo>
+                    <a:pt x="5997170" y="6858001"/>
+                  </a:lnTo>
+                  <a:lnTo>
+                    <a:pt x="6121512" y="6761029"/>
+                  </a:lnTo>
+                  <a:close/>
+                  <a:moveTo>
+                    <a:pt x="2693206" y="0"/>
+                  </a:moveTo>
+                  <a:lnTo>
+                    <a:pt x="5872285" y="0"/>
+                  </a:lnTo>
+                  <a:lnTo>
+                    <a:pt x="6024875" y="68385"/>
+                  </a:lnTo>
+                  <a:cubicBezTo>
+                    <a:pt x="6086250" y="97989"/>
+                    <a:pt x="6146793" y="129318"/>
+                    <a:pt x="6206432" y="162336"/>
+                  </a:cubicBezTo>
+                  <a:lnTo>
+                    <a:pt x="6264586" y="196704"/>
+                  </a:lnTo>
+                  <a:lnTo>
+                    <a:pt x="6264586" y="537242"/>
+                  </a:lnTo>
+                  <a:lnTo>
+                    <a:pt x="6230189" y="517260"/>
+                  </a:lnTo>
+                  <a:cubicBezTo>
+                    <a:pt x="6012226" y="399931"/>
+                    <a:pt x="5780573" y="310008"/>
+                    <a:pt x="5540536" y="249543"/>
+                  </a:cubicBezTo>
+                  <a:cubicBezTo>
+                    <a:pt x="5421375" y="219324"/>
+                    <a:pt x="5300641" y="195644"/>
+                    <a:pt x="5178896" y="178606"/>
+                  </a:cubicBezTo>
+                  <a:cubicBezTo>
+                    <a:pt x="5057977" y="161840"/>
+                    <a:pt x="4936276" y="151186"/>
+                    <a:pt x="4814279" y="146683"/>
+                  </a:cubicBezTo>
+                  <a:cubicBezTo>
+                    <a:pt x="4761501" y="144556"/>
+                    <a:pt x="4708015" y="143421"/>
+                    <a:pt x="4655095" y="143421"/>
+                  </a:cubicBezTo>
+                  <a:cubicBezTo>
+                    <a:pt x="4462968" y="143573"/>
+                    <a:pt x="4271111" y="157799"/>
+                    <a:pt x="4081069" y="185983"/>
+                  </a:cubicBezTo>
+                  <a:cubicBezTo>
+                    <a:pt x="3956361" y="205703"/>
+                    <a:pt x="3835058" y="229396"/>
+                    <a:pt x="3720566" y="256921"/>
+                  </a:cubicBezTo>
+                  <a:cubicBezTo>
+                    <a:pt x="3596708" y="286714"/>
+                    <a:pt x="3477677" y="320905"/>
+                    <a:pt x="3365879" y="357651"/>
+                  </a:cubicBezTo>
+                  <a:cubicBezTo>
+                    <a:pt x="3249257" y="395958"/>
+                    <a:pt x="3133487" y="438945"/>
+                    <a:pt x="3020555" y="486190"/>
+                  </a:cubicBezTo>
+                  <a:cubicBezTo>
+                    <a:pt x="2907623" y="533434"/>
+                    <a:pt x="2794832" y="585786"/>
+                    <a:pt x="2685163" y="641542"/>
+                  </a:cubicBezTo>
+                  <a:cubicBezTo>
+                    <a:pt x="2463995" y="754348"/>
+                    <a:pt x="2250998" y="882488"/>
+                    <a:pt x="2047720" y="1025030"/>
+                  </a:cubicBezTo>
+                  <a:cubicBezTo>
+                    <a:pt x="2006151" y="1054399"/>
+                    <a:pt x="1951528" y="1093415"/>
+                    <a:pt x="1897333" y="1134983"/>
+                  </a:cubicBezTo>
+                  <a:cubicBezTo>
+                    <a:pt x="1876761" y="1150164"/>
+                    <a:pt x="1855905" y="1166479"/>
+                    <a:pt x="1835758" y="1182227"/>
+                  </a:cubicBezTo>
+                  <a:lnTo>
+                    <a:pt x="1823273" y="1192016"/>
+                  </a:lnTo>
+                  <a:cubicBezTo>
+                    <a:pt x="1797027" y="1211879"/>
+                    <a:pt x="1772057" y="1232309"/>
+                    <a:pt x="1750918" y="1249760"/>
+                  </a:cubicBezTo>
+                  <a:cubicBezTo>
+                    <a:pt x="1645931" y="1335737"/>
+                    <a:pt x="1554422" y="1416605"/>
+                    <a:pt x="1469297" y="1496906"/>
+                  </a:cubicBezTo>
+                  <a:cubicBezTo>
+                    <a:pt x="1286595" y="1668957"/>
+                    <a:pt x="1118818" y="1856190"/>
+                    <a:pt x="967769" y="2056602"/>
+                  </a:cubicBezTo>
+                  <a:cubicBezTo>
+                    <a:pt x="890731" y="2159603"/>
+                    <a:pt x="818800" y="2264590"/>
+                    <a:pt x="754105" y="2368727"/>
+                  </a:cubicBezTo>
+                  <a:cubicBezTo>
+                    <a:pt x="681749" y="2488328"/>
+                    <a:pt x="622304" y="2596720"/>
+                    <a:pt x="572364" y="2701140"/>
+                  </a:cubicBezTo>
+                  <a:cubicBezTo>
+                    <a:pt x="557609" y="2730507"/>
+                    <a:pt x="543989" y="2760443"/>
+                    <a:pt x="532497" y="2786265"/>
+                  </a:cubicBezTo>
+                  <a:lnTo>
+                    <a:pt x="512918" y="2828827"/>
+                  </a:lnTo>
+                  <a:lnTo>
+                    <a:pt x="494475" y="2872240"/>
+                  </a:lnTo>
+                  <a:lnTo>
+                    <a:pt x="491637" y="2878908"/>
+                  </a:lnTo>
+                  <a:cubicBezTo>
+                    <a:pt x="480146" y="2906575"/>
+                    <a:pt x="469220" y="2932821"/>
+                    <a:pt x="459290" y="2959635"/>
+                  </a:cubicBezTo>
+                  <a:cubicBezTo>
+                    <a:pt x="455176" y="2970559"/>
+                    <a:pt x="451060" y="2981484"/>
+                    <a:pt x="446805" y="2992408"/>
+                  </a:cubicBezTo>
+                  <a:cubicBezTo>
+                    <a:pt x="439427" y="3012412"/>
+                    <a:pt x="432333" y="3030572"/>
+                    <a:pt x="426090" y="3049158"/>
+                  </a:cubicBezTo>
+                  <a:lnTo>
+                    <a:pt x="426090" y="3049867"/>
+                  </a:lnTo>
+                  <a:cubicBezTo>
+                    <a:pt x="383010" y="3169099"/>
+                    <a:pt x="346959" y="3290756"/>
+                    <a:pt x="318124" y="3414202"/>
+                  </a:cubicBezTo>
+                  <a:cubicBezTo>
+                    <a:pt x="260107" y="3661703"/>
+                    <a:pt x="230780" y="3915049"/>
+                    <a:pt x="230729" y="4169260"/>
+                  </a:cubicBezTo>
+                  <a:cubicBezTo>
+                    <a:pt x="231621" y="4295173"/>
+                    <a:pt x="244398" y="4420719"/>
+                    <a:pt x="268893" y="4544236"/>
+                  </a:cubicBezTo>
+                  <a:cubicBezTo>
+                    <a:pt x="293708" y="4666304"/>
+                    <a:pt x="330882" y="4785521"/>
+                    <a:pt x="379840" y="4900056"/>
+                  </a:cubicBezTo>
+                  <a:cubicBezTo>
+                    <a:pt x="387926" y="4919919"/>
+                    <a:pt x="397006" y="4939498"/>
+                    <a:pt x="406512" y="4960211"/>
+                  </a:cubicBezTo>
+                  <a:cubicBezTo>
+                    <a:pt x="410343" y="4968299"/>
+                    <a:pt x="414173" y="4976385"/>
+                    <a:pt x="417862" y="4984613"/>
+                  </a:cubicBezTo>
+                  <a:lnTo>
+                    <a:pt x="428077" y="5005043"/>
+                  </a:lnTo>
+                  <a:cubicBezTo>
+                    <a:pt x="438860" y="5026751"/>
+                    <a:pt x="449075" y="5047181"/>
+                    <a:pt x="460140" y="5067327"/>
+                  </a:cubicBezTo>
+                  <a:cubicBezTo>
+                    <a:pt x="485536" y="5116273"/>
+                    <a:pt x="514763" y="5165789"/>
+                    <a:pt x="555197" y="5229773"/>
+                  </a:cubicBezTo>
+                  <a:cubicBezTo>
+                    <a:pt x="586836" y="5280282"/>
+                    <a:pt x="620318" y="5329511"/>
+                    <a:pt x="660611" y="5387396"/>
+                  </a:cubicBezTo>
+                  <a:cubicBezTo>
+                    <a:pt x="698065" y="5440741"/>
+                    <a:pt x="737223" y="5493094"/>
+                    <a:pt x="774110" y="5542182"/>
+                  </a:cubicBezTo>
+                  <a:cubicBezTo>
+                    <a:pt x="821070" y="5604324"/>
+                    <a:pt x="870301" y="5667173"/>
+                    <a:pt x="917829" y="5727896"/>
+                  </a:cubicBezTo>
+                  <a:cubicBezTo>
+                    <a:pt x="949042" y="5767762"/>
+                    <a:pt x="979828" y="5807063"/>
+                    <a:pt x="1012885" y="5849767"/>
+                  </a:cubicBezTo>
+                  <a:cubicBezTo>
+                    <a:pt x="1045942" y="5892471"/>
+                    <a:pt x="1089497" y="5948796"/>
+                    <a:pt x="1133053" y="6006822"/>
+                  </a:cubicBezTo>
+                  <a:cubicBezTo>
+                    <a:pt x="1153624" y="6034345"/>
+                    <a:pt x="1175332" y="6063998"/>
+                    <a:pt x="1194343" y="6090245"/>
+                  </a:cubicBezTo>
+                  <a:cubicBezTo>
+                    <a:pt x="1213355" y="6116491"/>
+                    <a:pt x="1231372" y="6141178"/>
+                    <a:pt x="1249390" y="6165155"/>
+                  </a:cubicBezTo>
+                  <a:cubicBezTo>
+                    <a:pt x="1280461" y="6208000"/>
+                    <a:pt x="1313659" y="6250847"/>
+                    <a:pt x="1345724" y="6292132"/>
+                  </a:cubicBezTo>
+                  <a:lnTo>
+                    <a:pt x="1364310" y="6316251"/>
+                  </a:lnTo>
+                  <a:lnTo>
+                    <a:pt x="1373673" y="6327885"/>
+                  </a:lnTo>
+                  <a:cubicBezTo>
+                    <a:pt x="1409566" y="6372433"/>
+                    <a:pt x="1446738" y="6418542"/>
+                    <a:pt x="1484619" y="6462240"/>
+                  </a:cubicBezTo>
+                  <a:cubicBezTo>
+                    <a:pt x="1567899" y="6559850"/>
+                    <a:pt x="1653876" y="6652211"/>
+                    <a:pt x="1739000" y="6737335"/>
+                  </a:cubicBezTo>
+                  <a:lnTo>
+                    <a:pt x="1866801" y="6858001"/>
+                  </a:lnTo>
+                  <a:lnTo>
+                    <a:pt x="1144149" y="6858001"/>
+                  </a:lnTo>
+                  <a:lnTo>
+                    <a:pt x="1058349" y="6766452"/>
+                  </a:lnTo>
+                  <a:cubicBezTo>
+                    <a:pt x="878978" y="6562465"/>
+                    <a:pt x="718756" y="6341104"/>
+                    <a:pt x="580309" y="6105000"/>
+                  </a:cubicBezTo>
+                  <a:cubicBezTo>
+                    <a:pt x="200401" y="5454007"/>
+                    <a:pt x="146" y="4713831"/>
+                    <a:pt x="1" y="3960094"/>
+                  </a:cubicBezTo>
+                  <a:cubicBezTo>
+                    <a:pt x="-335" y="2196754"/>
+                    <a:pt x="1071479" y="683605"/>
+                    <a:pt x="2599292" y="37050"/>
+                  </a:cubicBezTo>
+                  <a:close/>
+                </a:path>
+              </a:pathLst>
+            </a:custGeom>
+            <a:gradFill>
+              <a:gsLst>
+                <a:gs pos="2000">
+                  <a:schemeClr val="bg1">
+                    <a:alpha val="10000"/>
+                  </a:schemeClr>
+                </a:gs>
+                <a:gs pos="16000">
+                  <a:schemeClr val="accent6">
+                    <a:alpha val="10000"/>
+                  </a:schemeClr>
+                </a:gs>
+                <a:gs pos="100000">
+                  <a:schemeClr val="bg1">
+                    <a:alpha val="10000"/>
+                  </a:schemeClr>
+                </a:gs>
+                <a:gs pos="85000">
+                  <a:schemeClr val="accent1">
+                    <a:alpha val="10000"/>
+                  </a:schemeClr>
+                </a:gs>
+              </a:gsLst>
+              <a:lin ang="12000000" scaled="0"/>
+            </a:gradFill>
+            <a:ln>
+              <a:noFill/>
+            </a:ln>
+          </p:spPr>
+          <p:style>
+            <a:lnRef idx="2">
+              <a:schemeClr val="accent1">
+                <a:shade val="50000"/>
+              </a:schemeClr>
+            </a:lnRef>
+            <a:fillRef idx="1">
+              <a:schemeClr val="accent1"/>
+            </a:fillRef>
+            <a:effectRef idx="0">
+              <a:schemeClr val="accent1"/>
+            </a:effectRef>
+            <a:fontRef idx="minor">
+              <a:schemeClr val="lt1"/>
+            </a:fontRef>
+          </p:style>
+          <p:txBody>
+            <a:bodyPr rtlCol="0" anchor="ctr"/>
+            <a:lstStyle/>
+            <a:p>
+              <a:pPr algn="ctr"/>
+              <a:endParaRPr lang="en-US" dirty="0"/>
+            </a:p>
+          </p:txBody>
+        </p:sp>
+      </p:grpSp>
+    </p:spTree>
+  </p:cSld>
+  <p:clrMapOvr>
+    <a:masterClrMapping/>
+  </p:clrMapOvr>
+</p:sld>
+</file>
+
+<file path=ppt/slides/slide10.xml><?xml version="1.0" encoding="utf-8"?>
+<p:sld xmlns:a="http://schemas.openxmlformats.org/drawingml/2006/main" xmlns:r="http://schemas.openxmlformats.org/officeDocument/2006/relationships" xmlns:p="http://schemas.openxmlformats.org/presentationml/2006/main">
   <p:cSld>
     <p:bg>
       <p:bgPr>
@@ -3106,128 +8872,14 @@
         <p:cNvGrpSpPr/>
         <p:nvPr/>
       </p:nvGrpSpPr>
-      <p:grpSpPr/>
-      <p:sp>
-        <p:nvSpPr>
-          <p:cNvPr id="2" name="Title 1"/>
-          <p:cNvSpPr>
-            <a:spLocks noGrp="1"/>
-          </p:cNvSpPr>
-          <p:nvPr>
-            <p:ph type="ctrTitle"/>
-          </p:nvPr>
-        </p:nvSpPr>
-        <p:spPr/>
-        <p:txBody>
-          <a:bodyPr/>
-          <a:lstStyle/>
-          <a:p>
-            <a:pPr algn="l"/>
-            <a:r>
-              <a:rPr sz="2400" b="0">
-                <a:solidFill>
-                  <a:srgbClr val="323232"/>
-                </a:solidFill>
-                <a:latin typeface="Calibri"/>
-              </a:rPr>
-              <a:t>RPA Process Automation Testing for API using Python</a:t>
-            </a:r>
-          </a:p>
-        </p:txBody>
-      </p:sp>
-      <p:sp>
-        <p:nvSpPr>
-          <p:cNvPr id="3" name="Subtitle 2"/>
-          <p:cNvSpPr>
-            <a:spLocks noGrp="1"/>
-          </p:cNvSpPr>
-          <p:nvPr>
-            <p:ph type="subTitle" idx="1"/>
-          </p:nvPr>
-        </p:nvSpPr>
-        <p:spPr/>
-        <p:txBody>
-          <a:bodyPr/>
-          <a:lstStyle/>
-          <a:p>
-            <a:pPr algn="l"/>
-            <a:r>
-              <a:rPr sz="2400" b="0">
-                <a:solidFill>
-                  <a:srgbClr val="323232"/>
-                </a:solidFill>
-                <a:latin typeface="Calibri"/>
-              </a:rPr>
-              <a:t>Streamlining API Testing through Robotic Process Automation</a:t>
-            </a:r>
-          </a:p>
-        </p:txBody>
-      </p:sp>
-      <p:sp>
-        <p:nvSpPr>
-          <p:cNvPr id="4" name="Rectangle 3"/>
-          <p:cNvSpPr/>
-          <p:nvPr/>
-        </p:nvSpPr>
-        <p:spPr>
-          <a:xfrm>
-            <a:off x="914400" y="914400"/>
-            <a:ext cx="7315200" cy="1828800"/>
-          </a:xfrm>
-          <a:prstGeom prst="rect">
-            <a:avLst/>
-          </a:prstGeom>
-        </p:spPr>
-        <p:style>
-          <a:lnRef idx="1">
-            <a:schemeClr val="accent1"/>
-          </a:lnRef>
-          <a:fillRef idx="3">
-            <a:schemeClr val="accent1"/>
-          </a:fillRef>
-          <a:effectRef idx="2">
-            <a:schemeClr val="accent1"/>
-          </a:effectRef>
-          <a:fontRef idx="minor">
-            <a:schemeClr val="lt1"/>
-          </a:fontRef>
-        </p:style>
-        <p:txBody>
-          <a:bodyPr rtlCol="0" anchor="ctr"/>
-          <a:lstStyle/>
-          <a:p>
-            <a:r>
-              <a:t>Placeholder: Title Image</a:t>
-            </a:r>
-          </a:p>
-        </p:txBody>
-      </p:sp>
-    </p:spTree>
-  </p:cSld>
-  <p:clrMapOvr>
-    <a:masterClrMapping/>
-  </p:clrMapOvr>
-</p:sld>
-</file>
-
-<file path=ppt/slides/slide10.xml><?xml version="1.0" encoding="utf-8"?>
-<p:sld xmlns:a="http://schemas.openxmlformats.org/drawingml/2006/main" xmlns:p="http://schemas.openxmlformats.org/presentationml/2006/main" xmlns:r="http://schemas.openxmlformats.org/officeDocument/2006/relationships">
-  <p:cSld>
-    <p:bg>
-      <p:bgPr>
-        <a:solidFill>
-          <a:srgbClr val="ADD8E6"/>
-        </a:solidFill>
-        <a:effectLst/>
-      </p:bgPr>
-    </p:bg>
-    <p:spTree>
-      <p:nvGrpSpPr>
-        <p:cNvPr id="1" name=""/>
-        <p:cNvGrpSpPr/>
-        <p:nvPr/>
-      </p:nvGrpSpPr>
-      <p:grpSpPr/>
+      <p:grpSpPr>
+        <a:xfrm>
+          <a:off x="0" y="0"/>
+          <a:ext cx="0" cy="0"/>
+          <a:chOff x="0" y="0"/>
+          <a:chExt cx="0" cy="0"/>
+        </a:xfrm>
+      </p:grpSpPr>
       <p:sp>
         <p:nvSpPr>
           <p:cNvPr id="2" name="Title 1"/>
@@ -3249,63 +8901,32 @@
           </a:p>
         </p:txBody>
       </p:sp>
-      <p:sp>
-        <p:nvSpPr>
-          <p:cNvPr id="3" name="Content Placeholder 2"/>
-          <p:cNvSpPr>
-            <a:spLocks noGrp="1"/>
-          </p:cNvSpPr>
+      <p:graphicFrame>
+        <p:nvGraphicFramePr>
+          <p:cNvPr id="6" name="Content Placeholder 2">
+            <a:extLst>
+              <a:ext uri="{FF2B5EF4-FFF2-40B4-BE49-F238E27FC236}">
+                <a16:creationId xmlns:a16="http://schemas.microsoft.com/office/drawing/2014/main" id="{BDDAEC44-97DE-54C7-654D-51B9DF06721B}"/>
+              </a:ext>
+            </a:extLst>
+          </p:cNvPr>
+          <p:cNvGraphicFramePr>
+            <a:graphicFrameLocks noGrp="1"/>
+          </p:cNvGraphicFramePr>
           <p:nvPr>
             <p:ph idx="1"/>
           </p:nvPr>
-        </p:nvSpPr>
-        <p:spPr/>
-        <p:txBody>
-          <a:bodyPr/>
-          <a:lstStyle/>
-          <a:p>
-            <a:r>
-              <a:t>Summary:</a:t>
-            </a:r>
-          </a:p>
-          <a:p>
-            <a:r>
-              <a:t>- RPA enhances API testing by improving efficiency and accuracy.</a:t>
-            </a:r>
-          </a:p>
-          <a:p>
-            <a:r>
-              <a:t>- Python’s versatility makes it an excellent choice for automation.</a:t>
-            </a:r>
-          </a:p>
-          <a:p>
-            <a:r>
-              <a:t>- The combination ensures a robust and scalable solution for API testing.</a:t>
-            </a:r>
-          </a:p>
-          <a:p/>
-          <a:p>
-            <a:r>
-              <a:t>Next Steps:</a:t>
-            </a:r>
-          </a:p>
-          <a:p>
-            <a:r>
-              <a:t>- Experiment with small-scale automation.</a:t>
-            </a:r>
-          </a:p>
-          <a:p>
-            <a:r>
-              <a:t>- Explore advanced frameworks like Robot Framework.</a:t>
-            </a:r>
-          </a:p>
-          <a:p>
-            <a:r>
-              <a:t>- Leverage AI with RPA for predictive analytics.</a:t>
-            </a:r>
-          </a:p>
-        </p:txBody>
-      </p:sp>
+        </p:nvGraphicFramePr>
+        <p:xfrm>
+          <a:off x="457200" y="1600200"/>
+          <a:ext cx="8229600" cy="4525963"/>
+        </p:xfrm>
+        <a:graphic>
+          <a:graphicData uri="http://schemas.openxmlformats.org/drawingml/2006/diagram">
+            <dgm:relIds xmlns:dgm="http://schemas.openxmlformats.org/drawingml/2006/diagram" xmlns:r="http://schemas.openxmlformats.org/officeDocument/2006/relationships" r:dm="rId2" r:lo="rId3" r:qs="rId4" r:cs="rId5"/>
+          </a:graphicData>
+        </a:graphic>
+      </p:graphicFrame>
       <p:sp>
         <p:nvSpPr>
           <p:cNvPr id="4" name="Rectangle 3"/>
@@ -3314,7 +8935,7 @@
         </p:nvSpPr>
         <p:spPr>
           <a:xfrm>
-            <a:off x="457200" y="914400"/>
+            <a:off x="5486400" y="1051878"/>
             <a:ext cx="3657600" cy="1828800"/>
           </a:xfrm>
           <a:prstGeom prst="rect">
@@ -3354,7 +8975,7 @@
 </file>
 
 <file path=ppt/slides/slide11.xml><?xml version="1.0" encoding="utf-8"?>
-<p:sld xmlns:a="http://schemas.openxmlformats.org/drawingml/2006/main" xmlns:p="http://schemas.openxmlformats.org/presentationml/2006/main" xmlns:r="http://schemas.openxmlformats.org/officeDocument/2006/relationships">
+<p:sld xmlns:a="http://schemas.openxmlformats.org/drawingml/2006/main" xmlns:r="http://schemas.openxmlformats.org/officeDocument/2006/relationships" xmlns:p="http://schemas.openxmlformats.org/presentationml/2006/main">
   <p:cSld>
     <p:bg>
       <p:bgPr>
@@ -3370,7 +8991,14 @@
         <p:cNvGrpSpPr/>
         <p:nvPr/>
       </p:nvGrpSpPr>
-      <p:grpSpPr/>
+      <p:grpSpPr>
+        <a:xfrm>
+          <a:off x="0" y="0"/>
+          <a:ext cx="0" cy="0"/>
+          <a:chOff x="0" y="0"/>
+          <a:chExt cx="0" cy="0"/>
+        </a:xfrm>
+      </p:grpSpPr>
       <p:sp>
         <p:nvSpPr>
           <p:cNvPr id="2" name="Title 1"/>
@@ -3466,7 +9094,201 @@
 </file>
 
 <file path=ppt/slides/slide12.xml><?xml version="1.0" encoding="utf-8"?>
-<p:sld xmlns:a="http://schemas.openxmlformats.org/drawingml/2006/main" xmlns:p="http://schemas.openxmlformats.org/presentationml/2006/main" xmlns:r="http://schemas.openxmlformats.org/officeDocument/2006/relationships">
+<p:sld xmlns:a="http://schemas.openxmlformats.org/drawingml/2006/main" xmlns:r="http://schemas.openxmlformats.org/officeDocument/2006/relationships" xmlns:p="http://schemas.openxmlformats.org/presentationml/2006/main">
+  <p:cSld>
+    <p:bg>
+      <p:bgPr>
+        <a:solidFill>
+          <a:schemeClr val="bg1"/>
+        </a:solidFill>
+        <a:effectLst/>
+      </p:bgPr>
+    </p:bg>
+    <p:spTree>
+      <p:nvGrpSpPr>
+        <p:cNvPr id="1" name="">
+          <a:extLst>
+            <a:ext uri="{FF2B5EF4-FFF2-40B4-BE49-F238E27FC236}">
+              <a16:creationId xmlns:a16="http://schemas.microsoft.com/office/drawing/2014/main" id="{468877DA-E167-656B-914D-EE4E9DBF477E}"/>
+            </a:ext>
+          </a:extLst>
+        </p:cNvPr>
+        <p:cNvGrpSpPr/>
+        <p:nvPr/>
+      </p:nvGrpSpPr>
+      <p:grpSpPr>
+        <a:xfrm>
+          <a:off x="0" y="0"/>
+          <a:ext cx="0" cy="0"/>
+          <a:chOff x="0" y="0"/>
+          <a:chExt cx="0" cy="0"/>
+        </a:xfrm>
+      </p:grpSpPr>
+      <p:sp>
+        <p:nvSpPr>
+          <p:cNvPr id="2" name="Title 1">
+            <a:extLst>
+              <a:ext uri="{FF2B5EF4-FFF2-40B4-BE49-F238E27FC236}">
+                <a16:creationId xmlns:a16="http://schemas.microsoft.com/office/drawing/2014/main" id="{C2917915-9A51-F9F0-BD35-66C98F6F4658}"/>
+              </a:ext>
+            </a:extLst>
+          </p:cNvPr>
+          <p:cNvSpPr>
+            <a:spLocks noGrp="1"/>
+          </p:cNvSpPr>
+          <p:nvPr>
+            <p:ph type="title"/>
+          </p:nvPr>
+        </p:nvSpPr>
+        <p:spPr>
+          <a:xfrm>
+            <a:off x="360759" y="3752849"/>
+            <a:ext cx="2468166" cy="2452687"/>
+          </a:xfrm>
+        </p:spPr>
+        <p:txBody>
+          <a:bodyPr anchor="ctr">
+            <a:normAutofit/>
+          </a:bodyPr>
+          <a:lstStyle/>
+          <a:p>
+            <a:r>
+              <a:rPr lang="en-SG" sz="3100"/>
+              <a:t>Q&amp;A</a:t>
+            </a:r>
+          </a:p>
+        </p:txBody>
+      </p:sp>
+      <p:pic>
+        <p:nvPicPr>
+          <p:cNvPr id="1030" name="Picture 6">
+            <a:extLst>
+              <a:ext uri="{FF2B5EF4-FFF2-40B4-BE49-F238E27FC236}">
+                <a16:creationId xmlns:a16="http://schemas.microsoft.com/office/drawing/2014/main" id="{16881799-2AEB-A002-D52F-002829EBEB9E}"/>
+              </a:ext>
+            </a:extLst>
+          </p:cNvPr>
+          <p:cNvPicPr>
+            <a:picLocks noChangeAspect="1" noChangeArrowheads="1"/>
+          </p:cNvPicPr>
+          <p:nvPr/>
+        </p:nvPicPr>
+        <p:blipFill>
+          <a:blip r:embed="rId2">
+            <a:extLst>
+              <a:ext uri="{28A0092B-C50C-407E-A947-70E740481C1C}">
+                <a14:useLocalDpi xmlns:a14="http://schemas.microsoft.com/office/drawing/2010/main" val="0"/>
+              </a:ext>
+            </a:extLst>
+          </a:blip>
+          <a:srcRect t="2887" b="43007"/>
+          <a:stretch/>
+        </p:blipFill>
+        <p:spPr bwMode="auto">
+          <a:xfrm>
+            <a:off x="20" y="10"/>
+            <a:ext cx="9143980" cy="3710603"/>
+          </a:xfrm>
+          <a:custGeom>
+            <a:avLst/>
+            <a:gdLst/>
+            <a:ahLst/>
+            <a:cxnLst/>
+            <a:rect l="l" t="t" r="r" b="b"/>
+            <a:pathLst>
+              <a:path w="12192000" h="3692092">
+                <a:moveTo>
+                  <a:pt x="0" y="0"/>
+                </a:moveTo>
+                <a:lnTo>
+                  <a:pt x="12192000" y="0"/>
+                </a:lnTo>
+                <a:lnTo>
+                  <a:pt x="12192000" y="3504824"/>
+                </a:lnTo>
+                <a:lnTo>
+                  <a:pt x="12024691" y="3517794"/>
+                </a:lnTo>
+                <a:cubicBezTo>
+                  <a:pt x="8077523" y="3783195"/>
+                  <a:pt x="4094678" y="3026959"/>
+                  <a:pt x="160485" y="3663863"/>
+                </a:cubicBezTo>
+                <a:lnTo>
+                  <a:pt x="0" y="3692092"/>
+                </a:lnTo>
+                <a:close/>
+              </a:path>
+            </a:pathLst>
+          </a:custGeom>
+          <a:noFill/>
+          <a:extLst>
+            <a:ext uri="{909E8E84-426E-40DD-AFC4-6F175D3DCCD1}">
+              <a14:hiddenFill xmlns:a14="http://schemas.microsoft.com/office/drawing/2010/main">
+                <a:solidFill>
+                  <a:srgbClr val="FFFFFF"/>
+                </a:solidFill>
+              </a14:hiddenFill>
+            </a:ext>
+          </a:extLst>
+        </p:spPr>
+      </p:pic>
+      <p:sp>
+        <p:nvSpPr>
+          <p:cNvPr id="3" name="Content Placeholder 2">
+            <a:extLst>
+              <a:ext uri="{FF2B5EF4-FFF2-40B4-BE49-F238E27FC236}">
+                <a16:creationId xmlns:a16="http://schemas.microsoft.com/office/drawing/2014/main" id="{398E6357-10C0-6E7E-630B-B0D8CB90BC0F}"/>
+              </a:ext>
+            </a:extLst>
+          </p:cNvPr>
+          <p:cNvSpPr>
+            <a:spLocks noGrp="1"/>
+          </p:cNvSpPr>
+          <p:nvPr>
+            <p:ph idx="1"/>
+          </p:nvPr>
+        </p:nvSpPr>
+        <p:spPr>
+          <a:xfrm>
+            <a:off x="3167986" y="3752850"/>
+            <a:ext cx="5614060" cy="2452687"/>
+          </a:xfrm>
+        </p:spPr>
+        <p:txBody>
+          <a:bodyPr anchor="ctr">
+            <a:normAutofit/>
+          </a:bodyPr>
+          <a:lstStyle/>
+          <a:p>
+            <a:r>
+              <a:rPr lang="en-SG" sz="1600" dirty="0"/>
+              <a:t>Placeholder for audience questions.</a:t>
+            </a:r>
+          </a:p>
+          <a:p>
+            <a:r>
+              <a:rPr lang="en-SG" sz="1600" dirty="0"/>
+              <a:t>Contact information for follow-up.</a:t>
+            </a:r>
+          </a:p>
+        </p:txBody>
+      </p:sp>
+    </p:spTree>
+    <p:extLst>
+      <p:ext uri="{BB962C8B-B14F-4D97-AF65-F5344CB8AC3E}">
+        <p14:creationId xmlns:p14="http://schemas.microsoft.com/office/powerpoint/2010/main" val="807802814"/>
+      </p:ext>
+    </p:extLst>
+  </p:cSld>
+  <p:clrMapOvr>
+    <a:masterClrMapping/>
+  </p:clrMapOvr>
+</p:sld>
+</file>
+
+<file path=ppt/slides/slide13.xml><?xml version="1.0" encoding="utf-8"?>
+<p:sld xmlns:a="http://schemas.openxmlformats.org/drawingml/2006/main" xmlns:r="http://schemas.openxmlformats.org/officeDocument/2006/relationships" xmlns:p="http://schemas.openxmlformats.org/presentationml/2006/main">
   <p:cSld>
     <p:bg>
       <p:bgPr>
@@ -3482,7 +9304,14 @@
         <p:cNvGrpSpPr/>
         <p:nvPr/>
       </p:nvGrpSpPr>
-      <p:grpSpPr/>
+      <p:grpSpPr>
+        <a:xfrm>
+          <a:off x="0" y="0"/>
+          <a:ext cx="0" cy="0"/>
+          <a:chOff x="0" y="0"/>
+          <a:chExt cx="0" cy="0"/>
+        </a:xfrm>
+      </p:grpSpPr>
       <p:sp>
         <p:nvSpPr>
           <p:cNvPr id="2" name="Title 1"/>
@@ -3526,6 +9355,909 @@
           <a:p>
             <a:r>
               <a:t>[Your Name &amp; Contact Information]</a:t>
+            </a:r>
+          </a:p>
+        </p:txBody>
+      </p:sp>
+      <p:pic>
+        <p:nvPicPr>
+          <p:cNvPr id="2052" name="Picture 4">
+            <a:extLst>
+              <a:ext uri="{FF2B5EF4-FFF2-40B4-BE49-F238E27FC236}">
+                <a16:creationId xmlns:a16="http://schemas.microsoft.com/office/drawing/2014/main" id="{764435C7-E644-857C-F24B-37A89B7D5006}"/>
+              </a:ext>
+            </a:extLst>
+          </p:cNvPr>
+          <p:cNvPicPr>
+            <a:picLocks noChangeAspect="1" noChangeArrowheads="1"/>
+          </p:cNvPicPr>
+          <p:nvPr/>
+        </p:nvPicPr>
+        <p:blipFill>
+          <a:blip r:embed="rId2">
+            <a:extLst>
+              <a:ext uri="{28A0092B-C50C-407E-A947-70E740481C1C}">
+                <a14:useLocalDpi xmlns:a14="http://schemas.microsoft.com/office/drawing/2010/main" val="0"/>
+              </a:ext>
+            </a:extLst>
+          </a:blip>
+          <a:srcRect/>
+          <a:stretch>
+            <a:fillRect/>
+          </a:stretch>
+        </p:blipFill>
+        <p:spPr bwMode="auto">
+          <a:xfrm>
+            <a:off x="0" y="0"/>
+            <a:ext cx="9144000" cy="6858000"/>
+          </a:xfrm>
+          <a:prstGeom prst="rect">
+            <a:avLst/>
+          </a:prstGeom>
+          <a:noFill/>
+          <a:extLst>
+            <a:ext uri="{909E8E84-426E-40DD-AFC4-6F175D3DCCD1}">
+              <a14:hiddenFill xmlns:a14="http://schemas.microsoft.com/office/drawing/2010/main">
+                <a:solidFill>
+                  <a:srgbClr val="FFFFFF"/>
+                </a:solidFill>
+              </a14:hiddenFill>
+            </a:ext>
+          </a:extLst>
+        </p:spPr>
+      </p:pic>
+    </p:spTree>
+  </p:cSld>
+  <p:clrMapOvr>
+    <a:masterClrMapping/>
+  </p:clrMapOvr>
+</p:sld>
+</file>
+
+<file path=ppt/slides/slide2.xml><?xml version="1.0" encoding="utf-8"?>
+<p:sld xmlns:a="http://schemas.openxmlformats.org/drawingml/2006/main" xmlns:r="http://schemas.openxmlformats.org/officeDocument/2006/relationships" xmlns:p="http://schemas.openxmlformats.org/presentationml/2006/main">
+  <p:cSld>
+    <p:bg>
+      <p:bgPr>
+        <a:solidFill>
+          <a:srgbClr val="ADD8E6"/>
+        </a:solidFill>
+        <a:effectLst/>
+      </p:bgPr>
+    </p:bg>
+    <p:spTree>
+      <p:nvGrpSpPr>
+        <p:cNvPr id="1" name=""/>
+        <p:cNvGrpSpPr/>
+        <p:nvPr/>
+      </p:nvGrpSpPr>
+      <p:grpSpPr>
+        <a:xfrm>
+          <a:off x="0" y="0"/>
+          <a:ext cx="0" cy="0"/>
+          <a:chOff x="0" y="0"/>
+          <a:chExt cx="0" cy="0"/>
+        </a:xfrm>
+      </p:grpSpPr>
+      <p:sp>
+        <p:nvSpPr>
+          <p:cNvPr id="2" name="Title 1"/>
+          <p:cNvSpPr>
+            <a:spLocks noGrp="1"/>
+          </p:cNvSpPr>
+          <p:nvPr>
+            <p:ph type="title"/>
+          </p:nvPr>
+        </p:nvSpPr>
+        <p:spPr/>
+        <p:txBody>
+          <a:bodyPr/>
+          <a:lstStyle/>
+          <a:p>
+            <a:r>
+              <a:t>Introduction to RPA and API Testing</a:t>
+            </a:r>
+          </a:p>
+        </p:txBody>
+      </p:sp>
+      <p:sp>
+        <p:nvSpPr>
+          <p:cNvPr id="3" name="Content Placeholder 2"/>
+          <p:cNvSpPr>
+            <a:spLocks noGrp="1"/>
+          </p:cNvSpPr>
+          <p:nvPr>
+            <p:ph idx="1"/>
+          </p:nvPr>
+        </p:nvSpPr>
+        <p:spPr/>
+        <p:txBody>
+          <a:bodyPr>
+            <a:normAutofit fontScale="77500" lnSpcReduction="20000"/>
+          </a:bodyPr>
+          <a:lstStyle/>
+          <a:p>
+            <a:r>
+              <a:rPr dirty="0"/>
+              <a:t>What is RPA?</a:t>
+            </a:r>
+          </a:p>
+          <a:p>
+            <a:r>
+              <a:rPr dirty="0"/>
+              <a:t>- Robotic Process Automation (RPA) uses software robots to automate repetitive tasks.</a:t>
+            </a:r>
+          </a:p>
+          <a:p>
+            <a:endParaRPr dirty="0"/>
+          </a:p>
+          <a:p>
+            <a:r>
+              <a:rPr dirty="0"/>
+              <a:t>What is API Testing?</a:t>
+            </a:r>
+          </a:p>
+          <a:p>
+            <a:r>
+              <a:rPr dirty="0"/>
+              <a:t>- API testing involves verifying the functionality, reliability, and performance of APIs.</a:t>
+            </a:r>
+          </a:p>
+          <a:p>
+            <a:endParaRPr dirty="0"/>
+          </a:p>
+          <a:p>
+            <a:r>
+              <a:rPr dirty="0"/>
+              <a:t>Why Combine RPA with API Testing?</a:t>
+            </a:r>
+          </a:p>
+          <a:p>
+            <a:r>
+              <a:rPr dirty="0"/>
+              <a:t>- Streamlines processes.</a:t>
+            </a:r>
+          </a:p>
+          <a:p>
+            <a:r>
+              <a:rPr dirty="0"/>
+              <a:t>- Reduces manual intervention.</a:t>
+            </a:r>
+          </a:p>
+          <a:p>
+            <a:r>
+              <a:rPr dirty="0"/>
+              <a:t>- Ensures consistency and reliability.</a:t>
+            </a:r>
+          </a:p>
+        </p:txBody>
+      </p:sp>
+      <p:sp>
+        <p:nvSpPr>
+          <p:cNvPr id="4" name="Rectangle 3"/>
+          <p:cNvSpPr/>
+          <p:nvPr/>
+        </p:nvSpPr>
+        <p:spPr>
+          <a:xfrm>
+            <a:off x="5785104" y="1344486"/>
+            <a:ext cx="2743200" cy="914400"/>
+          </a:xfrm>
+          <a:prstGeom prst="rect">
+            <a:avLst/>
+          </a:prstGeom>
+        </p:spPr>
+        <p:style>
+          <a:lnRef idx="1">
+            <a:schemeClr val="accent1"/>
+          </a:lnRef>
+          <a:fillRef idx="3">
+            <a:schemeClr val="accent1"/>
+          </a:fillRef>
+          <a:effectRef idx="2">
+            <a:schemeClr val="accent1"/>
+          </a:effectRef>
+          <a:fontRef idx="minor">
+            <a:schemeClr val="lt1"/>
+          </a:fontRef>
+        </p:style>
+        <p:txBody>
+          <a:bodyPr rtlCol="0" anchor="ctr"/>
+          <a:lstStyle/>
+          <a:p>
+            <a:r>
+              <a:t>Placeholder: Intro Image</a:t>
+            </a:r>
+          </a:p>
+        </p:txBody>
+      </p:sp>
+    </p:spTree>
+  </p:cSld>
+  <p:clrMapOvr>
+    <a:masterClrMapping/>
+  </p:clrMapOvr>
+</p:sld>
+</file>
+
+<file path=ppt/slides/slide3.xml><?xml version="1.0" encoding="utf-8"?>
+<p:sld xmlns:a="http://schemas.openxmlformats.org/drawingml/2006/main" xmlns:r="http://schemas.openxmlformats.org/officeDocument/2006/relationships" xmlns:p="http://schemas.openxmlformats.org/presentationml/2006/main">
+  <p:cSld>
+    <p:bg>
+      <p:bgPr>
+        <a:solidFill>
+          <a:srgbClr val="ADD8E6"/>
+        </a:solidFill>
+        <a:effectLst/>
+      </p:bgPr>
+    </p:bg>
+    <p:spTree>
+      <p:nvGrpSpPr>
+        <p:cNvPr id="1" name=""/>
+        <p:cNvGrpSpPr/>
+        <p:nvPr/>
+      </p:nvGrpSpPr>
+      <p:grpSpPr>
+        <a:xfrm>
+          <a:off x="0" y="0"/>
+          <a:ext cx="0" cy="0"/>
+          <a:chOff x="0" y="0"/>
+          <a:chExt cx="0" cy="0"/>
+        </a:xfrm>
+      </p:grpSpPr>
+      <p:sp>
+        <p:nvSpPr>
+          <p:cNvPr id="2" name="Title 1"/>
+          <p:cNvSpPr>
+            <a:spLocks noGrp="1"/>
+          </p:cNvSpPr>
+          <p:nvPr>
+            <p:ph type="title"/>
+          </p:nvPr>
+        </p:nvSpPr>
+        <p:spPr/>
+        <p:txBody>
+          <a:bodyPr>
+            <a:normAutofit fontScale="90000"/>
+          </a:bodyPr>
+          <a:lstStyle/>
+          <a:p>
+            <a:r>
+              <a:t>Benefits of Using Python for API Testing</a:t>
+            </a:r>
+          </a:p>
+        </p:txBody>
+      </p:sp>
+      <p:sp>
+        <p:nvSpPr>
+          <p:cNvPr id="3" name="Content Placeholder 2"/>
+          <p:cNvSpPr>
+            <a:spLocks noGrp="1"/>
+          </p:cNvSpPr>
+          <p:nvPr>
+            <p:ph idx="1"/>
+          </p:nvPr>
+        </p:nvSpPr>
+        <p:spPr/>
+        <p:txBody>
+          <a:bodyPr/>
+          <a:lstStyle/>
+          <a:p>
+            <a:r>
+              <a:t>Benefits of Python:</a:t>
+            </a:r>
+          </a:p>
+          <a:p>
+            <a:r>
+              <a:t>- Extensive Libraries: Requests, pytest, unittest, etc.</a:t>
+            </a:r>
+          </a:p>
+          <a:p>
+            <a:r>
+              <a:t>- Easy to learn and write.</a:t>
+            </a:r>
+          </a:p>
+          <a:p>
+            <a:r>
+              <a:t>- Highly flexible and scalable.</a:t>
+            </a:r>
+          </a:p>
+          <a:p>
+            <a:r>
+              <a:t>- Open-source and community support.</a:t>
+            </a:r>
+          </a:p>
+        </p:txBody>
+      </p:sp>
+      <p:sp>
+        <p:nvSpPr>
+          <p:cNvPr id="4" name="Rectangle 3"/>
+          <p:cNvSpPr/>
+          <p:nvPr/>
+        </p:nvSpPr>
+        <p:spPr>
+          <a:xfrm>
+            <a:off x="6400800" y="914400"/>
+            <a:ext cx="1371600" cy="914400"/>
+          </a:xfrm>
+          <a:prstGeom prst="rect">
+            <a:avLst/>
+          </a:prstGeom>
+        </p:spPr>
+        <p:style>
+          <a:lnRef idx="1">
+            <a:schemeClr val="accent1"/>
+          </a:lnRef>
+          <a:fillRef idx="3">
+            <a:schemeClr val="accent1"/>
+          </a:fillRef>
+          <a:effectRef idx="2">
+            <a:schemeClr val="accent1"/>
+          </a:effectRef>
+          <a:fontRef idx="minor">
+            <a:schemeClr val="lt1"/>
+          </a:fontRef>
+        </p:style>
+        <p:txBody>
+          <a:bodyPr rtlCol="0" anchor="ctr"/>
+          <a:lstStyle/>
+          <a:p>
+            <a:r>
+              <a:t>Placeholder: Python Logo</a:t>
+            </a:r>
+          </a:p>
+        </p:txBody>
+      </p:sp>
+    </p:spTree>
+  </p:cSld>
+  <p:clrMapOvr>
+    <a:masterClrMapping/>
+  </p:clrMapOvr>
+</p:sld>
+</file>
+
+<file path=ppt/slides/slide4.xml><?xml version="1.0" encoding="utf-8"?>
+<p:sld xmlns:a="http://schemas.openxmlformats.org/drawingml/2006/main" xmlns:r="http://schemas.openxmlformats.org/officeDocument/2006/relationships" xmlns:p="http://schemas.openxmlformats.org/presentationml/2006/main">
+  <p:cSld>
+    <p:bg>
+      <p:bgPr>
+        <a:solidFill>
+          <a:srgbClr val="ADD8E6"/>
+        </a:solidFill>
+        <a:effectLst/>
+      </p:bgPr>
+    </p:bg>
+    <p:spTree>
+      <p:nvGrpSpPr>
+        <p:cNvPr id="1" name=""/>
+        <p:cNvGrpSpPr/>
+        <p:nvPr/>
+      </p:nvGrpSpPr>
+      <p:grpSpPr>
+        <a:xfrm>
+          <a:off x="0" y="0"/>
+          <a:ext cx="0" cy="0"/>
+          <a:chOff x="0" y="0"/>
+          <a:chExt cx="0" cy="0"/>
+        </a:xfrm>
+      </p:grpSpPr>
+      <p:sp>
+        <p:nvSpPr>
+          <p:cNvPr id="2" name="Title 1"/>
+          <p:cNvSpPr>
+            <a:spLocks noGrp="1"/>
+          </p:cNvSpPr>
+          <p:nvPr>
+            <p:ph type="title"/>
+          </p:nvPr>
+        </p:nvSpPr>
+        <p:spPr/>
+        <p:txBody>
+          <a:bodyPr/>
+          <a:lstStyle/>
+          <a:p>
+            <a:r>
+              <a:t>Tools and Frameworks</a:t>
+            </a:r>
+          </a:p>
+        </p:txBody>
+      </p:sp>
+      <p:sp>
+        <p:nvSpPr>
+          <p:cNvPr id="3" name="Content Placeholder 2"/>
+          <p:cNvSpPr>
+            <a:spLocks noGrp="1"/>
+          </p:cNvSpPr>
+          <p:nvPr>
+            <p:ph idx="1"/>
+          </p:nvPr>
+        </p:nvSpPr>
+        <p:spPr/>
+        <p:txBody>
+          <a:bodyPr>
+            <a:normAutofit fontScale="70000" lnSpcReduction="20000"/>
+          </a:bodyPr>
+          <a:lstStyle/>
+          <a:p>
+            <a:r>
+              <a:t>RPA Tools:</a:t>
+            </a:r>
+          </a:p>
+          <a:p>
+            <a:r>
+              <a:t>- UiPath</a:t>
+            </a:r>
+          </a:p>
+          <a:p>
+            <a:r>
+              <a:t>- Automation Anywhere</a:t>
+            </a:r>
+          </a:p>
+          <a:p>
+            <a:r>
+              <a:t>- Blue Prism</a:t>
+            </a:r>
+          </a:p>
+          <a:p>
+            <a:endParaRPr/>
+          </a:p>
+          <a:p>
+            <a:r>
+              <a:t>API Testing Tools in Python:</a:t>
+            </a:r>
+          </a:p>
+          <a:p>
+            <a:r>
+              <a:t>- Requests</a:t>
+            </a:r>
+          </a:p>
+          <a:p>
+            <a:r>
+              <a:t>- pytest</a:t>
+            </a:r>
+          </a:p>
+          <a:p>
+            <a:r>
+              <a:t>- Robot Framework</a:t>
+            </a:r>
+          </a:p>
+          <a:p>
+            <a:endParaRPr/>
+          </a:p>
+          <a:p>
+            <a:r>
+              <a:t>Integration Frameworks:</a:t>
+            </a:r>
+          </a:p>
+          <a:p>
+            <a:r>
+              <a:t>- Flask/Django for custom test dashboards</a:t>
+            </a:r>
+          </a:p>
+        </p:txBody>
+      </p:sp>
+      <p:sp>
+        <p:nvSpPr>
+          <p:cNvPr id="4" name="Rectangle 3"/>
+          <p:cNvSpPr/>
+          <p:nvPr/>
+        </p:nvSpPr>
+        <p:spPr>
+          <a:xfrm>
+            <a:off x="5833872" y="1304544"/>
+            <a:ext cx="2743200" cy="914400"/>
+          </a:xfrm>
+          <a:prstGeom prst="rect">
+            <a:avLst/>
+          </a:prstGeom>
+        </p:spPr>
+        <p:style>
+          <a:lnRef idx="1">
+            <a:schemeClr val="accent1"/>
+          </a:lnRef>
+          <a:fillRef idx="3">
+            <a:schemeClr val="accent1"/>
+          </a:fillRef>
+          <a:effectRef idx="2">
+            <a:schemeClr val="accent1"/>
+          </a:effectRef>
+          <a:fontRef idx="minor">
+            <a:schemeClr val="lt1"/>
+          </a:fontRef>
+        </p:style>
+        <p:txBody>
+          <a:bodyPr rtlCol="0" anchor="ctr"/>
+          <a:lstStyle/>
+          <a:p>
+            <a:r>
+              <a:t>Placeholder: Tools Image</a:t>
+            </a:r>
+          </a:p>
+        </p:txBody>
+      </p:sp>
+    </p:spTree>
+  </p:cSld>
+  <p:clrMapOvr>
+    <a:masterClrMapping/>
+  </p:clrMapOvr>
+</p:sld>
+</file>
+
+<file path=ppt/slides/slide5.xml><?xml version="1.0" encoding="utf-8"?>
+<p:sld xmlns:a="http://schemas.openxmlformats.org/drawingml/2006/main" xmlns:r="http://schemas.openxmlformats.org/officeDocument/2006/relationships" xmlns:p="http://schemas.openxmlformats.org/presentationml/2006/main">
+  <p:cSld>
+    <p:bg>
+      <p:bgPr>
+        <a:solidFill>
+          <a:srgbClr val="ADD8E6"/>
+        </a:solidFill>
+        <a:effectLst/>
+      </p:bgPr>
+    </p:bg>
+    <p:spTree>
+      <p:nvGrpSpPr>
+        <p:cNvPr id="1" name=""/>
+        <p:cNvGrpSpPr/>
+        <p:nvPr/>
+      </p:nvGrpSpPr>
+      <p:grpSpPr>
+        <a:xfrm>
+          <a:off x="0" y="0"/>
+          <a:ext cx="0" cy="0"/>
+          <a:chOff x="0" y="0"/>
+          <a:chExt cx="0" cy="0"/>
+        </a:xfrm>
+      </p:grpSpPr>
+      <p:sp>
+        <p:nvSpPr>
+          <p:cNvPr id="2" name="Title 1"/>
+          <p:cNvSpPr>
+            <a:spLocks noGrp="1"/>
+          </p:cNvSpPr>
+          <p:nvPr>
+            <p:ph type="title"/>
+          </p:nvPr>
+        </p:nvSpPr>
+        <p:spPr/>
+        <p:txBody>
+          <a:bodyPr/>
+          <a:lstStyle/>
+          <a:p>
+            <a:r>
+              <a:t>Sample API Testing Workflow</a:t>
+            </a:r>
+          </a:p>
+        </p:txBody>
+      </p:sp>
+      <p:sp>
+        <p:nvSpPr>
+          <p:cNvPr id="3" name="Content Placeholder 2"/>
+          <p:cNvSpPr>
+            <a:spLocks noGrp="1"/>
+          </p:cNvSpPr>
+          <p:nvPr>
+            <p:ph idx="1"/>
+          </p:nvPr>
+        </p:nvSpPr>
+        <p:spPr/>
+        <p:txBody>
+          <a:bodyPr/>
+          <a:lstStyle/>
+          <a:p>
+            <a:r>
+              <a:t>Steps:</a:t>
+            </a:r>
+          </a:p>
+          <a:p>
+            <a:r>
+              <a:t>1. Setup Python environment and libraries.</a:t>
+            </a:r>
+          </a:p>
+          <a:p>
+            <a:r>
+              <a:t>2. Define API endpoints to test.</a:t>
+            </a:r>
+          </a:p>
+          <a:p>
+            <a:r>
+              <a:t>3. Create test cases using pytest/unittest.</a:t>
+            </a:r>
+          </a:p>
+          <a:p>
+            <a:r>
+              <a:t>4. Validate responses and log results.</a:t>
+            </a:r>
+          </a:p>
+          <a:p>
+            <a:r>
+              <a:t>5. Use RPA tools to automate report generation and alerting.</a:t>
+            </a:r>
+          </a:p>
+        </p:txBody>
+      </p:sp>
+      <p:sp>
+        <p:nvSpPr>
+          <p:cNvPr id="4" name="Rectangle 3"/>
+          <p:cNvSpPr/>
+          <p:nvPr/>
+        </p:nvSpPr>
+        <p:spPr>
+          <a:xfrm>
+            <a:off x="4919472" y="1170432"/>
+            <a:ext cx="3657600" cy="1828800"/>
+          </a:xfrm>
+          <a:prstGeom prst="rect">
+            <a:avLst/>
+          </a:prstGeom>
+        </p:spPr>
+        <p:style>
+          <a:lnRef idx="1">
+            <a:schemeClr val="accent1"/>
+          </a:lnRef>
+          <a:fillRef idx="3">
+            <a:schemeClr val="accent1"/>
+          </a:fillRef>
+          <a:effectRef idx="2">
+            <a:schemeClr val="accent1"/>
+          </a:effectRef>
+          <a:fontRef idx="minor">
+            <a:schemeClr val="lt1"/>
+          </a:fontRef>
+        </p:style>
+        <p:txBody>
+          <a:bodyPr rtlCol="0" anchor="ctr"/>
+          <a:lstStyle/>
+          <a:p>
+            <a:r>
+              <a:t>Placeholder: Workflow Chart</a:t>
+            </a:r>
+          </a:p>
+        </p:txBody>
+      </p:sp>
+    </p:spTree>
+  </p:cSld>
+  <p:clrMapOvr>
+    <a:masterClrMapping/>
+  </p:clrMapOvr>
+</p:sld>
+</file>
+
+<file path=ppt/slides/slide6.xml><?xml version="1.0" encoding="utf-8"?>
+<p:sld xmlns:a="http://schemas.openxmlformats.org/drawingml/2006/main" xmlns:r="http://schemas.openxmlformats.org/officeDocument/2006/relationships" xmlns:p="http://schemas.openxmlformats.org/presentationml/2006/main">
+  <p:cSld>
+    <p:bg>
+      <p:bgPr>
+        <a:solidFill>
+          <a:srgbClr val="ADD8E6"/>
+        </a:solidFill>
+        <a:effectLst/>
+      </p:bgPr>
+    </p:bg>
+    <p:spTree>
+      <p:nvGrpSpPr>
+        <p:cNvPr id="1" name=""/>
+        <p:cNvGrpSpPr/>
+        <p:nvPr/>
+      </p:nvGrpSpPr>
+      <p:grpSpPr>
+        <a:xfrm>
+          <a:off x="0" y="0"/>
+          <a:ext cx="0" cy="0"/>
+          <a:chOff x="0" y="0"/>
+          <a:chExt cx="0" cy="0"/>
+        </a:xfrm>
+      </p:grpSpPr>
+      <p:sp>
+        <p:nvSpPr>
+          <p:cNvPr id="2" name="Title 1"/>
+          <p:cNvSpPr>
+            <a:spLocks noGrp="1"/>
+          </p:cNvSpPr>
+          <p:nvPr>
+            <p:ph type="title"/>
+          </p:nvPr>
+        </p:nvSpPr>
+        <p:spPr/>
+        <p:txBody>
+          <a:bodyPr/>
+          <a:lstStyle/>
+          <a:p>
+            <a:r>
+              <a:t>Sample Code Snippet</a:t>
+            </a:r>
+          </a:p>
+        </p:txBody>
+      </p:sp>
+      <p:sp>
+        <p:nvSpPr>
+          <p:cNvPr id="3" name="Content Placeholder 2"/>
+          <p:cNvSpPr>
+            <a:spLocks noGrp="1"/>
+          </p:cNvSpPr>
+          <p:nvPr>
+            <p:ph idx="1"/>
+          </p:nvPr>
+        </p:nvSpPr>
+        <p:spPr/>
+        <p:txBody>
+          <a:bodyPr>
+            <a:normAutofit fontScale="92500" lnSpcReduction="20000"/>
+          </a:bodyPr>
+          <a:lstStyle/>
+          <a:p>
+            <a:r>
+              <a:t>import requests</a:t>
+            </a:r>
+          </a:p>
+          <a:p>
+            <a:r>
+              <a:t>def test_api_endpoint():</a:t>
+            </a:r>
+          </a:p>
+          <a:p>
+            <a:r>
+              <a:t>    url = "https://api.example.com/data"</a:t>
+            </a:r>
+          </a:p>
+          <a:p>
+            <a:r>
+              <a:t>    response = requests.get(url)</a:t>
+            </a:r>
+          </a:p>
+          <a:p>
+            <a:r>
+              <a:t>    assert response.status_code == 200</a:t>
+            </a:r>
+          </a:p>
+          <a:p>
+            <a:r>
+              <a:t>    assert "expected_key" in response.json()</a:t>
+            </a:r>
+          </a:p>
+          <a:p>
+            <a:endParaRPr/>
+          </a:p>
+          <a:p>
+            <a:r>
+              <a:t>if __name__ == "__main__":</a:t>
+            </a:r>
+          </a:p>
+          <a:p>
+            <a:r>
+              <a:t>    test_api_endpoint()</a:t>
+            </a:r>
+          </a:p>
+        </p:txBody>
+      </p:sp>
+      <p:sp>
+        <p:nvSpPr>
+          <p:cNvPr id="4" name="Rectangle 3"/>
+          <p:cNvSpPr/>
+          <p:nvPr/>
+        </p:nvSpPr>
+        <p:spPr>
+          <a:xfrm>
+            <a:off x="5486400" y="914400"/>
+            <a:ext cx="2743200" cy="914400"/>
+          </a:xfrm>
+          <a:prstGeom prst="rect">
+            <a:avLst/>
+          </a:prstGeom>
+        </p:spPr>
+        <p:style>
+          <a:lnRef idx="1">
+            <a:schemeClr val="accent1"/>
+          </a:lnRef>
+          <a:fillRef idx="3">
+            <a:schemeClr val="accent1"/>
+          </a:fillRef>
+          <a:effectRef idx="2">
+            <a:schemeClr val="accent1"/>
+          </a:effectRef>
+          <a:fontRef idx="minor">
+            <a:schemeClr val="lt1"/>
+          </a:fontRef>
+        </p:style>
+        <p:txBody>
+          <a:bodyPr rtlCol="0" anchor="ctr"/>
+          <a:lstStyle/>
+          <a:p>
+            <a:r>
+              <a:t>Placeholder: Code Snippet</a:t>
+            </a:r>
+          </a:p>
+        </p:txBody>
+      </p:sp>
+    </p:spTree>
+  </p:cSld>
+  <p:clrMapOvr>
+    <a:masterClrMapping/>
+  </p:clrMapOvr>
+</p:sld>
+</file>
+
+<file path=ppt/slides/slide7.xml><?xml version="1.0" encoding="utf-8"?>
+<p:sld xmlns:a="http://schemas.openxmlformats.org/drawingml/2006/main" xmlns:r="http://schemas.openxmlformats.org/officeDocument/2006/relationships" xmlns:p="http://schemas.openxmlformats.org/presentationml/2006/main">
+  <p:cSld>
+    <p:bg>
+      <p:bgPr>
+        <a:solidFill>
+          <a:srgbClr val="ADD8E6"/>
+        </a:solidFill>
+        <a:effectLst/>
+      </p:bgPr>
+    </p:bg>
+    <p:spTree>
+      <p:nvGrpSpPr>
+        <p:cNvPr id="1" name=""/>
+        <p:cNvGrpSpPr/>
+        <p:nvPr/>
+      </p:nvGrpSpPr>
+      <p:grpSpPr>
+        <a:xfrm>
+          <a:off x="0" y="0"/>
+          <a:ext cx="0" cy="0"/>
+          <a:chOff x="0" y="0"/>
+          <a:chExt cx="0" cy="0"/>
+        </a:xfrm>
+      </p:grpSpPr>
+      <p:sp>
+        <p:nvSpPr>
+          <p:cNvPr id="2" name="Title 1"/>
+          <p:cNvSpPr>
+            <a:spLocks noGrp="1"/>
+          </p:cNvSpPr>
+          <p:nvPr>
+            <p:ph type="title"/>
+          </p:nvPr>
+        </p:nvSpPr>
+        <p:spPr/>
+        <p:txBody>
+          <a:bodyPr/>
+          <a:lstStyle/>
+          <a:p>
+            <a:r>
+              <a:t>Integrating RPA for API Testing</a:t>
+            </a:r>
+          </a:p>
+        </p:txBody>
+      </p:sp>
+      <p:sp>
+        <p:nvSpPr>
+          <p:cNvPr id="3" name="Content Placeholder 2"/>
+          <p:cNvSpPr>
+            <a:spLocks noGrp="1"/>
+          </p:cNvSpPr>
+          <p:nvPr>
+            <p:ph idx="1"/>
+          </p:nvPr>
+        </p:nvSpPr>
+        <p:spPr/>
+        <p:txBody>
+          <a:bodyPr/>
+          <a:lstStyle/>
+          <a:p>
+            <a:r>
+              <a:t>How to Integrate RPA:</a:t>
+            </a:r>
+          </a:p>
+          <a:p>
+            <a:r>
+              <a:t>- Automate triggering of API test scripts.</a:t>
+            </a:r>
+          </a:p>
+          <a:p>
+            <a:r>
+              <a:t>- Collect test results and generate summary reports.</a:t>
+            </a:r>
+          </a:p>
+          <a:p>
+            <a:r>
+              <a:t>- Schedule periodic tests.</a:t>
+            </a:r>
+          </a:p>
+          <a:p>
+            <a:r>
+              <a:t>- Notify stakeholders of critical issues.</a:t>
             </a:r>
           </a:p>
         </p:txBody>
@@ -3564,7 +10296,7 @@
           <a:lstStyle/>
           <a:p>
             <a:r>
-              <a:t>Placeholder: Thank You</a:t>
+              <a:t>Placeholder: RPA Integration</a:t>
             </a:r>
           </a:p>
         </p:txBody>
@@ -3577,8 +10309,8 @@
 </p:sld>
 </file>
 
-<file path=ppt/slides/slide2.xml><?xml version="1.0" encoding="utf-8"?>
-<p:sld xmlns:a="http://schemas.openxmlformats.org/drawingml/2006/main" xmlns:p="http://schemas.openxmlformats.org/presentationml/2006/main" xmlns:r="http://schemas.openxmlformats.org/officeDocument/2006/relationships">
+<file path=ppt/slides/slide8.xml><?xml version="1.0" encoding="utf-8"?>
+<p:sld xmlns:a="http://schemas.openxmlformats.org/drawingml/2006/main" xmlns:r="http://schemas.openxmlformats.org/officeDocument/2006/relationships" xmlns:p="http://schemas.openxmlformats.org/presentationml/2006/main">
   <p:cSld>
     <p:bg>
       <p:bgPr>
@@ -3594,7 +10326,14 @@
         <p:cNvGrpSpPr/>
         <p:nvPr/>
       </p:nvGrpSpPr>
-      <p:grpSpPr/>
+      <p:grpSpPr>
+        <a:xfrm>
+          <a:off x="0" y="0"/>
+          <a:ext cx="0" cy="0"/>
+          <a:chOff x="0" y="0"/>
+          <a:chExt cx="0" cy="0"/>
+        </a:xfrm>
+      </p:grpSpPr>
       <p:sp>
         <p:nvSpPr>
           <p:cNvPr id="2" name="Title 1"/>
@@ -3611,7 +10350,7 @@
           <a:lstStyle/>
           <a:p>
             <a:r>
-              <a:t>Introduction to RPA and API Testing</a:t>
+              <a:t>Challenges and Solutions</a:t>
             </a:r>
           </a:p>
         </p:txBody>
@@ -3628,48 +10367,51 @@
         </p:nvSpPr>
         <p:spPr/>
         <p:txBody>
-          <a:bodyPr/>
+          <a:bodyPr>
+            <a:normAutofit fontScale="92500" lnSpcReduction="20000"/>
+          </a:bodyPr>
           <a:lstStyle/>
           <a:p>
             <a:r>
-              <a:t>What is RPA?</a:t>
-            </a:r>
-          </a:p>
-          <a:p>
-            <a:r>
-              <a:t>- Robotic Process Automation (RPA) uses software robots to automate repetitive tasks.</a:t>
-            </a:r>
-          </a:p>
-          <a:p/>
-          <a:p>
-            <a:r>
-              <a:t>What is API Testing?</a:t>
-            </a:r>
-          </a:p>
-          <a:p>
-            <a:r>
-              <a:t>- API testing involves verifying the functionality, reliability, and performance of APIs.</a:t>
-            </a:r>
-          </a:p>
-          <a:p/>
-          <a:p>
-            <a:r>
-              <a:t>Why Combine RPA with API Testing?</a:t>
-            </a:r>
-          </a:p>
-          <a:p>
-            <a:r>
-              <a:t>- Streamlines processes.</a:t>
-            </a:r>
-          </a:p>
-          <a:p>
-            <a:r>
-              <a:t>- Reduces manual intervention.</a:t>
-            </a:r>
-          </a:p>
-          <a:p>
-            <a:r>
-              <a:t>- Ensures consistency and reliability.</a:t>
+              <a:t>Challenges:</a:t>
+            </a:r>
+          </a:p>
+          <a:p>
+            <a:r>
+              <a:t>- Managing dependencies.</a:t>
+            </a:r>
+          </a:p>
+          <a:p>
+            <a:r>
+              <a:t>- Handling dynamic APIs.</a:t>
+            </a:r>
+          </a:p>
+          <a:p>
+            <a:r>
+              <a:t>- Debugging issues in automation.</a:t>
+            </a:r>
+          </a:p>
+          <a:p>
+            <a:endParaRPr/>
+          </a:p>
+          <a:p>
+            <a:r>
+              <a:t>Solutions:</a:t>
+            </a:r>
+          </a:p>
+          <a:p>
+            <a:r>
+              <a:t>- Use virtual environments.</a:t>
+            </a:r>
+          </a:p>
+          <a:p>
+            <a:r>
+              <a:t>- Implement robust error handling.</a:t>
+            </a:r>
+          </a:p>
+          <a:p>
+            <a:r>
+              <a:t>- Use version control for test scripts.</a:t>
             </a:r>
           </a:p>
         </p:txBody>
@@ -3708,7 +10450,7 @@
           <a:lstStyle/>
           <a:p>
             <a:r>
-              <a:t>Placeholder: Intro Image</a:t>
+              <a:t>Placeholder: Challenges</a:t>
             </a:r>
           </a:p>
         </p:txBody>
@@ -3721,8 +10463,8 @@
 </p:sld>
 </file>
 
-<file path=ppt/slides/slide3.xml><?xml version="1.0" encoding="utf-8"?>
-<p:sld xmlns:a="http://schemas.openxmlformats.org/drawingml/2006/main" xmlns:p="http://schemas.openxmlformats.org/presentationml/2006/main" xmlns:r="http://schemas.openxmlformats.org/officeDocument/2006/relationships">
+<file path=ppt/slides/slide9.xml><?xml version="1.0" encoding="utf-8"?>
+<p:sld xmlns:a="http://schemas.openxmlformats.org/drawingml/2006/main" xmlns:r="http://schemas.openxmlformats.org/officeDocument/2006/relationships" xmlns:p="http://schemas.openxmlformats.org/presentationml/2006/main">
   <p:cSld>
     <p:bg>
       <p:bgPr>
@@ -3738,7 +10480,14 @@
         <p:cNvGrpSpPr/>
         <p:nvPr/>
       </p:nvGrpSpPr>
-      <p:grpSpPr/>
+      <p:grpSpPr>
+        <a:xfrm>
+          <a:off x="0" y="0"/>
+          <a:ext cx="0" cy="0"/>
+          <a:chOff x="0" y="0"/>
+          <a:chExt cx="0" cy="0"/>
+        </a:xfrm>
+      </p:grpSpPr>
       <p:sp>
         <p:nvSpPr>
           <p:cNvPr id="2" name="Title 1"/>
@@ -3755,7 +10504,7 @@
           <a:lstStyle/>
           <a:p>
             <a:r>
-              <a:t>Benefits of Using Python for API Testing</a:t>
+              <a:t>Real-World Use Cases</a:t>
             </a:r>
           </a:p>
         </p:txBody>
@@ -3770,33 +10519,43 @@
             <p:ph idx="1"/>
           </p:nvPr>
         </p:nvSpPr>
-        <p:spPr/>
+        <p:spPr>
+          <a:noFill/>
+          <a:extLst>
+            <a:ext uri="{909E8E84-426E-40DD-AFC4-6F175D3DCCD1}">
+              <a14:hiddenFill xmlns:a14="http://schemas.microsoft.com/office/drawing/2010/main">
+                <a:solidFill>
+                  <a:srgbClr val="FFFFFF"/>
+                </a:solidFill>
+              </a14:hiddenFill>
+            </a:ext>
+          </a:extLst>
+        </p:spPr>
         <p:txBody>
           <a:bodyPr/>
           <a:lstStyle/>
           <a:p>
             <a:r>
-              <a:t>Benefits of Python:</a:t>
-            </a:r>
-          </a:p>
-          <a:p>
-            <a:r>
-              <a:t>- Extensive Libraries: Requests, pytest, unittest, etc.</a:t>
-            </a:r>
-          </a:p>
-          <a:p>
-            <a:r>
-              <a:t>- Easy to learn and write.</a:t>
-            </a:r>
-          </a:p>
-          <a:p>
-            <a:r>
-              <a:t>- Highly flexible and scalable.</a:t>
-            </a:r>
-          </a:p>
-          <a:p>
-            <a:r>
-              <a:t>- Open-source and community support.</a:t>
+              <a:rPr dirty="0"/>
+              <a:t>Examples:</a:t>
+            </a:r>
+          </a:p>
+          <a:p>
+            <a:r>
+              <a:rPr dirty="0"/>
+              <a:t>- Automating regression testing for APIs.</a:t>
+            </a:r>
+          </a:p>
+          <a:p>
+            <a:r>
+              <a:rPr dirty="0"/>
+              <a:t>- Monitoring API uptime and performance.</a:t>
+            </a:r>
+          </a:p>
+          <a:p>
+            <a:r>
+              <a:rPr dirty="0"/>
+              <a:t>- Automating report generation and distribution.</a:t>
             </a:r>
           </a:p>
         </p:txBody>
@@ -3809,828 +10568,7 @@
         </p:nvSpPr>
         <p:spPr>
           <a:xfrm>
-            <a:off x="6400800" y="914400"/>
-            <a:ext cx="1371600" cy="914400"/>
-          </a:xfrm>
-          <a:prstGeom prst="rect">
-            <a:avLst/>
-          </a:prstGeom>
-        </p:spPr>
-        <p:style>
-          <a:lnRef idx="1">
-            <a:schemeClr val="accent1"/>
-          </a:lnRef>
-          <a:fillRef idx="3">
-            <a:schemeClr val="accent1"/>
-          </a:fillRef>
-          <a:effectRef idx="2">
-            <a:schemeClr val="accent1"/>
-          </a:effectRef>
-          <a:fontRef idx="minor">
-            <a:schemeClr val="lt1"/>
-          </a:fontRef>
-        </p:style>
-        <p:txBody>
-          <a:bodyPr rtlCol="0" anchor="ctr"/>
-          <a:lstStyle/>
-          <a:p>
-            <a:r>
-              <a:t>Placeholder: Python Logo</a:t>
-            </a:r>
-          </a:p>
-        </p:txBody>
-      </p:sp>
-    </p:spTree>
-  </p:cSld>
-  <p:clrMapOvr>
-    <a:masterClrMapping/>
-  </p:clrMapOvr>
-</p:sld>
-</file>
-
-<file path=ppt/slides/slide4.xml><?xml version="1.0" encoding="utf-8"?>
-<p:sld xmlns:a="http://schemas.openxmlformats.org/drawingml/2006/main" xmlns:p="http://schemas.openxmlformats.org/presentationml/2006/main" xmlns:r="http://schemas.openxmlformats.org/officeDocument/2006/relationships">
-  <p:cSld>
-    <p:bg>
-      <p:bgPr>
-        <a:solidFill>
-          <a:srgbClr val="ADD8E6"/>
-        </a:solidFill>
-        <a:effectLst/>
-      </p:bgPr>
-    </p:bg>
-    <p:spTree>
-      <p:nvGrpSpPr>
-        <p:cNvPr id="1" name=""/>
-        <p:cNvGrpSpPr/>
-        <p:nvPr/>
-      </p:nvGrpSpPr>
-      <p:grpSpPr/>
-      <p:sp>
-        <p:nvSpPr>
-          <p:cNvPr id="2" name="Title 1"/>
-          <p:cNvSpPr>
-            <a:spLocks noGrp="1"/>
-          </p:cNvSpPr>
-          <p:nvPr>
-            <p:ph type="title"/>
-          </p:nvPr>
-        </p:nvSpPr>
-        <p:spPr/>
-        <p:txBody>
-          <a:bodyPr/>
-          <a:lstStyle/>
-          <a:p>
-            <a:r>
-              <a:t>Tools and Frameworks</a:t>
-            </a:r>
-          </a:p>
-        </p:txBody>
-      </p:sp>
-      <p:sp>
-        <p:nvSpPr>
-          <p:cNvPr id="3" name="Content Placeholder 2"/>
-          <p:cNvSpPr>
-            <a:spLocks noGrp="1"/>
-          </p:cNvSpPr>
-          <p:nvPr>
-            <p:ph idx="1"/>
-          </p:nvPr>
-        </p:nvSpPr>
-        <p:spPr/>
-        <p:txBody>
-          <a:bodyPr/>
-          <a:lstStyle/>
-          <a:p>
-            <a:r>
-              <a:t>RPA Tools:</a:t>
-            </a:r>
-          </a:p>
-          <a:p>
-            <a:r>
-              <a:t>- UiPath</a:t>
-            </a:r>
-          </a:p>
-          <a:p>
-            <a:r>
-              <a:t>- Automation Anywhere</a:t>
-            </a:r>
-          </a:p>
-          <a:p>
-            <a:r>
-              <a:t>- Blue Prism</a:t>
-            </a:r>
-          </a:p>
-          <a:p/>
-          <a:p>
-            <a:r>
-              <a:t>API Testing Tools in Python:</a:t>
-            </a:r>
-          </a:p>
-          <a:p>
-            <a:r>
-              <a:t>- Requests</a:t>
-            </a:r>
-          </a:p>
-          <a:p>
-            <a:r>
-              <a:t>- pytest</a:t>
-            </a:r>
-          </a:p>
-          <a:p>
-            <a:r>
-              <a:t>- Robot Framework</a:t>
-            </a:r>
-          </a:p>
-          <a:p/>
-          <a:p>
-            <a:r>
-              <a:t>Integration Frameworks:</a:t>
-            </a:r>
-          </a:p>
-          <a:p>
-            <a:r>
-              <a:t>- Flask/Django for custom test dashboards</a:t>
-            </a:r>
-          </a:p>
-        </p:txBody>
-      </p:sp>
-      <p:sp>
-        <p:nvSpPr>
-          <p:cNvPr id="4" name="Rectangle 3"/>
-          <p:cNvSpPr/>
-          <p:nvPr/>
-        </p:nvSpPr>
-        <p:spPr>
-          <a:xfrm>
-            <a:off x="457200" y="914400"/>
-            <a:ext cx="2743200" cy="914400"/>
-          </a:xfrm>
-          <a:prstGeom prst="rect">
-            <a:avLst/>
-          </a:prstGeom>
-        </p:spPr>
-        <p:style>
-          <a:lnRef idx="1">
-            <a:schemeClr val="accent1"/>
-          </a:lnRef>
-          <a:fillRef idx="3">
-            <a:schemeClr val="accent1"/>
-          </a:fillRef>
-          <a:effectRef idx="2">
-            <a:schemeClr val="accent1"/>
-          </a:effectRef>
-          <a:fontRef idx="minor">
-            <a:schemeClr val="lt1"/>
-          </a:fontRef>
-        </p:style>
-        <p:txBody>
-          <a:bodyPr rtlCol="0" anchor="ctr"/>
-          <a:lstStyle/>
-          <a:p>
-            <a:r>
-              <a:t>Placeholder: Tools Image</a:t>
-            </a:r>
-          </a:p>
-        </p:txBody>
-      </p:sp>
-    </p:spTree>
-  </p:cSld>
-  <p:clrMapOvr>
-    <a:masterClrMapping/>
-  </p:clrMapOvr>
-</p:sld>
-</file>
-
-<file path=ppt/slides/slide5.xml><?xml version="1.0" encoding="utf-8"?>
-<p:sld xmlns:a="http://schemas.openxmlformats.org/drawingml/2006/main" xmlns:p="http://schemas.openxmlformats.org/presentationml/2006/main" xmlns:r="http://schemas.openxmlformats.org/officeDocument/2006/relationships">
-  <p:cSld>
-    <p:bg>
-      <p:bgPr>
-        <a:solidFill>
-          <a:srgbClr val="ADD8E6"/>
-        </a:solidFill>
-        <a:effectLst/>
-      </p:bgPr>
-    </p:bg>
-    <p:spTree>
-      <p:nvGrpSpPr>
-        <p:cNvPr id="1" name=""/>
-        <p:cNvGrpSpPr/>
-        <p:nvPr/>
-      </p:nvGrpSpPr>
-      <p:grpSpPr/>
-      <p:sp>
-        <p:nvSpPr>
-          <p:cNvPr id="2" name="Title 1"/>
-          <p:cNvSpPr>
-            <a:spLocks noGrp="1"/>
-          </p:cNvSpPr>
-          <p:nvPr>
-            <p:ph type="title"/>
-          </p:nvPr>
-        </p:nvSpPr>
-        <p:spPr/>
-        <p:txBody>
-          <a:bodyPr/>
-          <a:lstStyle/>
-          <a:p>
-            <a:r>
-              <a:t>Sample API Testing Workflow</a:t>
-            </a:r>
-          </a:p>
-        </p:txBody>
-      </p:sp>
-      <p:sp>
-        <p:nvSpPr>
-          <p:cNvPr id="3" name="Content Placeholder 2"/>
-          <p:cNvSpPr>
-            <a:spLocks noGrp="1"/>
-          </p:cNvSpPr>
-          <p:nvPr>
-            <p:ph idx="1"/>
-          </p:nvPr>
-        </p:nvSpPr>
-        <p:spPr/>
-        <p:txBody>
-          <a:bodyPr/>
-          <a:lstStyle/>
-          <a:p>
-            <a:r>
-              <a:t>Steps:</a:t>
-            </a:r>
-          </a:p>
-          <a:p>
-            <a:r>
-              <a:t>1. Setup Python environment and libraries.</a:t>
-            </a:r>
-          </a:p>
-          <a:p>
-            <a:r>
-              <a:t>2. Define API endpoints to test.</a:t>
-            </a:r>
-          </a:p>
-          <a:p>
-            <a:r>
-              <a:t>3. Create test cases using pytest/unittest.</a:t>
-            </a:r>
-          </a:p>
-          <a:p>
-            <a:r>
-              <a:t>4. Validate responses and log results.</a:t>
-            </a:r>
-          </a:p>
-          <a:p>
-            <a:r>
-              <a:t>5. Use RPA tools to automate report generation and alerting.</a:t>
-            </a:r>
-          </a:p>
-        </p:txBody>
-      </p:sp>
-      <p:sp>
-        <p:nvSpPr>
-          <p:cNvPr id="4" name="Rectangle 3"/>
-          <p:cNvSpPr/>
-          <p:nvPr/>
-        </p:nvSpPr>
-        <p:spPr>
-          <a:xfrm>
-            <a:off x="457200" y="914400"/>
-            <a:ext cx="3657600" cy="1828800"/>
-          </a:xfrm>
-          <a:prstGeom prst="rect">
-            <a:avLst/>
-          </a:prstGeom>
-        </p:spPr>
-        <p:style>
-          <a:lnRef idx="1">
-            <a:schemeClr val="accent1"/>
-          </a:lnRef>
-          <a:fillRef idx="3">
-            <a:schemeClr val="accent1"/>
-          </a:fillRef>
-          <a:effectRef idx="2">
-            <a:schemeClr val="accent1"/>
-          </a:effectRef>
-          <a:fontRef idx="minor">
-            <a:schemeClr val="lt1"/>
-          </a:fontRef>
-        </p:style>
-        <p:txBody>
-          <a:bodyPr rtlCol="0" anchor="ctr"/>
-          <a:lstStyle/>
-          <a:p>
-            <a:r>
-              <a:t>Placeholder: Workflow Chart</a:t>
-            </a:r>
-          </a:p>
-        </p:txBody>
-      </p:sp>
-    </p:spTree>
-  </p:cSld>
-  <p:clrMapOvr>
-    <a:masterClrMapping/>
-  </p:clrMapOvr>
-</p:sld>
-</file>
-
-<file path=ppt/slides/slide6.xml><?xml version="1.0" encoding="utf-8"?>
-<p:sld xmlns:a="http://schemas.openxmlformats.org/drawingml/2006/main" xmlns:p="http://schemas.openxmlformats.org/presentationml/2006/main" xmlns:r="http://schemas.openxmlformats.org/officeDocument/2006/relationships">
-  <p:cSld>
-    <p:bg>
-      <p:bgPr>
-        <a:solidFill>
-          <a:srgbClr val="ADD8E6"/>
-        </a:solidFill>
-        <a:effectLst/>
-      </p:bgPr>
-    </p:bg>
-    <p:spTree>
-      <p:nvGrpSpPr>
-        <p:cNvPr id="1" name=""/>
-        <p:cNvGrpSpPr/>
-        <p:nvPr/>
-      </p:nvGrpSpPr>
-      <p:grpSpPr/>
-      <p:sp>
-        <p:nvSpPr>
-          <p:cNvPr id="2" name="Title 1"/>
-          <p:cNvSpPr>
-            <a:spLocks noGrp="1"/>
-          </p:cNvSpPr>
-          <p:nvPr>
-            <p:ph type="title"/>
-          </p:nvPr>
-        </p:nvSpPr>
-        <p:spPr/>
-        <p:txBody>
-          <a:bodyPr/>
-          <a:lstStyle/>
-          <a:p>
-            <a:r>
-              <a:t>Sample Code Snippet</a:t>
-            </a:r>
-          </a:p>
-        </p:txBody>
-      </p:sp>
-      <p:sp>
-        <p:nvSpPr>
-          <p:cNvPr id="3" name="Content Placeholder 2"/>
-          <p:cNvSpPr>
-            <a:spLocks noGrp="1"/>
-          </p:cNvSpPr>
-          <p:nvPr>
-            <p:ph idx="1"/>
-          </p:nvPr>
-        </p:nvSpPr>
-        <p:spPr/>
-        <p:txBody>
-          <a:bodyPr/>
-          <a:lstStyle/>
-          <a:p>
-            <a:r>
-              <a:t>import requests</a:t>
-            </a:r>
-          </a:p>
-          <a:p>
-            <a:r>
-              <a:t>def test_api_endpoint():</a:t>
-            </a:r>
-          </a:p>
-          <a:p>
-            <a:r>
-              <a:t>    url = "https://api.example.com/data"</a:t>
-            </a:r>
-          </a:p>
-          <a:p>
-            <a:r>
-              <a:t>    response = requests.get(url)</a:t>
-            </a:r>
-          </a:p>
-          <a:p>
-            <a:r>
-              <a:t>    assert response.status_code == 200</a:t>
-            </a:r>
-          </a:p>
-          <a:p>
-            <a:r>
-              <a:t>    assert "expected_key" in response.json()</a:t>
-            </a:r>
-          </a:p>
-          <a:p/>
-          <a:p>
-            <a:r>
-              <a:t>if __name__ == "__main__":</a:t>
-            </a:r>
-          </a:p>
-          <a:p>
-            <a:r>
-              <a:t>    test_api_endpoint()</a:t>
-            </a:r>
-          </a:p>
-        </p:txBody>
-      </p:sp>
-      <p:sp>
-        <p:nvSpPr>
-          <p:cNvPr id="4" name="Rectangle 3"/>
-          <p:cNvSpPr/>
-          <p:nvPr/>
-        </p:nvSpPr>
-        <p:spPr>
-          <a:xfrm>
-            <a:off x="5486400" y="914400"/>
-            <a:ext cx="2743200" cy="914400"/>
-          </a:xfrm>
-          <a:prstGeom prst="rect">
-            <a:avLst/>
-          </a:prstGeom>
-        </p:spPr>
-        <p:style>
-          <a:lnRef idx="1">
-            <a:schemeClr val="accent1"/>
-          </a:lnRef>
-          <a:fillRef idx="3">
-            <a:schemeClr val="accent1"/>
-          </a:fillRef>
-          <a:effectRef idx="2">
-            <a:schemeClr val="accent1"/>
-          </a:effectRef>
-          <a:fontRef idx="minor">
-            <a:schemeClr val="lt1"/>
-          </a:fontRef>
-        </p:style>
-        <p:txBody>
-          <a:bodyPr rtlCol="0" anchor="ctr"/>
-          <a:lstStyle/>
-          <a:p>
-            <a:r>
-              <a:t>Placeholder: Code Snippet</a:t>
-            </a:r>
-          </a:p>
-        </p:txBody>
-      </p:sp>
-    </p:spTree>
-  </p:cSld>
-  <p:clrMapOvr>
-    <a:masterClrMapping/>
-  </p:clrMapOvr>
-</p:sld>
-</file>
-
-<file path=ppt/slides/slide7.xml><?xml version="1.0" encoding="utf-8"?>
-<p:sld xmlns:a="http://schemas.openxmlformats.org/drawingml/2006/main" xmlns:p="http://schemas.openxmlformats.org/presentationml/2006/main" xmlns:r="http://schemas.openxmlformats.org/officeDocument/2006/relationships">
-  <p:cSld>
-    <p:bg>
-      <p:bgPr>
-        <a:solidFill>
-          <a:srgbClr val="ADD8E6"/>
-        </a:solidFill>
-        <a:effectLst/>
-      </p:bgPr>
-    </p:bg>
-    <p:spTree>
-      <p:nvGrpSpPr>
-        <p:cNvPr id="1" name=""/>
-        <p:cNvGrpSpPr/>
-        <p:nvPr/>
-      </p:nvGrpSpPr>
-      <p:grpSpPr/>
-      <p:sp>
-        <p:nvSpPr>
-          <p:cNvPr id="2" name="Title 1"/>
-          <p:cNvSpPr>
-            <a:spLocks noGrp="1"/>
-          </p:cNvSpPr>
-          <p:nvPr>
-            <p:ph type="title"/>
-          </p:nvPr>
-        </p:nvSpPr>
-        <p:spPr/>
-        <p:txBody>
-          <a:bodyPr/>
-          <a:lstStyle/>
-          <a:p>
-            <a:r>
-              <a:t>Integrating RPA for API Testing</a:t>
-            </a:r>
-          </a:p>
-        </p:txBody>
-      </p:sp>
-      <p:sp>
-        <p:nvSpPr>
-          <p:cNvPr id="3" name="Content Placeholder 2"/>
-          <p:cNvSpPr>
-            <a:spLocks noGrp="1"/>
-          </p:cNvSpPr>
-          <p:nvPr>
-            <p:ph idx="1"/>
-          </p:nvPr>
-        </p:nvSpPr>
-        <p:spPr/>
-        <p:txBody>
-          <a:bodyPr/>
-          <a:lstStyle/>
-          <a:p>
-            <a:r>
-              <a:t>How to Integrate RPA:</a:t>
-            </a:r>
-          </a:p>
-          <a:p>
-            <a:r>
-              <a:t>- Automate triggering of API test scripts.</a:t>
-            </a:r>
-          </a:p>
-          <a:p>
-            <a:r>
-              <a:t>- Collect test results and generate summary reports.</a:t>
-            </a:r>
-          </a:p>
-          <a:p>
-            <a:r>
-              <a:t>- Schedule periodic tests.</a:t>
-            </a:r>
-          </a:p>
-          <a:p>
-            <a:r>
-              <a:t>- Notify stakeholders of critical issues.</a:t>
-            </a:r>
-          </a:p>
-        </p:txBody>
-      </p:sp>
-      <p:sp>
-        <p:nvSpPr>
-          <p:cNvPr id="4" name="Rectangle 3"/>
-          <p:cNvSpPr/>
-          <p:nvPr/>
-        </p:nvSpPr>
-        <p:spPr>
-          <a:xfrm>
-            <a:off x="457200" y="1828800"/>
-            <a:ext cx="2743200" cy="914400"/>
-          </a:xfrm>
-          <a:prstGeom prst="rect">
-            <a:avLst/>
-          </a:prstGeom>
-        </p:spPr>
-        <p:style>
-          <a:lnRef idx="1">
-            <a:schemeClr val="accent1"/>
-          </a:lnRef>
-          <a:fillRef idx="3">
-            <a:schemeClr val="accent1"/>
-          </a:fillRef>
-          <a:effectRef idx="2">
-            <a:schemeClr val="accent1"/>
-          </a:effectRef>
-          <a:fontRef idx="minor">
-            <a:schemeClr val="lt1"/>
-          </a:fontRef>
-        </p:style>
-        <p:txBody>
-          <a:bodyPr rtlCol="0" anchor="ctr"/>
-          <a:lstStyle/>
-          <a:p>
-            <a:r>
-              <a:t>Placeholder: RPA Integration</a:t>
-            </a:r>
-          </a:p>
-        </p:txBody>
-      </p:sp>
-    </p:spTree>
-  </p:cSld>
-  <p:clrMapOvr>
-    <a:masterClrMapping/>
-  </p:clrMapOvr>
-</p:sld>
-</file>
-
-<file path=ppt/slides/slide8.xml><?xml version="1.0" encoding="utf-8"?>
-<p:sld xmlns:a="http://schemas.openxmlformats.org/drawingml/2006/main" xmlns:p="http://schemas.openxmlformats.org/presentationml/2006/main" xmlns:r="http://schemas.openxmlformats.org/officeDocument/2006/relationships">
-  <p:cSld>
-    <p:bg>
-      <p:bgPr>
-        <a:solidFill>
-          <a:srgbClr val="ADD8E6"/>
-        </a:solidFill>
-        <a:effectLst/>
-      </p:bgPr>
-    </p:bg>
-    <p:spTree>
-      <p:nvGrpSpPr>
-        <p:cNvPr id="1" name=""/>
-        <p:cNvGrpSpPr/>
-        <p:nvPr/>
-      </p:nvGrpSpPr>
-      <p:grpSpPr/>
-      <p:sp>
-        <p:nvSpPr>
-          <p:cNvPr id="2" name="Title 1"/>
-          <p:cNvSpPr>
-            <a:spLocks noGrp="1"/>
-          </p:cNvSpPr>
-          <p:nvPr>
-            <p:ph type="title"/>
-          </p:nvPr>
-        </p:nvSpPr>
-        <p:spPr/>
-        <p:txBody>
-          <a:bodyPr/>
-          <a:lstStyle/>
-          <a:p>
-            <a:r>
-              <a:t>Challenges and Solutions</a:t>
-            </a:r>
-          </a:p>
-        </p:txBody>
-      </p:sp>
-      <p:sp>
-        <p:nvSpPr>
-          <p:cNvPr id="3" name="Content Placeholder 2"/>
-          <p:cNvSpPr>
-            <a:spLocks noGrp="1"/>
-          </p:cNvSpPr>
-          <p:nvPr>
-            <p:ph idx="1"/>
-          </p:nvPr>
-        </p:nvSpPr>
-        <p:spPr/>
-        <p:txBody>
-          <a:bodyPr/>
-          <a:lstStyle/>
-          <a:p>
-            <a:r>
-              <a:t>Challenges:</a:t>
-            </a:r>
-          </a:p>
-          <a:p>
-            <a:r>
-              <a:t>- Managing dependencies.</a:t>
-            </a:r>
-          </a:p>
-          <a:p>
-            <a:r>
-              <a:t>- Handling dynamic APIs.</a:t>
-            </a:r>
-          </a:p>
-          <a:p>
-            <a:r>
-              <a:t>- Debugging issues in automation.</a:t>
-            </a:r>
-          </a:p>
-          <a:p/>
-          <a:p>
-            <a:r>
-              <a:t>Solutions:</a:t>
-            </a:r>
-          </a:p>
-          <a:p>
-            <a:r>
-              <a:t>- Use virtual environments.</a:t>
-            </a:r>
-          </a:p>
-          <a:p>
-            <a:r>
-              <a:t>- Implement robust error handling.</a:t>
-            </a:r>
-          </a:p>
-          <a:p>
-            <a:r>
-              <a:t>- Use version control for test scripts.</a:t>
-            </a:r>
-          </a:p>
-        </p:txBody>
-      </p:sp>
-      <p:sp>
-        <p:nvSpPr>
-          <p:cNvPr id="4" name="Rectangle 3"/>
-          <p:cNvSpPr/>
-          <p:nvPr/>
-        </p:nvSpPr>
-        <p:spPr>
-          <a:xfrm>
-            <a:off x="457200" y="1828800"/>
-            <a:ext cx="2743200" cy="914400"/>
-          </a:xfrm>
-          <a:prstGeom prst="rect">
-            <a:avLst/>
-          </a:prstGeom>
-        </p:spPr>
-        <p:style>
-          <a:lnRef idx="1">
-            <a:schemeClr val="accent1"/>
-          </a:lnRef>
-          <a:fillRef idx="3">
-            <a:schemeClr val="accent1"/>
-          </a:fillRef>
-          <a:effectRef idx="2">
-            <a:schemeClr val="accent1"/>
-          </a:effectRef>
-          <a:fontRef idx="minor">
-            <a:schemeClr val="lt1"/>
-          </a:fontRef>
-        </p:style>
-        <p:txBody>
-          <a:bodyPr rtlCol="0" anchor="ctr"/>
-          <a:lstStyle/>
-          <a:p>
-            <a:r>
-              <a:t>Placeholder: Challenges</a:t>
-            </a:r>
-          </a:p>
-        </p:txBody>
-      </p:sp>
-    </p:spTree>
-  </p:cSld>
-  <p:clrMapOvr>
-    <a:masterClrMapping/>
-  </p:clrMapOvr>
-</p:sld>
-</file>
-
-<file path=ppt/slides/slide9.xml><?xml version="1.0" encoding="utf-8"?>
-<p:sld xmlns:a="http://schemas.openxmlformats.org/drawingml/2006/main" xmlns:p="http://schemas.openxmlformats.org/presentationml/2006/main" xmlns:r="http://schemas.openxmlformats.org/officeDocument/2006/relationships">
-  <p:cSld>
-    <p:bg>
-      <p:bgPr>
-        <a:solidFill>
-          <a:srgbClr val="ADD8E6"/>
-        </a:solidFill>
-        <a:effectLst/>
-      </p:bgPr>
-    </p:bg>
-    <p:spTree>
-      <p:nvGrpSpPr>
-        <p:cNvPr id="1" name=""/>
-        <p:cNvGrpSpPr/>
-        <p:nvPr/>
-      </p:nvGrpSpPr>
-      <p:grpSpPr/>
-      <p:sp>
-        <p:nvSpPr>
-          <p:cNvPr id="2" name="Title 1"/>
-          <p:cNvSpPr>
-            <a:spLocks noGrp="1"/>
-          </p:cNvSpPr>
-          <p:nvPr>
-            <p:ph type="title"/>
-          </p:nvPr>
-        </p:nvSpPr>
-        <p:spPr/>
-        <p:txBody>
-          <a:bodyPr/>
-          <a:lstStyle/>
-          <a:p>
-            <a:r>
-              <a:t>Real-World Use Cases</a:t>
-            </a:r>
-          </a:p>
-        </p:txBody>
-      </p:sp>
-      <p:sp>
-        <p:nvSpPr>
-          <p:cNvPr id="3" name="Content Placeholder 2"/>
-          <p:cNvSpPr>
-            <a:spLocks noGrp="1"/>
-          </p:cNvSpPr>
-          <p:nvPr>
-            <p:ph idx="1"/>
-          </p:nvPr>
-        </p:nvSpPr>
-        <p:spPr/>
-        <p:txBody>
-          <a:bodyPr/>
-          <a:lstStyle/>
-          <a:p>
-            <a:r>
-              <a:t>Examples:</a:t>
-            </a:r>
-          </a:p>
-          <a:p>
-            <a:r>
-              <a:t>- Automating regression testing for APIs.</a:t>
-            </a:r>
-          </a:p>
-          <a:p>
-            <a:r>
-              <a:t>- Monitoring API uptime and performance.</a:t>
-            </a:r>
-          </a:p>
-          <a:p>
-            <a:r>
-              <a:t>- Automating report generation and distribution.</a:t>
-            </a:r>
-          </a:p>
-        </p:txBody>
-      </p:sp>
-      <p:sp>
-        <p:nvSpPr>
-          <p:cNvPr id="4" name="Rectangle 3"/>
-          <p:cNvSpPr/>
-          <p:nvPr/>
-        </p:nvSpPr>
-        <p:spPr>
-          <a:xfrm>
-            <a:off x="457200" y="1828800"/>
+            <a:off x="5943600" y="1143000"/>
             <a:ext cx="2743200" cy="914400"/>
           </a:xfrm>
           <a:prstGeom prst="rect">
